--- a/presentations/Sprint 2/Datenerzeugung und Datenanalyse_Sprint2_formatiert.pptx
+++ b/presentations/Sprint 2/Datenerzeugung und Datenanalyse_Sprint2_formatiert.pptx
@@ -5,24 +5,34 @@
     <p:sldMasterId id="2147483677" r:id="rId1"/>
   </p:sldMasterIdLst>
   <p:notesMasterIdLst>
-    <p:notesMasterId r:id="rId17"/>
+    <p:notesMasterId r:id="rId27"/>
   </p:notesMasterIdLst>
   <p:sldIdLst>
     <p:sldId id="309" r:id="rId2"/>
     <p:sldId id="321" r:id="rId3"/>
-    <p:sldId id="310" r:id="rId4"/>
-    <p:sldId id="311" r:id="rId5"/>
-    <p:sldId id="312" r:id="rId6"/>
-    <p:sldId id="313" r:id="rId7"/>
-    <p:sldId id="314" r:id="rId8"/>
-    <p:sldId id="301" r:id="rId9"/>
-    <p:sldId id="322" r:id="rId10"/>
-    <p:sldId id="323" r:id="rId11"/>
-    <p:sldId id="324" r:id="rId12"/>
-    <p:sldId id="325" r:id="rId13"/>
-    <p:sldId id="326" r:id="rId14"/>
-    <p:sldId id="327" r:id="rId15"/>
-    <p:sldId id="328" r:id="rId16"/>
+    <p:sldId id="329" r:id="rId4"/>
+    <p:sldId id="310" r:id="rId5"/>
+    <p:sldId id="311" r:id="rId6"/>
+    <p:sldId id="312" r:id="rId7"/>
+    <p:sldId id="313" r:id="rId8"/>
+    <p:sldId id="314" r:id="rId9"/>
+    <p:sldId id="301" r:id="rId10"/>
+    <p:sldId id="322" r:id="rId11"/>
+    <p:sldId id="330" r:id="rId12"/>
+    <p:sldId id="323" r:id="rId13"/>
+    <p:sldId id="331" r:id="rId14"/>
+    <p:sldId id="324" r:id="rId15"/>
+    <p:sldId id="332" r:id="rId16"/>
+    <p:sldId id="325" r:id="rId17"/>
+    <p:sldId id="333" r:id="rId18"/>
+    <p:sldId id="326" r:id="rId19"/>
+    <p:sldId id="334" r:id="rId20"/>
+    <p:sldId id="327" r:id="rId21"/>
+    <p:sldId id="335" r:id="rId22"/>
+    <p:sldId id="328" r:id="rId23"/>
+    <p:sldId id="338" r:id="rId24"/>
+    <p:sldId id="337" r:id="rId25"/>
+    <p:sldId id="336" r:id="rId26"/>
   </p:sldIdLst>
   <p:sldSz cx="12192000" cy="6858000"/>
   <p:notesSz cx="6858000" cy="9144000"/>
@@ -218,7 +228,7 @@
           <a:p>
             <a:fld id="{BD50FA3B-8C2A-45ED-9DC5-CB3028ABFCB7}" type="datetimeFigureOut">
               <a:rPr lang="de-DE" smtClean="0"/>
-              <a:t>10.11.2017</a:t>
+              <a:t>10.12.2017</a:t>
             </a:fld>
             <a:endParaRPr lang="de-DE"/>
           </a:p>
@@ -634,7 +644,7 @@
           <a:p>
             <a:fld id="{9246EBA2-7F35-4B7B-BE0F-6CB1169C1171}" type="slidenum">
               <a:rPr lang="de-DE" smtClean="0"/>
-              <a:t>11</a:t>
+              <a:t>12</a:t>
             </a:fld>
             <a:endParaRPr lang="de-DE"/>
           </a:p>
@@ -643,7 +653,7 @@
     </p:spTree>
     <p:extLst>
       <p:ext uri="{BB962C8B-B14F-4D97-AF65-F5344CB8AC3E}">
-        <p14:creationId xmlns:p14="http://schemas.microsoft.com/office/powerpoint/2010/main" val="3713478990"/>
+        <p14:creationId xmlns:p14="http://schemas.microsoft.com/office/powerpoint/2010/main" val="94105877"/>
       </p:ext>
     </p:extLst>
   </p:cSld>
@@ -718,7 +728,7 @@
           <a:p>
             <a:fld id="{9246EBA2-7F35-4B7B-BE0F-6CB1169C1171}" type="slidenum">
               <a:rPr lang="de-DE" smtClean="0"/>
-              <a:t>12</a:t>
+              <a:t>14</a:t>
             </a:fld>
             <a:endParaRPr lang="de-DE"/>
           </a:p>
@@ -727,7 +737,7 @@
     </p:spTree>
     <p:extLst>
       <p:ext uri="{BB962C8B-B14F-4D97-AF65-F5344CB8AC3E}">
-        <p14:creationId xmlns:p14="http://schemas.microsoft.com/office/powerpoint/2010/main" val="3715169236"/>
+        <p14:creationId xmlns:p14="http://schemas.microsoft.com/office/powerpoint/2010/main" val="3713478990"/>
       </p:ext>
     </p:extLst>
   </p:cSld>
@@ -802,7 +812,7 @@
           <a:p>
             <a:fld id="{9246EBA2-7F35-4B7B-BE0F-6CB1169C1171}" type="slidenum">
               <a:rPr lang="de-DE" smtClean="0"/>
-              <a:t>13</a:t>
+              <a:t>16</a:t>
             </a:fld>
             <a:endParaRPr lang="de-DE"/>
           </a:p>
@@ -811,7 +821,7 @@
     </p:spTree>
     <p:extLst>
       <p:ext uri="{BB962C8B-B14F-4D97-AF65-F5344CB8AC3E}">
-        <p14:creationId xmlns:p14="http://schemas.microsoft.com/office/powerpoint/2010/main" val="3802502935"/>
+        <p14:creationId xmlns:p14="http://schemas.microsoft.com/office/powerpoint/2010/main" val="3715169236"/>
       </p:ext>
     </p:extLst>
   </p:cSld>
@@ -886,7 +896,7 @@
           <a:p>
             <a:fld id="{9246EBA2-7F35-4B7B-BE0F-6CB1169C1171}" type="slidenum">
               <a:rPr lang="de-DE" smtClean="0"/>
-              <a:t>14</a:t>
+              <a:t>18</a:t>
             </a:fld>
             <a:endParaRPr lang="de-DE"/>
           </a:p>
@@ -895,7 +905,7 @@
     </p:spTree>
     <p:extLst>
       <p:ext uri="{BB962C8B-B14F-4D97-AF65-F5344CB8AC3E}">
-        <p14:creationId xmlns:p14="http://schemas.microsoft.com/office/powerpoint/2010/main" val="1058587782"/>
+        <p14:creationId xmlns:p14="http://schemas.microsoft.com/office/powerpoint/2010/main" val="3802502935"/>
       </p:ext>
     </p:extLst>
   </p:cSld>
@@ -970,7 +980,91 @@
           <a:p>
             <a:fld id="{9246EBA2-7F35-4B7B-BE0F-6CB1169C1171}" type="slidenum">
               <a:rPr lang="de-DE" smtClean="0"/>
-              <a:t>15</a:t>
+              <a:t>20</a:t>
+            </a:fld>
+            <a:endParaRPr lang="de-DE"/>
+          </a:p>
+        </p:txBody>
+      </p:sp>
+    </p:spTree>
+    <p:extLst>
+      <p:ext uri="{BB962C8B-B14F-4D97-AF65-F5344CB8AC3E}">
+        <p14:creationId xmlns:p14="http://schemas.microsoft.com/office/powerpoint/2010/main" val="1058587782"/>
+      </p:ext>
+    </p:extLst>
+  </p:cSld>
+  <p:clrMapOvr>
+    <a:masterClrMapping/>
+  </p:clrMapOvr>
+</p:notes>
+</file>
+
+<file path=ppt/notesSlides/notesSlide15.xml><?xml version="1.0" encoding="utf-8"?>
+<p:notes xmlns:a="http://schemas.openxmlformats.org/drawingml/2006/main" xmlns:r="http://schemas.openxmlformats.org/officeDocument/2006/relationships" xmlns:p="http://schemas.openxmlformats.org/presentationml/2006/main">
+  <p:cSld>
+    <p:spTree>
+      <p:nvGrpSpPr>
+        <p:cNvPr id="1" name=""/>
+        <p:cNvGrpSpPr/>
+        <p:nvPr/>
+      </p:nvGrpSpPr>
+      <p:grpSpPr>
+        <a:xfrm>
+          <a:off x="0" y="0"/>
+          <a:ext cx="0" cy="0"/>
+          <a:chOff x="0" y="0"/>
+          <a:chExt cx="0" cy="0"/>
+        </a:xfrm>
+      </p:grpSpPr>
+      <p:sp>
+        <p:nvSpPr>
+          <p:cNvPr id="2" name="Folienbildplatzhalter 1"/>
+          <p:cNvSpPr>
+            <a:spLocks noGrp="1" noRot="1" noChangeAspect="1"/>
+          </p:cNvSpPr>
+          <p:nvPr>
+            <p:ph type="sldImg"/>
+          </p:nvPr>
+        </p:nvSpPr>
+        <p:spPr/>
+      </p:sp>
+      <p:sp>
+        <p:nvSpPr>
+          <p:cNvPr id="3" name="Notizenplatzhalter 2"/>
+          <p:cNvSpPr>
+            <a:spLocks noGrp="1"/>
+          </p:cNvSpPr>
+          <p:nvPr>
+            <p:ph type="body" idx="1"/>
+          </p:nvPr>
+        </p:nvSpPr>
+        <p:spPr/>
+        <p:txBody>
+          <a:bodyPr/>
+          <a:lstStyle/>
+          <a:p>
+            <a:endParaRPr lang="de-DE"/>
+          </a:p>
+        </p:txBody>
+      </p:sp>
+      <p:sp>
+        <p:nvSpPr>
+          <p:cNvPr id="4" name="Foliennummernplatzhalter 3"/>
+          <p:cNvSpPr>
+            <a:spLocks noGrp="1"/>
+          </p:cNvSpPr>
+          <p:nvPr>
+            <p:ph type="sldNum" sz="quarter" idx="10"/>
+          </p:nvPr>
+        </p:nvSpPr>
+        <p:spPr/>
+        <p:txBody>
+          <a:bodyPr/>
+          <a:lstStyle/>
+          <a:p>
+            <a:fld id="{9246EBA2-7F35-4B7B-BE0F-6CB1169C1171}" type="slidenum">
+              <a:rPr lang="de-DE" smtClean="0"/>
+              <a:t>22</a:t>
             </a:fld>
             <a:endParaRPr lang="de-DE"/>
           </a:p>
@@ -1144,38 +1238,10 @@
           </a:p>
         </p:txBody>
       </p:sp>
-      <p:sp>
-        <p:nvSpPr>
-          <p:cNvPr id="5" name="Textfeld 4"/>
-          <p:cNvSpPr txBox="1"/>
-          <p:nvPr/>
-        </p:nvSpPr>
-        <p:spPr>
-          <a:xfrm>
-            <a:off x="5238750" y="2466975"/>
-            <a:ext cx="95250" cy="990600"/>
-          </a:xfrm>
-          <a:prstGeom prst="rect">
-            <a:avLst/>
-          </a:prstGeom>
-          <a:solidFill>
-            <a:schemeClr val="bg1"/>
-          </a:solidFill>
-        </p:spPr>
-        <p:txBody>
-          <a:bodyPr wrap="square" rtlCol="0">
-            <a:spAutoFit/>
-          </a:bodyPr>
-          <a:lstStyle/>
-          <a:p>
-            <a:endParaRPr lang="de-DE" dirty="0"/>
-          </a:p>
-        </p:txBody>
-      </p:sp>
     </p:spTree>
     <p:extLst>
       <p:ext uri="{BB962C8B-B14F-4D97-AF65-F5344CB8AC3E}">
-        <p14:creationId xmlns:p14="http://schemas.microsoft.com/office/powerpoint/2010/main" val="3568576172"/>
+        <p14:creationId xmlns:p14="http://schemas.microsoft.com/office/powerpoint/2010/main" val="469787943"/>
       </p:ext>
     </p:extLst>
   </p:cSld>
@@ -1256,10 +1322,38 @@
           </a:p>
         </p:txBody>
       </p:sp>
+      <p:sp>
+        <p:nvSpPr>
+          <p:cNvPr id="5" name="Textfeld 4"/>
+          <p:cNvSpPr txBox="1"/>
+          <p:nvPr/>
+        </p:nvSpPr>
+        <p:spPr>
+          <a:xfrm>
+            <a:off x="5238750" y="2466975"/>
+            <a:ext cx="95250" cy="990600"/>
+          </a:xfrm>
+          <a:prstGeom prst="rect">
+            <a:avLst/>
+          </a:prstGeom>
+          <a:solidFill>
+            <a:schemeClr val="bg1"/>
+          </a:solidFill>
+        </p:spPr>
+        <p:txBody>
+          <a:bodyPr wrap="square" rtlCol="0">
+            <a:spAutoFit/>
+          </a:bodyPr>
+          <a:lstStyle/>
+          <a:p>
+            <a:endParaRPr lang="de-DE" dirty="0"/>
+          </a:p>
+        </p:txBody>
+      </p:sp>
     </p:spTree>
     <p:extLst>
       <p:ext uri="{BB962C8B-B14F-4D97-AF65-F5344CB8AC3E}">
-        <p14:creationId xmlns:p14="http://schemas.microsoft.com/office/powerpoint/2010/main" val="725294871"/>
+        <p14:creationId xmlns:p14="http://schemas.microsoft.com/office/powerpoint/2010/main" val="3568576172"/>
       </p:ext>
     </p:extLst>
   </p:cSld>
@@ -1343,7 +1437,7 @@
     </p:spTree>
     <p:extLst>
       <p:ext uri="{BB962C8B-B14F-4D97-AF65-F5344CB8AC3E}">
-        <p14:creationId xmlns:p14="http://schemas.microsoft.com/office/powerpoint/2010/main" val="3881654242"/>
+        <p14:creationId xmlns:p14="http://schemas.microsoft.com/office/powerpoint/2010/main" val="725294871"/>
       </p:ext>
     </p:extLst>
   </p:cSld>
@@ -1427,7 +1521,7 @@
     </p:spTree>
     <p:extLst>
       <p:ext uri="{BB962C8B-B14F-4D97-AF65-F5344CB8AC3E}">
-        <p14:creationId xmlns:p14="http://schemas.microsoft.com/office/powerpoint/2010/main" val="4228725428"/>
+        <p14:creationId xmlns:p14="http://schemas.microsoft.com/office/powerpoint/2010/main" val="3881654242"/>
       </p:ext>
     </p:extLst>
   </p:cSld>
@@ -1511,7 +1605,7 @@
     </p:spTree>
     <p:extLst>
       <p:ext uri="{BB962C8B-B14F-4D97-AF65-F5344CB8AC3E}">
-        <p14:creationId xmlns:p14="http://schemas.microsoft.com/office/powerpoint/2010/main" val="2974063679"/>
+        <p14:creationId xmlns:p14="http://schemas.microsoft.com/office/powerpoint/2010/main" val="4228725428"/>
       </p:ext>
     </p:extLst>
   </p:cSld>
@@ -1586,7 +1680,7 @@
           <a:p>
             <a:fld id="{9246EBA2-7F35-4B7B-BE0F-6CB1169C1171}" type="slidenum">
               <a:rPr lang="de-DE" smtClean="0"/>
-              <a:t>9</a:t>
+              <a:t>8</a:t>
             </a:fld>
             <a:endParaRPr lang="de-DE"/>
           </a:p>
@@ -1595,7 +1689,7 @@
     </p:spTree>
     <p:extLst>
       <p:ext uri="{BB962C8B-B14F-4D97-AF65-F5344CB8AC3E}">
-        <p14:creationId xmlns:p14="http://schemas.microsoft.com/office/powerpoint/2010/main" val="1145052437"/>
+        <p14:creationId xmlns:p14="http://schemas.microsoft.com/office/powerpoint/2010/main" val="2974063679"/>
       </p:ext>
     </p:extLst>
   </p:cSld>
@@ -1679,7 +1773,7 @@
     </p:spTree>
     <p:extLst>
       <p:ext uri="{BB962C8B-B14F-4D97-AF65-F5344CB8AC3E}">
-        <p14:creationId xmlns:p14="http://schemas.microsoft.com/office/powerpoint/2010/main" val="94105877"/>
+        <p14:creationId xmlns:p14="http://schemas.microsoft.com/office/powerpoint/2010/main" val="1145052437"/>
       </p:ext>
     </p:extLst>
   </p:cSld>
@@ -1913,7 +2007,7 @@
           <a:p>
             <a:fld id="{26D84DCC-459A-439E-AA34-F06534B95DC9}" type="datetimeFigureOut">
               <a:rPr lang="de-DE" smtClean="0"/>
-              <a:t>10.11.2017</a:t>
+              <a:t>10.12.2017</a:t>
             </a:fld>
             <a:endParaRPr lang="de-DE"/>
           </a:p>
@@ -2083,7 +2177,7 @@
           <a:p>
             <a:fld id="{26D84DCC-459A-439E-AA34-F06534B95DC9}" type="datetimeFigureOut">
               <a:rPr lang="de-DE" smtClean="0"/>
-              <a:t>10.11.2017</a:t>
+              <a:t>10.12.2017</a:t>
             </a:fld>
             <a:endParaRPr lang="de-DE"/>
           </a:p>
@@ -2263,7 +2357,7 @@
           <a:p>
             <a:fld id="{26D84DCC-459A-439E-AA34-F06534B95DC9}" type="datetimeFigureOut">
               <a:rPr lang="de-DE" smtClean="0"/>
-              <a:t>10.11.2017</a:t>
+              <a:t>10.12.2017</a:t>
             </a:fld>
             <a:endParaRPr lang="de-DE"/>
           </a:p>
@@ -2433,7 +2527,7 @@
           <a:p>
             <a:fld id="{26D84DCC-459A-439E-AA34-F06534B95DC9}" type="datetimeFigureOut">
               <a:rPr lang="de-DE" smtClean="0"/>
-              <a:t>10.11.2017</a:t>
+              <a:t>10.12.2017</a:t>
             </a:fld>
             <a:endParaRPr lang="de-DE"/>
           </a:p>
@@ -2691,7 +2785,7 @@
           <a:p>
             <a:fld id="{26D84DCC-459A-439E-AA34-F06534B95DC9}" type="datetimeFigureOut">
               <a:rPr lang="de-DE" smtClean="0"/>
-              <a:t>10.11.2017</a:t>
+              <a:t>10.12.2017</a:t>
             </a:fld>
             <a:endParaRPr lang="de-DE"/>
           </a:p>
@@ -2979,7 +3073,7 @@
           <a:p>
             <a:fld id="{26D84DCC-459A-439E-AA34-F06534B95DC9}" type="datetimeFigureOut">
               <a:rPr lang="de-DE" smtClean="0"/>
-              <a:t>10.11.2017</a:t>
+              <a:t>10.12.2017</a:t>
             </a:fld>
             <a:endParaRPr lang="de-DE"/>
           </a:p>
@@ -3421,7 +3515,7 @@
           <a:p>
             <a:fld id="{26D84DCC-459A-439E-AA34-F06534B95DC9}" type="datetimeFigureOut">
               <a:rPr lang="de-DE" smtClean="0"/>
-              <a:t>10.11.2017</a:t>
+              <a:t>10.12.2017</a:t>
             </a:fld>
             <a:endParaRPr lang="de-DE"/>
           </a:p>
@@ -3539,7 +3633,7 @@
           <a:p>
             <a:fld id="{26D84DCC-459A-439E-AA34-F06534B95DC9}" type="datetimeFigureOut">
               <a:rPr lang="de-DE" smtClean="0"/>
-              <a:t>10.11.2017</a:t>
+              <a:t>10.12.2017</a:t>
             </a:fld>
             <a:endParaRPr lang="de-DE"/>
           </a:p>
@@ -3634,7 +3728,7 @@
           <a:p>
             <a:fld id="{26D84DCC-459A-439E-AA34-F06534B95DC9}" type="datetimeFigureOut">
               <a:rPr lang="de-DE" smtClean="0"/>
-              <a:t>10.11.2017</a:t>
+              <a:t>10.12.2017</a:t>
             </a:fld>
             <a:endParaRPr lang="de-DE"/>
           </a:p>
@@ -3922,7 +4016,7 @@
           <a:p>
             <a:fld id="{26D84DCC-459A-439E-AA34-F06534B95DC9}" type="datetimeFigureOut">
               <a:rPr lang="de-DE" smtClean="0"/>
-              <a:t>10.11.2017</a:t>
+              <a:t>10.12.2017</a:t>
             </a:fld>
             <a:endParaRPr lang="de-DE"/>
           </a:p>
@@ -4195,7 +4289,7 @@
           <a:p>
             <a:fld id="{26D84DCC-459A-439E-AA34-F06534B95DC9}" type="datetimeFigureOut">
               <a:rPr lang="de-DE" smtClean="0"/>
-              <a:t>10.11.2017</a:t>
+              <a:t>10.12.2017</a:t>
             </a:fld>
             <a:endParaRPr lang="de-DE"/>
           </a:p>
@@ -4492,7 +4586,7 @@
           <a:p>
             <a:fld id="{26D84DCC-459A-439E-AA34-F06534B95DC9}" type="datetimeFigureOut">
               <a:rPr lang="de-DE" smtClean="0"/>
-              <a:t>10.11.2017</a:t>
+              <a:t>10.12.2017</a:t>
             </a:fld>
             <a:endParaRPr lang="de-DE"/>
           </a:p>
@@ -5105,7 +5199,7 @@
                 </a:solidFill>
                 <a:cs typeface="Times New Roman" panose="02020603050405020304" pitchFamily="18" charset="0"/>
               </a:rPr>
-              <a:t>Anita</a:t>
+              <a:t>Amir</a:t>
             </a:r>
             <a:endParaRPr lang="de-DE" sz="7000" dirty="0">
               <a:solidFill>
@@ -5119,7 +5213,7 @@
     </p:spTree>
     <p:extLst>
       <p:ext uri="{BB962C8B-B14F-4D97-AF65-F5344CB8AC3E}">
-        <p14:creationId xmlns:p14="http://schemas.microsoft.com/office/powerpoint/2010/main" val="4153849037"/>
+        <p14:creationId xmlns:p14="http://schemas.microsoft.com/office/powerpoint/2010/main" val="1466206927"/>
       </p:ext>
     </p:extLst>
   </p:cSld>
@@ -5158,36 +5252,273 @@
       </p:grpSpPr>
       <p:sp>
         <p:nvSpPr>
-          <p:cNvPr id="2" name="Titel 1"/>
-          <p:cNvSpPr>
-            <a:spLocks noGrp="1"/>
-          </p:cNvSpPr>
-          <p:nvPr>
-            <p:ph type="ctrTitle"/>
+          <p:cNvPr id="2" name="Title 6">
+            <a:extLst>
+              <a:ext uri="{FF2B5EF4-FFF2-40B4-BE49-F238E27FC236}">
+                <a16:creationId xmlns:a16="http://schemas.microsoft.com/office/drawing/2014/main" xmlns="" id="{04F78A0C-BF40-4E0B-9FA4-AAAA57E3C4EF}"/>
+              </a:ext>
+            </a:extLst>
+          </p:cNvPr>
+          <p:cNvSpPr txBox="1">
+            <a:spLocks noGrp="1"/>
+          </p:cNvSpPr>
+          <p:nvPr>
+            <p:ph type="title"/>
           </p:nvPr>
         </p:nvSpPr>
         <p:spPr/>
         <p:txBody>
           <a:bodyPr>
-            <a:noAutofit/>
+            <a:normAutofit/>
           </a:bodyPr>
           <a:lstStyle/>
           <a:p>
-            <a:pPr algn="l"/>
-            <a:r>
-              <a:rPr lang="de-DE" sz="7000" dirty="0" smtClean="0">
-                <a:solidFill>
-                  <a:schemeClr val="bg1"/>
-                </a:solidFill>
-                <a:cs typeface="Times New Roman" panose="02020603050405020304" pitchFamily="18" charset="0"/>
-              </a:rPr>
-              <a:t>Amir</a:t>
-            </a:r>
-            <a:endParaRPr lang="de-DE" sz="7000" dirty="0">
+            <a:pPr lvl="0" algn="ctr"/>
+            <a:r>
+              <a:rPr lang="en-GB" sz="2800" dirty="0" smtClean="0"/>
+              <a:t>%</a:t>
+            </a:r>
+            <a:endParaRPr lang="en-GB" sz="2800" dirty="0"/>
+          </a:p>
+        </p:txBody>
+      </p:sp>
+      <p:sp>
+        <p:nvSpPr>
+          <p:cNvPr id="3" name="Content Placeholder 7">
+            <a:extLst>
+              <a:ext uri="{FF2B5EF4-FFF2-40B4-BE49-F238E27FC236}">
+                <a16:creationId xmlns:a16="http://schemas.microsoft.com/office/drawing/2014/main" xmlns="" id="{3A52400E-A01D-4CCF-8280-EBE32B011F8E}"/>
+              </a:ext>
+            </a:extLst>
+          </p:cNvPr>
+          <p:cNvSpPr txBox="1">
+            <a:spLocks noGrp="1"/>
+          </p:cNvSpPr>
+          <p:nvPr>
+            <p:ph idx="1"/>
+          </p:nvPr>
+        </p:nvSpPr>
+        <p:spPr>
+          <a:xfrm>
+            <a:off x="3869268" y="174811"/>
+            <a:ext cx="7315200" cy="5984748"/>
+          </a:xfrm>
+        </p:spPr>
+        <p:txBody>
+          <a:bodyPr>
+            <a:normAutofit fontScale="92500" lnSpcReduction="10000"/>
+          </a:bodyPr>
+          <a:lstStyle/>
+          <a:p>
+            <a:pPr marL="0" lvl="0" indent="0">
+              <a:lnSpc>
+                <a:spcPct val="200000"/>
+              </a:lnSpc>
+              <a:buNone/>
+            </a:pPr>
+            <a:r>
+              <a:rPr lang="de-DE" sz="2800" dirty="0">
+                <a:solidFill>
+                  <a:schemeClr val="tx1"/>
+                </a:solidFill>
+              </a:rPr>
+              <a:t>Selbsteinschätzung:</a:t>
+            </a:r>
+          </a:p>
+          <a:p>
+            <a:pPr lvl="0"/>
+            <a:r>
+              <a:rPr lang="de-DE" dirty="0" smtClean="0">
+                <a:solidFill>
+                  <a:schemeClr val="tx1"/>
+                </a:solidFill>
+              </a:rPr>
+              <a:t>Recherche über die Filter der Datenvorverarbeitung</a:t>
+            </a:r>
+            <a:endParaRPr lang="de-DE" dirty="0">
               <a:solidFill>
-                <a:schemeClr val="bg1"/>
+                <a:schemeClr val="tx1"/>
               </a:solidFill>
-              <a:cs typeface="Times New Roman" panose="02020603050405020304" pitchFamily="18" charset="0"/>
+            </a:endParaRPr>
+          </a:p>
+          <a:p>
+            <a:pPr lvl="0"/>
+            <a:r>
+              <a:rPr lang="de-DE" dirty="0" smtClean="0">
+                <a:solidFill>
+                  <a:schemeClr val="tx1"/>
+                </a:solidFill>
+              </a:rPr>
+              <a:t>Implementierung der Filter</a:t>
+            </a:r>
+          </a:p>
+          <a:p>
+            <a:pPr lvl="0"/>
+            <a:r>
+              <a:rPr lang="de-DE" dirty="0" smtClean="0">
+                <a:solidFill>
+                  <a:schemeClr val="tx1"/>
+                </a:solidFill>
+              </a:rPr>
+              <a:t>Erstellen einer Dokumentation für die Skripte</a:t>
+            </a:r>
+            <a:endParaRPr lang="de-DE" dirty="0">
+              <a:solidFill>
+                <a:schemeClr val="tx1"/>
+              </a:solidFill>
+            </a:endParaRPr>
+          </a:p>
+          <a:p>
+            <a:pPr lvl="0"/>
+            <a:r>
+              <a:rPr lang="de-DE" dirty="0" smtClean="0">
+                <a:solidFill>
+                  <a:schemeClr val="tx1"/>
+                </a:solidFill>
+              </a:rPr>
+              <a:t>Verteilung der Personen bei der Automatisierung der Simulation</a:t>
+            </a:r>
+            <a:endParaRPr lang="de-DE" dirty="0">
+              <a:solidFill>
+                <a:schemeClr val="tx1"/>
+              </a:solidFill>
+            </a:endParaRPr>
+          </a:p>
+          <a:p>
+            <a:pPr lvl="0"/>
+            <a:r>
+              <a:rPr lang="de-DE" dirty="0" smtClean="0">
+                <a:solidFill>
+                  <a:schemeClr val="tx1"/>
+                </a:solidFill>
+              </a:rPr>
+              <a:t>Testen der Software</a:t>
+            </a:r>
+            <a:endParaRPr lang="de-DE" dirty="0">
+              <a:solidFill>
+                <a:schemeClr val="tx1"/>
+              </a:solidFill>
+            </a:endParaRPr>
+          </a:p>
+          <a:p>
+            <a:pPr lvl="0"/>
+            <a:r>
+              <a:rPr lang="de-DE" dirty="0" smtClean="0">
+                <a:solidFill>
+                  <a:schemeClr val="tx1"/>
+                </a:solidFill>
+              </a:rPr>
+              <a:t>Datengenerierung</a:t>
+            </a:r>
+          </a:p>
+          <a:p>
+            <a:pPr lvl="0"/>
+            <a:r>
+              <a:rPr lang="de-DE" dirty="0" smtClean="0">
+                <a:solidFill>
+                  <a:schemeClr val="tx1"/>
+                </a:solidFill>
+              </a:rPr>
+              <a:t>Erstellen eines Technischen Berichts</a:t>
+            </a:r>
+          </a:p>
+          <a:p>
+            <a:pPr lvl="0"/>
+            <a:r>
+              <a:rPr lang="de-DE" dirty="0" smtClean="0">
+                <a:solidFill>
+                  <a:schemeClr val="tx1"/>
+                </a:solidFill>
+              </a:rPr>
+              <a:t>Aufbereitung der Daten nach Vorgaben des Fraunhofer Instituts</a:t>
+            </a:r>
+            <a:endParaRPr lang="de-DE" dirty="0" smtClean="0">
+              <a:solidFill>
+                <a:srgbClr val="FF0000"/>
+              </a:solidFill>
+            </a:endParaRPr>
+          </a:p>
+          <a:p>
+            <a:pPr lvl="0"/>
+            <a:r>
+              <a:rPr lang="de-DE" dirty="0" smtClean="0">
+                <a:solidFill>
+                  <a:schemeClr val="tx1"/>
+                </a:solidFill>
+              </a:rPr>
+              <a:t>Aufbereitung der Daten, dass sie denen von Kameras ähneln</a:t>
+            </a:r>
+          </a:p>
+          <a:p>
+            <a:pPr lvl="0"/>
+            <a:r>
+              <a:rPr lang="de-DE" dirty="0" smtClean="0">
+                <a:solidFill>
+                  <a:schemeClr val="tx1"/>
+                </a:solidFill>
+              </a:rPr>
+              <a:t>Modellieren &amp; simulieren realistischer, variantenreicher Szenarien</a:t>
+            </a:r>
+          </a:p>
+          <a:p>
+            <a:pPr lvl="0"/>
+            <a:r>
+              <a:rPr lang="de-DE" dirty="0" smtClean="0">
+                <a:solidFill>
+                  <a:schemeClr val="tx1"/>
+                </a:solidFill>
+              </a:rPr>
+              <a:t>Aktualisieren des Trello Projektes/</a:t>
+            </a:r>
+            <a:r>
+              <a:rPr lang="de-DE" dirty="0" err="1" smtClean="0">
+                <a:solidFill>
+                  <a:schemeClr val="tx1"/>
+                </a:solidFill>
+              </a:rPr>
+              <a:t>Repos</a:t>
+            </a:r>
+            <a:r>
+              <a:rPr lang="de-DE" dirty="0" smtClean="0">
+                <a:solidFill>
+                  <a:schemeClr val="tx1"/>
+                </a:solidFill>
+              </a:rPr>
+              <a:t>/Organisation der Treffen</a:t>
+            </a:r>
+          </a:p>
+          <a:p>
+            <a:pPr lvl="0"/>
+            <a:r>
+              <a:rPr lang="de-DE" dirty="0" smtClean="0">
+                <a:solidFill>
+                  <a:schemeClr val="tx1"/>
+                </a:solidFill>
+              </a:rPr>
+              <a:t>Erstellen einer Demo</a:t>
+            </a:r>
+          </a:p>
+          <a:p>
+            <a:r>
+              <a:rPr lang="de-DE" dirty="0" err="1" smtClean="0">
+                <a:solidFill>
+                  <a:schemeClr val="tx1"/>
+                </a:solidFill>
+              </a:rPr>
+              <a:t>Scrum</a:t>
+            </a:r>
+            <a:r>
+              <a:rPr lang="de-DE" dirty="0" smtClean="0">
+                <a:solidFill>
+                  <a:schemeClr val="tx1"/>
+                </a:solidFill>
+              </a:rPr>
+              <a:t> Master</a:t>
+            </a:r>
+            <a:endParaRPr lang="de-DE" dirty="0">
+              <a:solidFill>
+                <a:schemeClr val="tx1"/>
+              </a:solidFill>
             </a:endParaRPr>
           </a:p>
         </p:txBody>
@@ -5195,7 +5526,7 @@
     </p:spTree>
     <p:extLst>
       <p:ext uri="{BB962C8B-B14F-4D97-AF65-F5344CB8AC3E}">
-        <p14:creationId xmlns:p14="http://schemas.microsoft.com/office/powerpoint/2010/main" val="4124211303"/>
+        <p14:creationId xmlns:p14="http://schemas.microsoft.com/office/powerpoint/2010/main" val="2684607360"/>
       </p:ext>
     </p:extLst>
   </p:cSld>
@@ -5271,7 +5602,7 @@
     </p:spTree>
     <p:extLst>
       <p:ext uri="{BB962C8B-B14F-4D97-AF65-F5344CB8AC3E}">
-        <p14:creationId xmlns:p14="http://schemas.microsoft.com/office/powerpoint/2010/main" val="178513979"/>
+        <p14:creationId xmlns:p14="http://schemas.microsoft.com/office/powerpoint/2010/main" val="4153849037"/>
       </p:ext>
     </p:extLst>
   </p:cSld>
@@ -5310,36 +5641,273 @@
       </p:grpSpPr>
       <p:sp>
         <p:nvSpPr>
-          <p:cNvPr id="2" name="Titel 1"/>
-          <p:cNvSpPr>
-            <a:spLocks noGrp="1"/>
-          </p:cNvSpPr>
-          <p:nvPr>
-            <p:ph type="ctrTitle"/>
+          <p:cNvPr id="2" name="Title 6">
+            <a:extLst>
+              <a:ext uri="{FF2B5EF4-FFF2-40B4-BE49-F238E27FC236}">
+                <a16:creationId xmlns:a16="http://schemas.microsoft.com/office/drawing/2014/main" xmlns="" id="{04F78A0C-BF40-4E0B-9FA4-AAAA57E3C4EF}"/>
+              </a:ext>
+            </a:extLst>
+          </p:cNvPr>
+          <p:cNvSpPr txBox="1">
+            <a:spLocks noGrp="1"/>
+          </p:cNvSpPr>
+          <p:nvPr>
+            <p:ph type="title"/>
           </p:nvPr>
         </p:nvSpPr>
         <p:spPr/>
         <p:txBody>
           <a:bodyPr>
-            <a:noAutofit/>
+            <a:normAutofit/>
           </a:bodyPr>
           <a:lstStyle/>
           <a:p>
-            <a:pPr algn="l"/>
-            <a:r>
-              <a:rPr lang="de-DE" sz="7000" dirty="0" smtClean="0">
-                <a:solidFill>
-                  <a:schemeClr val="bg1"/>
-                </a:solidFill>
-                <a:cs typeface="Times New Roman" panose="02020603050405020304" pitchFamily="18" charset="0"/>
-              </a:rPr>
-              <a:t>Rebecca</a:t>
-            </a:r>
-            <a:endParaRPr lang="de-DE" sz="7000" dirty="0">
+            <a:pPr lvl="0" algn="ctr"/>
+            <a:r>
+              <a:rPr lang="en-GB" sz="2800" dirty="0" smtClean="0"/>
+              <a:t>%</a:t>
+            </a:r>
+            <a:endParaRPr lang="en-GB" sz="2800" dirty="0"/>
+          </a:p>
+        </p:txBody>
+      </p:sp>
+      <p:sp>
+        <p:nvSpPr>
+          <p:cNvPr id="3" name="Content Placeholder 7">
+            <a:extLst>
+              <a:ext uri="{FF2B5EF4-FFF2-40B4-BE49-F238E27FC236}">
+                <a16:creationId xmlns:a16="http://schemas.microsoft.com/office/drawing/2014/main" xmlns="" id="{3A52400E-A01D-4CCF-8280-EBE32B011F8E}"/>
+              </a:ext>
+            </a:extLst>
+          </p:cNvPr>
+          <p:cNvSpPr txBox="1">
+            <a:spLocks noGrp="1"/>
+          </p:cNvSpPr>
+          <p:nvPr>
+            <p:ph idx="1"/>
+          </p:nvPr>
+        </p:nvSpPr>
+        <p:spPr>
+          <a:xfrm>
+            <a:off x="3869268" y="174811"/>
+            <a:ext cx="7315200" cy="5984748"/>
+          </a:xfrm>
+        </p:spPr>
+        <p:txBody>
+          <a:bodyPr>
+            <a:normAutofit fontScale="92500" lnSpcReduction="10000"/>
+          </a:bodyPr>
+          <a:lstStyle/>
+          <a:p>
+            <a:pPr marL="0" lvl="0" indent="0">
+              <a:lnSpc>
+                <a:spcPct val="200000"/>
+              </a:lnSpc>
+              <a:buNone/>
+            </a:pPr>
+            <a:r>
+              <a:rPr lang="de-DE" sz="2800" dirty="0">
+                <a:solidFill>
+                  <a:schemeClr val="tx1"/>
+                </a:solidFill>
+              </a:rPr>
+              <a:t>Selbsteinschätzung:</a:t>
+            </a:r>
+          </a:p>
+          <a:p>
+            <a:pPr lvl="0"/>
+            <a:r>
+              <a:rPr lang="de-DE" dirty="0" smtClean="0">
+                <a:solidFill>
+                  <a:schemeClr val="tx1"/>
+                </a:solidFill>
+              </a:rPr>
+              <a:t>Recherche über die Filter der Datenvorverarbeitung</a:t>
+            </a:r>
+            <a:endParaRPr lang="de-DE" dirty="0">
               <a:solidFill>
-                <a:schemeClr val="bg1"/>
+                <a:schemeClr val="tx1"/>
               </a:solidFill>
-              <a:cs typeface="Times New Roman" panose="02020603050405020304" pitchFamily="18" charset="0"/>
+            </a:endParaRPr>
+          </a:p>
+          <a:p>
+            <a:pPr lvl="0"/>
+            <a:r>
+              <a:rPr lang="de-DE" dirty="0" smtClean="0">
+                <a:solidFill>
+                  <a:schemeClr val="tx1"/>
+                </a:solidFill>
+              </a:rPr>
+              <a:t>Implementierung der Filter</a:t>
+            </a:r>
+          </a:p>
+          <a:p>
+            <a:pPr lvl="0"/>
+            <a:r>
+              <a:rPr lang="de-DE" dirty="0" smtClean="0">
+                <a:solidFill>
+                  <a:schemeClr val="tx1"/>
+                </a:solidFill>
+              </a:rPr>
+              <a:t>Erstellen einer Dokumentation für die Skripte</a:t>
+            </a:r>
+            <a:endParaRPr lang="de-DE" dirty="0">
+              <a:solidFill>
+                <a:schemeClr val="tx1"/>
+              </a:solidFill>
+            </a:endParaRPr>
+          </a:p>
+          <a:p>
+            <a:pPr lvl="0"/>
+            <a:r>
+              <a:rPr lang="de-DE" dirty="0" smtClean="0">
+                <a:solidFill>
+                  <a:schemeClr val="tx1"/>
+                </a:solidFill>
+              </a:rPr>
+              <a:t>Verteilung der Personen bei der Automatisierung der Simulation</a:t>
+            </a:r>
+            <a:endParaRPr lang="de-DE" dirty="0">
+              <a:solidFill>
+                <a:schemeClr val="tx1"/>
+              </a:solidFill>
+            </a:endParaRPr>
+          </a:p>
+          <a:p>
+            <a:pPr lvl="0"/>
+            <a:r>
+              <a:rPr lang="de-DE" dirty="0" smtClean="0">
+                <a:solidFill>
+                  <a:schemeClr val="tx1"/>
+                </a:solidFill>
+              </a:rPr>
+              <a:t>Testen der Software</a:t>
+            </a:r>
+            <a:endParaRPr lang="de-DE" dirty="0">
+              <a:solidFill>
+                <a:schemeClr val="tx1"/>
+              </a:solidFill>
+            </a:endParaRPr>
+          </a:p>
+          <a:p>
+            <a:pPr lvl="0"/>
+            <a:r>
+              <a:rPr lang="de-DE" dirty="0" smtClean="0">
+                <a:solidFill>
+                  <a:schemeClr val="tx1"/>
+                </a:solidFill>
+              </a:rPr>
+              <a:t>Datengenerierung</a:t>
+            </a:r>
+          </a:p>
+          <a:p>
+            <a:pPr lvl="0"/>
+            <a:r>
+              <a:rPr lang="de-DE" dirty="0" smtClean="0">
+                <a:solidFill>
+                  <a:schemeClr val="tx1"/>
+                </a:solidFill>
+              </a:rPr>
+              <a:t>Erstellen eines Technischen Berichts</a:t>
+            </a:r>
+          </a:p>
+          <a:p>
+            <a:pPr lvl="0"/>
+            <a:r>
+              <a:rPr lang="de-DE" dirty="0" smtClean="0">
+                <a:solidFill>
+                  <a:schemeClr val="tx1"/>
+                </a:solidFill>
+              </a:rPr>
+              <a:t>Aufbereitung der Daten nach Vorgaben des Fraunhofer Instituts</a:t>
+            </a:r>
+            <a:endParaRPr lang="de-DE" dirty="0" smtClean="0">
+              <a:solidFill>
+                <a:srgbClr val="FF0000"/>
+              </a:solidFill>
+            </a:endParaRPr>
+          </a:p>
+          <a:p>
+            <a:pPr lvl="0"/>
+            <a:r>
+              <a:rPr lang="de-DE" dirty="0" smtClean="0">
+                <a:solidFill>
+                  <a:schemeClr val="tx1"/>
+                </a:solidFill>
+              </a:rPr>
+              <a:t>Aufbereitung der Daten, dass sie denen von Kameras ähneln</a:t>
+            </a:r>
+          </a:p>
+          <a:p>
+            <a:pPr lvl="0"/>
+            <a:r>
+              <a:rPr lang="de-DE" dirty="0" smtClean="0">
+                <a:solidFill>
+                  <a:schemeClr val="tx1"/>
+                </a:solidFill>
+              </a:rPr>
+              <a:t>Modellieren &amp; simulieren realistischer, variantenreicher Szenarien</a:t>
+            </a:r>
+          </a:p>
+          <a:p>
+            <a:pPr lvl="0"/>
+            <a:r>
+              <a:rPr lang="de-DE" dirty="0" smtClean="0">
+                <a:solidFill>
+                  <a:schemeClr val="tx1"/>
+                </a:solidFill>
+              </a:rPr>
+              <a:t>Aktualisieren des Trello Projektes/</a:t>
+            </a:r>
+            <a:r>
+              <a:rPr lang="de-DE" dirty="0" err="1" smtClean="0">
+                <a:solidFill>
+                  <a:schemeClr val="tx1"/>
+                </a:solidFill>
+              </a:rPr>
+              <a:t>Repos</a:t>
+            </a:r>
+            <a:r>
+              <a:rPr lang="de-DE" dirty="0" smtClean="0">
+                <a:solidFill>
+                  <a:schemeClr val="tx1"/>
+                </a:solidFill>
+              </a:rPr>
+              <a:t>/Organisation der Treffen</a:t>
+            </a:r>
+          </a:p>
+          <a:p>
+            <a:pPr lvl="0"/>
+            <a:r>
+              <a:rPr lang="de-DE" dirty="0" smtClean="0">
+                <a:solidFill>
+                  <a:schemeClr val="tx1"/>
+                </a:solidFill>
+              </a:rPr>
+              <a:t>Erstellen einer Demo</a:t>
+            </a:r>
+          </a:p>
+          <a:p>
+            <a:r>
+              <a:rPr lang="de-DE" dirty="0" err="1" smtClean="0">
+                <a:solidFill>
+                  <a:schemeClr val="tx1"/>
+                </a:solidFill>
+              </a:rPr>
+              <a:t>Scrum</a:t>
+            </a:r>
+            <a:r>
+              <a:rPr lang="de-DE" dirty="0" smtClean="0">
+                <a:solidFill>
+                  <a:schemeClr val="tx1"/>
+                </a:solidFill>
+              </a:rPr>
+              <a:t> Master</a:t>
+            </a:r>
+            <a:endParaRPr lang="de-DE" dirty="0">
+              <a:solidFill>
+                <a:schemeClr val="tx1"/>
+              </a:solidFill>
             </a:endParaRPr>
           </a:p>
         </p:txBody>
@@ -5347,7 +5915,7 @@
     </p:spTree>
     <p:extLst>
       <p:ext uri="{BB962C8B-B14F-4D97-AF65-F5344CB8AC3E}">
-        <p14:creationId xmlns:p14="http://schemas.microsoft.com/office/powerpoint/2010/main" val="1888450948"/>
+        <p14:creationId xmlns:p14="http://schemas.microsoft.com/office/powerpoint/2010/main" val="3375393281"/>
       </p:ext>
     </p:extLst>
   </p:cSld>
@@ -5423,7 +5991,7 @@
     </p:spTree>
     <p:extLst>
       <p:ext uri="{BB962C8B-B14F-4D97-AF65-F5344CB8AC3E}">
-        <p14:creationId xmlns:p14="http://schemas.microsoft.com/office/powerpoint/2010/main" val="2661106770"/>
+        <p14:creationId xmlns:p14="http://schemas.microsoft.com/office/powerpoint/2010/main" val="4124211303"/>
       </p:ext>
     </p:extLst>
   </p:cSld>
@@ -5462,6 +6030,319 @@
       </p:grpSpPr>
       <p:sp>
         <p:nvSpPr>
+          <p:cNvPr id="2" name="Title 6">
+            <a:extLst>
+              <a:ext uri="{FF2B5EF4-FFF2-40B4-BE49-F238E27FC236}">
+                <a16:creationId xmlns:a16="http://schemas.microsoft.com/office/drawing/2014/main" xmlns="" id="{04F78A0C-BF40-4E0B-9FA4-AAAA57E3C4EF}"/>
+              </a:ext>
+            </a:extLst>
+          </p:cNvPr>
+          <p:cNvSpPr txBox="1">
+            <a:spLocks noGrp="1"/>
+          </p:cNvSpPr>
+          <p:nvPr>
+            <p:ph type="title"/>
+          </p:nvPr>
+        </p:nvSpPr>
+        <p:spPr/>
+        <p:txBody>
+          <a:bodyPr>
+            <a:normAutofit/>
+          </a:bodyPr>
+          <a:lstStyle/>
+          <a:p>
+            <a:pPr lvl="0" algn="ctr"/>
+            <a:r>
+              <a:rPr lang="en-GB" sz="2800" dirty="0" smtClean="0"/>
+              <a:t>%</a:t>
+            </a:r>
+            <a:endParaRPr lang="en-GB" sz="2800" dirty="0"/>
+          </a:p>
+        </p:txBody>
+      </p:sp>
+      <p:sp>
+        <p:nvSpPr>
+          <p:cNvPr id="3" name="Content Placeholder 7">
+            <a:extLst>
+              <a:ext uri="{FF2B5EF4-FFF2-40B4-BE49-F238E27FC236}">
+                <a16:creationId xmlns:a16="http://schemas.microsoft.com/office/drawing/2014/main" xmlns="" id="{3A52400E-A01D-4CCF-8280-EBE32B011F8E}"/>
+              </a:ext>
+            </a:extLst>
+          </p:cNvPr>
+          <p:cNvSpPr txBox="1">
+            <a:spLocks noGrp="1"/>
+          </p:cNvSpPr>
+          <p:nvPr>
+            <p:ph idx="1"/>
+          </p:nvPr>
+        </p:nvSpPr>
+        <p:spPr>
+          <a:xfrm>
+            <a:off x="3869268" y="174811"/>
+            <a:ext cx="7315200" cy="5984748"/>
+          </a:xfrm>
+        </p:spPr>
+        <p:txBody>
+          <a:bodyPr>
+            <a:normAutofit fontScale="92500" lnSpcReduction="10000"/>
+          </a:bodyPr>
+          <a:lstStyle/>
+          <a:p>
+            <a:pPr marL="0" lvl="0" indent="0">
+              <a:lnSpc>
+                <a:spcPct val="200000"/>
+              </a:lnSpc>
+              <a:buNone/>
+            </a:pPr>
+            <a:r>
+              <a:rPr lang="de-DE" sz="2800" dirty="0">
+                <a:solidFill>
+                  <a:schemeClr val="tx1"/>
+                </a:solidFill>
+              </a:rPr>
+              <a:t>Selbsteinschätzung:</a:t>
+            </a:r>
+          </a:p>
+          <a:p>
+            <a:pPr lvl="0"/>
+            <a:r>
+              <a:rPr lang="de-DE" dirty="0" smtClean="0">
+                <a:solidFill>
+                  <a:schemeClr val="tx1"/>
+                </a:solidFill>
+              </a:rPr>
+              <a:t>Recherche über die Filter der Datenvorverarbeitung</a:t>
+            </a:r>
+            <a:endParaRPr lang="de-DE" dirty="0">
+              <a:solidFill>
+                <a:schemeClr val="tx1"/>
+              </a:solidFill>
+            </a:endParaRPr>
+          </a:p>
+          <a:p>
+            <a:pPr lvl="0"/>
+            <a:r>
+              <a:rPr lang="de-DE" dirty="0" smtClean="0">
+                <a:solidFill>
+                  <a:schemeClr val="tx1"/>
+                </a:solidFill>
+              </a:rPr>
+              <a:t>Implementierung der Filter</a:t>
+            </a:r>
+          </a:p>
+          <a:p>
+            <a:pPr lvl="0"/>
+            <a:r>
+              <a:rPr lang="de-DE" dirty="0" smtClean="0">
+                <a:solidFill>
+                  <a:schemeClr val="tx1"/>
+                </a:solidFill>
+              </a:rPr>
+              <a:t>Erstellen einer Dokumentation für die Skripte</a:t>
+            </a:r>
+            <a:endParaRPr lang="de-DE" dirty="0">
+              <a:solidFill>
+                <a:schemeClr val="tx1"/>
+              </a:solidFill>
+            </a:endParaRPr>
+          </a:p>
+          <a:p>
+            <a:pPr lvl="0"/>
+            <a:r>
+              <a:rPr lang="de-DE" dirty="0" smtClean="0">
+                <a:solidFill>
+                  <a:schemeClr val="tx1"/>
+                </a:solidFill>
+              </a:rPr>
+              <a:t>Verteilung der Personen bei der Automatisierung der Simulation</a:t>
+            </a:r>
+            <a:endParaRPr lang="de-DE" dirty="0">
+              <a:solidFill>
+                <a:schemeClr val="tx1"/>
+              </a:solidFill>
+            </a:endParaRPr>
+          </a:p>
+          <a:p>
+            <a:pPr lvl="0"/>
+            <a:r>
+              <a:rPr lang="de-DE" dirty="0" smtClean="0">
+                <a:solidFill>
+                  <a:schemeClr val="tx1"/>
+                </a:solidFill>
+              </a:rPr>
+              <a:t>Testen der Software</a:t>
+            </a:r>
+            <a:endParaRPr lang="de-DE" dirty="0">
+              <a:solidFill>
+                <a:schemeClr val="tx1"/>
+              </a:solidFill>
+            </a:endParaRPr>
+          </a:p>
+          <a:p>
+            <a:pPr lvl="0"/>
+            <a:r>
+              <a:rPr lang="de-DE" dirty="0" smtClean="0">
+                <a:solidFill>
+                  <a:schemeClr val="tx1"/>
+                </a:solidFill>
+              </a:rPr>
+              <a:t>Datengenerierung</a:t>
+            </a:r>
+          </a:p>
+          <a:p>
+            <a:pPr lvl="0"/>
+            <a:r>
+              <a:rPr lang="de-DE" dirty="0" smtClean="0">
+                <a:solidFill>
+                  <a:schemeClr val="tx1"/>
+                </a:solidFill>
+              </a:rPr>
+              <a:t>Erstellen eines Technischen Berichts</a:t>
+            </a:r>
+          </a:p>
+          <a:p>
+            <a:pPr lvl="0"/>
+            <a:r>
+              <a:rPr lang="de-DE" dirty="0" smtClean="0">
+                <a:solidFill>
+                  <a:schemeClr val="tx1"/>
+                </a:solidFill>
+              </a:rPr>
+              <a:t>Aufbereitung der Daten nach Vorgaben des Fraunhofer Instituts</a:t>
+            </a:r>
+            <a:endParaRPr lang="de-DE" dirty="0" smtClean="0">
+              <a:solidFill>
+                <a:srgbClr val="FF0000"/>
+              </a:solidFill>
+            </a:endParaRPr>
+          </a:p>
+          <a:p>
+            <a:pPr lvl="0"/>
+            <a:r>
+              <a:rPr lang="de-DE" dirty="0" smtClean="0">
+                <a:solidFill>
+                  <a:schemeClr val="tx1"/>
+                </a:solidFill>
+              </a:rPr>
+              <a:t>Aufbereitung der Daten, dass sie denen von Kameras ähneln</a:t>
+            </a:r>
+          </a:p>
+          <a:p>
+            <a:pPr lvl="0"/>
+            <a:r>
+              <a:rPr lang="de-DE" dirty="0" smtClean="0">
+                <a:solidFill>
+                  <a:schemeClr val="tx1"/>
+                </a:solidFill>
+              </a:rPr>
+              <a:t>Modellieren &amp; simulieren realistischer, variantenreicher Szenarien</a:t>
+            </a:r>
+          </a:p>
+          <a:p>
+            <a:pPr lvl="0"/>
+            <a:r>
+              <a:rPr lang="de-DE" dirty="0" smtClean="0">
+                <a:solidFill>
+                  <a:schemeClr val="tx1"/>
+                </a:solidFill>
+              </a:rPr>
+              <a:t>Aktualisieren des Trello Projektes/</a:t>
+            </a:r>
+            <a:r>
+              <a:rPr lang="de-DE" dirty="0" err="1" smtClean="0">
+                <a:solidFill>
+                  <a:schemeClr val="tx1"/>
+                </a:solidFill>
+              </a:rPr>
+              <a:t>Repos</a:t>
+            </a:r>
+            <a:r>
+              <a:rPr lang="de-DE" dirty="0" smtClean="0">
+                <a:solidFill>
+                  <a:schemeClr val="tx1"/>
+                </a:solidFill>
+              </a:rPr>
+              <a:t>/Organisation der Treffen</a:t>
+            </a:r>
+          </a:p>
+          <a:p>
+            <a:pPr lvl="0"/>
+            <a:r>
+              <a:rPr lang="de-DE" dirty="0" smtClean="0">
+                <a:solidFill>
+                  <a:schemeClr val="tx1"/>
+                </a:solidFill>
+              </a:rPr>
+              <a:t>Erstellen einer Demo</a:t>
+            </a:r>
+          </a:p>
+          <a:p>
+            <a:r>
+              <a:rPr lang="de-DE" dirty="0" err="1" smtClean="0">
+                <a:solidFill>
+                  <a:schemeClr val="tx1"/>
+                </a:solidFill>
+              </a:rPr>
+              <a:t>Scrum</a:t>
+            </a:r>
+            <a:r>
+              <a:rPr lang="de-DE" dirty="0" smtClean="0">
+                <a:solidFill>
+                  <a:schemeClr val="tx1"/>
+                </a:solidFill>
+              </a:rPr>
+              <a:t> Master</a:t>
+            </a:r>
+            <a:endParaRPr lang="de-DE" dirty="0">
+              <a:solidFill>
+                <a:schemeClr val="tx1"/>
+              </a:solidFill>
+            </a:endParaRPr>
+          </a:p>
+        </p:txBody>
+      </p:sp>
+    </p:spTree>
+    <p:extLst>
+      <p:ext uri="{BB962C8B-B14F-4D97-AF65-F5344CB8AC3E}">
+        <p14:creationId xmlns:p14="http://schemas.microsoft.com/office/powerpoint/2010/main" val="2564558842"/>
+      </p:ext>
+    </p:extLst>
+  </p:cSld>
+  <p:clrMapOvr>
+    <a:masterClrMapping/>
+  </p:clrMapOvr>
+  <p:transition spd="slow">
+    <p:push dir="u"/>
+  </p:transition>
+  <p:timing>
+    <p:tnLst>
+      <p:par>
+        <p:cTn id="1" dur="indefinite" restart="never" nodeType="tmRoot"/>
+      </p:par>
+    </p:tnLst>
+  </p:timing>
+</p:sld>
+</file>
+
+<file path=ppt/slides/slide16.xml><?xml version="1.0" encoding="utf-8"?>
+<p:sld xmlns:a="http://schemas.openxmlformats.org/drawingml/2006/main" xmlns:r="http://schemas.openxmlformats.org/officeDocument/2006/relationships" xmlns:p="http://schemas.openxmlformats.org/presentationml/2006/main">
+  <p:cSld>
+    <p:spTree>
+      <p:nvGrpSpPr>
+        <p:cNvPr id="1" name=""/>
+        <p:cNvGrpSpPr/>
+        <p:nvPr/>
+      </p:nvGrpSpPr>
+      <p:grpSpPr>
+        <a:xfrm>
+          <a:off x="0" y="0"/>
+          <a:ext cx="0" cy="0"/>
+          <a:chOff x="0" y="0"/>
+          <a:chExt cx="0" cy="0"/>
+        </a:xfrm>
+      </p:grpSpPr>
+      <p:sp>
+        <p:nvSpPr>
           <p:cNvPr id="2" name="Titel 1"/>
           <p:cNvSpPr>
             <a:spLocks noGrp="1"/>
@@ -5485,7 +6366,7 @@
                 </a:solidFill>
                 <a:cs typeface="Times New Roman" panose="02020603050405020304" pitchFamily="18" charset="0"/>
               </a:rPr>
-              <a:t>Lisa</a:t>
+              <a:t>Julian</a:t>
             </a:r>
             <a:endParaRPr lang="de-DE" sz="7000" dirty="0">
               <a:solidFill>
@@ -5499,7 +6380,709 @@
     </p:spTree>
     <p:extLst>
       <p:ext uri="{BB962C8B-B14F-4D97-AF65-F5344CB8AC3E}">
-        <p14:creationId xmlns:p14="http://schemas.microsoft.com/office/powerpoint/2010/main" val="624400286"/>
+        <p14:creationId xmlns:p14="http://schemas.microsoft.com/office/powerpoint/2010/main" val="178513979"/>
+      </p:ext>
+    </p:extLst>
+  </p:cSld>
+  <p:clrMapOvr>
+    <a:masterClrMapping/>
+  </p:clrMapOvr>
+  <p:transition spd="slow">
+    <p:push dir="u"/>
+  </p:transition>
+  <p:timing>
+    <p:tnLst>
+      <p:par>
+        <p:cTn id="1" dur="indefinite" restart="never" nodeType="tmRoot"/>
+      </p:par>
+    </p:tnLst>
+  </p:timing>
+</p:sld>
+</file>
+
+<file path=ppt/slides/slide17.xml><?xml version="1.0" encoding="utf-8"?>
+<p:sld xmlns:a="http://schemas.openxmlformats.org/drawingml/2006/main" xmlns:r="http://schemas.openxmlformats.org/officeDocument/2006/relationships" xmlns:p="http://schemas.openxmlformats.org/presentationml/2006/main">
+  <p:cSld>
+    <p:spTree>
+      <p:nvGrpSpPr>
+        <p:cNvPr id="1" name=""/>
+        <p:cNvGrpSpPr/>
+        <p:nvPr/>
+      </p:nvGrpSpPr>
+      <p:grpSpPr>
+        <a:xfrm>
+          <a:off x="0" y="0"/>
+          <a:ext cx="0" cy="0"/>
+          <a:chOff x="0" y="0"/>
+          <a:chExt cx="0" cy="0"/>
+        </a:xfrm>
+      </p:grpSpPr>
+      <p:sp>
+        <p:nvSpPr>
+          <p:cNvPr id="2" name="Title 6">
+            <a:extLst>
+              <a:ext uri="{FF2B5EF4-FFF2-40B4-BE49-F238E27FC236}">
+                <a16:creationId xmlns:a16="http://schemas.microsoft.com/office/drawing/2014/main" xmlns="" id="{04F78A0C-BF40-4E0B-9FA4-AAAA57E3C4EF}"/>
+              </a:ext>
+            </a:extLst>
+          </p:cNvPr>
+          <p:cNvSpPr txBox="1">
+            <a:spLocks noGrp="1"/>
+          </p:cNvSpPr>
+          <p:nvPr>
+            <p:ph type="title"/>
+          </p:nvPr>
+        </p:nvSpPr>
+        <p:spPr/>
+        <p:txBody>
+          <a:bodyPr>
+            <a:normAutofit/>
+          </a:bodyPr>
+          <a:lstStyle/>
+          <a:p>
+            <a:pPr lvl="0" algn="ctr"/>
+            <a:r>
+              <a:rPr lang="en-GB" sz="2800" dirty="0" smtClean="0"/>
+              <a:t>%</a:t>
+            </a:r>
+            <a:endParaRPr lang="en-GB" sz="2800" dirty="0"/>
+          </a:p>
+        </p:txBody>
+      </p:sp>
+      <p:sp>
+        <p:nvSpPr>
+          <p:cNvPr id="3" name="Content Placeholder 7">
+            <a:extLst>
+              <a:ext uri="{FF2B5EF4-FFF2-40B4-BE49-F238E27FC236}">
+                <a16:creationId xmlns:a16="http://schemas.microsoft.com/office/drawing/2014/main" xmlns="" id="{3A52400E-A01D-4CCF-8280-EBE32B011F8E}"/>
+              </a:ext>
+            </a:extLst>
+          </p:cNvPr>
+          <p:cNvSpPr txBox="1">
+            <a:spLocks noGrp="1"/>
+          </p:cNvSpPr>
+          <p:nvPr>
+            <p:ph idx="1"/>
+          </p:nvPr>
+        </p:nvSpPr>
+        <p:spPr>
+          <a:xfrm>
+            <a:off x="3869268" y="174811"/>
+            <a:ext cx="7315200" cy="5984748"/>
+          </a:xfrm>
+        </p:spPr>
+        <p:txBody>
+          <a:bodyPr>
+            <a:normAutofit fontScale="92500" lnSpcReduction="10000"/>
+          </a:bodyPr>
+          <a:lstStyle/>
+          <a:p>
+            <a:pPr marL="0" lvl="0" indent="0">
+              <a:lnSpc>
+                <a:spcPct val="200000"/>
+              </a:lnSpc>
+              <a:buNone/>
+            </a:pPr>
+            <a:r>
+              <a:rPr lang="de-DE" sz="2800" dirty="0">
+                <a:solidFill>
+                  <a:schemeClr val="tx1"/>
+                </a:solidFill>
+              </a:rPr>
+              <a:t>Selbsteinschätzung:</a:t>
+            </a:r>
+          </a:p>
+          <a:p>
+            <a:pPr lvl="0"/>
+            <a:r>
+              <a:rPr lang="de-DE" dirty="0" smtClean="0">
+                <a:solidFill>
+                  <a:schemeClr val="tx1"/>
+                </a:solidFill>
+              </a:rPr>
+              <a:t>Recherche über die Filter der Datenvorverarbeitung</a:t>
+            </a:r>
+            <a:endParaRPr lang="de-DE" dirty="0">
+              <a:solidFill>
+                <a:schemeClr val="tx1"/>
+              </a:solidFill>
+            </a:endParaRPr>
+          </a:p>
+          <a:p>
+            <a:pPr lvl="0"/>
+            <a:r>
+              <a:rPr lang="de-DE" dirty="0" smtClean="0">
+                <a:solidFill>
+                  <a:schemeClr val="tx1"/>
+                </a:solidFill>
+              </a:rPr>
+              <a:t>Implementierung der Filter</a:t>
+            </a:r>
+          </a:p>
+          <a:p>
+            <a:pPr lvl="0"/>
+            <a:r>
+              <a:rPr lang="de-DE" dirty="0" smtClean="0">
+                <a:solidFill>
+                  <a:schemeClr val="tx1"/>
+                </a:solidFill>
+              </a:rPr>
+              <a:t>Erstellen einer Dokumentation für die Skripte</a:t>
+            </a:r>
+            <a:endParaRPr lang="de-DE" dirty="0">
+              <a:solidFill>
+                <a:schemeClr val="tx1"/>
+              </a:solidFill>
+            </a:endParaRPr>
+          </a:p>
+          <a:p>
+            <a:pPr lvl="0"/>
+            <a:r>
+              <a:rPr lang="de-DE" dirty="0" smtClean="0">
+                <a:solidFill>
+                  <a:schemeClr val="tx1"/>
+                </a:solidFill>
+              </a:rPr>
+              <a:t>Verteilung der Personen bei der Automatisierung der Simulation</a:t>
+            </a:r>
+            <a:endParaRPr lang="de-DE" dirty="0">
+              <a:solidFill>
+                <a:schemeClr val="tx1"/>
+              </a:solidFill>
+            </a:endParaRPr>
+          </a:p>
+          <a:p>
+            <a:pPr lvl="0"/>
+            <a:r>
+              <a:rPr lang="de-DE" dirty="0" smtClean="0">
+                <a:solidFill>
+                  <a:schemeClr val="tx1"/>
+                </a:solidFill>
+              </a:rPr>
+              <a:t>Testen der Software</a:t>
+            </a:r>
+            <a:endParaRPr lang="de-DE" dirty="0">
+              <a:solidFill>
+                <a:schemeClr val="tx1"/>
+              </a:solidFill>
+            </a:endParaRPr>
+          </a:p>
+          <a:p>
+            <a:pPr lvl="0"/>
+            <a:r>
+              <a:rPr lang="de-DE" dirty="0" smtClean="0">
+                <a:solidFill>
+                  <a:schemeClr val="tx1"/>
+                </a:solidFill>
+              </a:rPr>
+              <a:t>Datengenerierung</a:t>
+            </a:r>
+          </a:p>
+          <a:p>
+            <a:pPr lvl="0"/>
+            <a:r>
+              <a:rPr lang="de-DE" dirty="0" smtClean="0">
+                <a:solidFill>
+                  <a:schemeClr val="tx1"/>
+                </a:solidFill>
+              </a:rPr>
+              <a:t>Erstellen eines Technischen Berichts</a:t>
+            </a:r>
+          </a:p>
+          <a:p>
+            <a:pPr lvl="0"/>
+            <a:r>
+              <a:rPr lang="de-DE" dirty="0" smtClean="0">
+                <a:solidFill>
+                  <a:schemeClr val="tx1"/>
+                </a:solidFill>
+              </a:rPr>
+              <a:t>Aufbereitung der Daten nach Vorgaben des Fraunhofer Instituts</a:t>
+            </a:r>
+            <a:endParaRPr lang="de-DE" dirty="0" smtClean="0">
+              <a:solidFill>
+                <a:srgbClr val="FF0000"/>
+              </a:solidFill>
+            </a:endParaRPr>
+          </a:p>
+          <a:p>
+            <a:pPr lvl="0"/>
+            <a:r>
+              <a:rPr lang="de-DE" dirty="0" smtClean="0">
+                <a:solidFill>
+                  <a:schemeClr val="tx1"/>
+                </a:solidFill>
+              </a:rPr>
+              <a:t>Aufbereitung der Daten, dass sie denen von Kameras ähneln</a:t>
+            </a:r>
+          </a:p>
+          <a:p>
+            <a:pPr lvl="0"/>
+            <a:r>
+              <a:rPr lang="de-DE" dirty="0" smtClean="0">
+                <a:solidFill>
+                  <a:schemeClr val="tx1"/>
+                </a:solidFill>
+              </a:rPr>
+              <a:t>Modellieren &amp; simulieren realistischer, variantenreicher Szenarien</a:t>
+            </a:r>
+          </a:p>
+          <a:p>
+            <a:pPr lvl="0"/>
+            <a:r>
+              <a:rPr lang="de-DE" dirty="0" smtClean="0">
+                <a:solidFill>
+                  <a:schemeClr val="tx1"/>
+                </a:solidFill>
+              </a:rPr>
+              <a:t>Aktualisieren des Trello Projektes/</a:t>
+            </a:r>
+            <a:r>
+              <a:rPr lang="de-DE" dirty="0" err="1" smtClean="0">
+                <a:solidFill>
+                  <a:schemeClr val="tx1"/>
+                </a:solidFill>
+              </a:rPr>
+              <a:t>Repos</a:t>
+            </a:r>
+            <a:r>
+              <a:rPr lang="de-DE" dirty="0" smtClean="0">
+                <a:solidFill>
+                  <a:schemeClr val="tx1"/>
+                </a:solidFill>
+              </a:rPr>
+              <a:t>/Organisation der Treffen</a:t>
+            </a:r>
+          </a:p>
+          <a:p>
+            <a:pPr lvl="0"/>
+            <a:r>
+              <a:rPr lang="de-DE" dirty="0" smtClean="0">
+                <a:solidFill>
+                  <a:schemeClr val="tx1"/>
+                </a:solidFill>
+              </a:rPr>
+              <a:t>Erstellen einer Demo</a:t>
+            </a:r>
+          </a:p>
+          <a:p>
+            <a:r>
+              <a:rPr lang="de-DE" dirty="0" err="1" smtClean="0">
+                <a:solidFill>
+                  <a:schemeClr val="tx1"/>
+                </a:solidFill>
+              </a:rPr>
+              <a:t>Scrum</a:t>
+            </a:r>
+            <a:r>
+              <a:rPr lang="de-DE" dirty="0" smtClean="0">
+                <a:solidFill>
+                  <a:schemeClr val="tx1"/>
+                </a:solidFill>
+              </a:rPr>
+              <a:t> Master</a:t>
+            </a:r>
+            <a:endParaRPr lang="de-DE" dirty="0">
+              <a:solidFill>
+                <a:schemeClr val="tx1"/>
+              </a:solidFill>
+            </a:endParaRPr>
+          </a:p>
+        </p:txBody>
+      </p:sp>
+    </p:spTree>
+    <p:extLst>
+      <p:ext uri="{BB962C8B-B14F-4D97-AF65-F5344CB8AC3E}">
+        <p14:creationId xmlns:p14="http://schemas.microsoft.com/office/powerpoint/2010/main" val="4113776124"/>
+      </p:ext>
+    </p:extLst>
+  </p:cSld>
+  <p:clrMapOvr>
+    <a:masterClrMapping/>
+  </p:clrMapOvr>
+  <p:transition spd="slow">
+    <p:push dir="u"/>
+  </p:transition>
+  <p:timing>
+    <p:tnLst>
+      <p:par>
+        <p:cTn id="1" dur="indefinite" restart="never" nodeType="tmRoot"/>
+      </p:par>
+    </p:tnLst>
+  </p:timing>
+</p:sld>
+</file>
+
+<file path=ppt/slides/slide18.xml><?xml version="1.0" encoding="utf-8"?>
+<p:sld xmlns:a="http://schemas.openxmlformats.org/drawingml/2006/main" xmlns:r="http://schemas.openxmlformats.org/officeDocument/2006/relationships" xmlns:p="http://schemas.openxmlformats.org/presentationml/2006/main">
+  <p:cSld>
+    <p:spTree>
+      <p:nvGrpSpPr>
+        <p:cNvPr id="1" name=""/>
+        <p:cNvGrpSpPr/>
+        <p:nvPr/>
+      </p:nvGrpSpPr>
+      <p:grpSpPr>
+        <a:xfrm>
+          <a:off x="0" y="0"/>
+          <a:ext cx="0" cy="0"/>
+          <a:chOff x="0" y="0"/>
+          <a:chExt cx="0" cy="0"/>
+        </a:xfrm>
+      </p:grpSpPr>
+      <p:sp>
+        <p:nvSpPr>
+          <p:cNvPr id="2" name="Titel 1"/>
+          <p:cNvSpPr>
+            <a:spLocks noGrp="1"/>
+          </p:cNvSpPr>
+          <p:nvPr>
+            <p:ph type="ctrTitle"/>
+          </p:nvPr>
+        </p:nvSpPr>
+        <p:spPr/>
+        <p:txBody>
+          <a:bodyPr>
+            <a:noAutofit/>
+          </a:bodyPr>
+          <a:lstStyle/>
+          <a:p>
+            <a:pPr algn="l"/>
+            <a:r>
+              <a:rPr lang="de-DE" sz="7000" dirty="0" smtClean="0">
+                <a:solidFill>
+                  <a:schemeClr val="bg1"/>
+                </a:solidFill>
+                <a:cs typeface="Times New Roman" panose="02020603050405020304" pitchFamily="18" charset="0"/>
+              </a:rPr>
+              <a:t>Anita</a:t>
+            </a:r>
+            <a:endParaRPr lang="de-DE" sz="7000" dirty="0">
+              <a:solidFill>
+                <a:schemeClr val="bg1"/>
+              </a:solidFill>
+              <a:cs typeface="Times New Roman" panose="02020603050405020304" pitchFamily="18" charset="0"/>
+            </a:endParaRPr>
+          </a:p>
+        </p:txBody>
+      </p:sp>
+    </p:spTree>
+    <p:extLst>
+      <p:ext uri="{BB962C8B-B14F-4D97-AF65-F5344CB8AC3E}">
+        <p14:creationId xmlns:p14="http://schemas.microsoft.com/office/powerpoint/2010/main" val="1888450948"/>
+      </p:ext>
+    </p:extLst>
+  </p:cSld>
+  <p:clrMapOvr>
+    <a:masterClrMapping/>
+  </p:clrMapOvr>
+  <p:transition spd="slow">
+    <p:push dir="u"/>
+  </p:transition>
+  <p:timing>
+    <p:tnLst>
+      <p:par>
+        <p:cTn id="1" dur="indefinite" restart="never" nodeType="tmRoot"/>
+      </p:par>
+    </p:tnLst>
+  </p:timing>
+</p:sld>
+</file>
+
+<file path=ppt/slides/slide19.xml><?xml version="1.0" encoding="utf-8"?>
+<p:sld xmlns:a="http://schemas.openxmlformats.org/drawingml/2006/main" xmlns:r="http://schemas.openxmlformats.org/officeDocument/2006/relationships" xmlns:p="http://schemas.openxmlformats.org/presentationml/2006/main">
+  <p:cSld>
+    <p:spTree>
+      <p:nvGrpSpPr>
+        <p:cNvPr id="1" name=""/>
+        <p:cNvGrpSpPr/>
+        <p:nvPr/>
+      </p:nvGrpSpPr>
+      <p:grpSpPr>
+        <a:xfrm>
+          <a:off x="0" y="0"/>
+          <a:ext cx="0" cy="0"/>
+          <a:chOff x="0" y="0"/>
+          <a:chExt cx="0" cy="0"/>
+        </a:xfrm>
+      </p:grpSpPr>
+      <p:sp>
+        <p:nvSpPr>
+          <p:cNvPr id="2" name="Title 6">
+            <a:extLst>
+              <a:ext uri="{FF2B5EF4-FFF2-40B4-BE49-F238E27FC236}">
+                <a16:creationId xmlns:a16="http://schemas.microsoft.com/office/drawing/2014/main" xmlns="" id="{04F78A0C-BF40-4E0B-9FA4-AAAA57E3C4EF}"/>
+              </a:ext>
+            </a:extLst>
+          </p:cNvPr>
+          <p:cNvSpPr txBox="1">
+            <a:spLocks noGrp="1"/>
+          </p:cNvSpPr>
+          <p:nvPr>
+            <p:ph type="title"/>
+          </p:nvPr>
+        </p:nvSpPr>
+        <p:spPr/>
+        <p:txBody>
+          <a:bodyPr>
+            <a:normAutofit/>
+          </a:bodyPr>
+          <a:lstStyle/>
+          <a:p>
+            <a:pPr lvl="0" algn="ctr"/>
+            <a:r>
+              <a:rPr lang="en-GB" sz="2800" dirty="0" smtClean="0"/>
+              <a:t>%</a:t>
+            </a:r>
+            <a:endParaRPr lang="en-GB" sz="2800" dirty="0"/>
+          </a:p>
+        </p:txBody>
+      </p:sp>
+      <p:sp>
+        <p:nvSpPr>
+          <p:cNvPr id="3" name="Content Placeholder 7">
+            <a:extLst>
+              <a:ext uri="{FF2B5EF4-FFF2-40B4-BE49-F238E27FC236}">
+                <a16:creationId xmlns:a16="http://schemas.microsoft.com/office/drawing/2014/main" xmlns="" id="{3A52400E-A01D-4CCF-8280-EBE32B011F8E}"/>
+              </a:ext>
+            </a:extLst>
+          </p:cNvPr>
+          <p:cNvSpPr txBox="1">
+            <a:spLocks noGrp="1"/>
+          </p:cNvSpPr>
+          <p:nvPr>
+            <p:ph idx="1"/>
+          </p:nvPr>
+        </p:nvSpPr>
+        <p:spPr>
+          <a:xfrm>
+            <a:off x="3869268" y="174811"/>
+            <a:ext cx="7315200" cy="5984748"/>
+          </a:xfrm>
+        </p:spPr>
+        <p:txBody>
+          <a:bodyPr>
+            <a:normAutofit fontScale="92500" lnSpcReduction="10000"/>
+          </a:bodyPr>
+          <a:lstStyle/>
+          <a:p>
+            <a:pPr marL="0" lvl="0" indent="0">
+              <a:lnSpc>
+                <a:spcPct val="200000"/>
+              </a:lnSpc>
+              <a:buNone/>
+            </a:pPr>
+            <a:r>
+              <a:rPr lang="de-DE" sz="2800" dirty="0">
+                <a:solidFill>
+                  <a:schemeClr val="tx1"/>
+                </a:solidFill>
+              </a:rPr>
+              <a:t>Selbsteinschätzung:</a:t>
+            </a:r>
+          </a:p>
+          <a:p>
+            <a:pPr lvl="0"/>
+            <a:r>
+              <a:rPr lang="de-DE" dirty="0" smtClean="0">
+                <a:solidFill>
+                  <a:schemeClr val="tx1"/>
+                </a:solidFill>
+              </a:rPr>
+              <a:t>Recherche über die Filter der Datenvorverarbeitung</a:t>
+            </a:r>
+            <a:endParaRPr lang="de-DE" dirty="0">
+              <a:solidFill>
+                <a:schemeClr val="tx1"/>
+              </a:solidFill>
+            </a:endParaRPr>
+          </a:p>
+          <a:p>
+            <a:pPr lvl="0"/>
+            <a:r>
+              <a:rPr lang="de-DE" dirty="0" smtClean="0">
+                <a:solidFill>
+                  <a:schemeClr val="tx1"/>
+                </a:solidFill>
+              </a:rPr>
+              <a:t>Implementierung der Filter</a:t>
+            </a:r>
+          </a:p>
+          <a:p>
+            <a:pPr lvl="0"/>
+            <a:r>
+              <a:rPr lang="de-DE" dirty="0" smtClean="0">
+                <a:solidFill>
+                  <a:schemeClr val="tx1"/>
+                </a:solidFill>
+              </a:rPr>
+              <a:t>Erstellen einer Dokumentation für die Skripte</a:t>
+            </a:r>
+            <a:endParaRPr lang="de-DE" dirty="0">
+              <a:solidFill>
+                <a:schemeClr val="tx1"/>
+              </a:solidFill>
+            </a:endParaRPr>
+          </a:p>
+          <a:p>
+            <a:pPr lvl="0"/>
+            <a:r>
+              <a:rPr lang="de-DE" dirty="0" smtClean="0">
+                <a:solidFill>
+                  <a:schemeClr val="tx1"/>
+                </a:solidFill>
+              </a:rPr>
+              <a:t>Verteilung der Personen bei der Automatisierung der Simulation</a:t>
+            </a:r>
+            <a:endParaRPr lang="de-DE" dirty="0">
+              <a:solidFill>
+                <a:schemeClr val="tx1"/>
+              </a:solidFill>
+            </a:endParaRPr>
+          </a:p>
+          <a:p>
+            <a:pPr lvl="0"/>
+            <a:r>
+              <a:rPr lang="de-DE" dirty="0" smtClean="0">
+                <a:solidFill>
+                  <a:schemeClr val="tx1"/>
+                </a:solidFill>
+              </a:rPr>
+              <a:t>Testen der Software</a:t>
+            </a:r>
+            <a:endParaRPr lang="de-DE" dirty="0">
+              <a:solidFill>
+                <a:schemeClr val="tx1"/>
+              </a:solidFill>
+            </a:endParaRPr>
+          </a:p>
+          <a:p>
+            <a:pPr lvl="0"/>
+            <a:r>
+              <a:rPr lang="de-DE" dirty="0" smtClean="0">
+                <a:solidFill>
+                  <a:schemeClr val="tx1"/>
+                </a:solidFill>
+              </a:rPr>
+              <a:t>Datengenerierung</a:t>
+            </a:r>
+          </a:p>
+          <a:p>
+            <a:pPr lvl="0"/>
+            <a:r>
+              <a:rPr lang="de-DE" dirty="0" smtClean="0">
+                <a:solidFill>
+                  <a:schemeClr val="tx1"/>
+                </a:solidFill>
+              </a:rPr>
+              <a:t>Erstellen eines Technischen Berichts</a:t>
+            </a:r>
+          </a:p>
+          <a:p>
+            <a:pPr lvl="0"/>
+            <a:r>
+              <a:rPr lang="de-DE" dirty="0" smtClean="0">
+                <a:solidFill>
+                  <a:schemeClr val="tx1"/>
+                </a:solidFill>
+              </a:rPr>
+              <a:t>Aufbereitung der Daten nach Vorgaben des Fraunhofer Instituts</a:t>
+            </a:r>
+            <a:endParaRPr lang="de-DE" dirty="0" smtClean="0">
+              <a:solidFill>
+                <a:srgbClr val="FF0000"/>
+              </a:solidFill>
+            </a:endParaRPr>
+          </a:p>
+          <a:p>
+            <a:pPr lvl="0"/>
+            <a:r>
+              <a:rPr lang="de-DE" dirty="0" smtClean="0">
+                <a:solidFill>
+                  <a:schemeClr val="tx1"/>
+                </a:solidFill>
+              </a:rPr>
+              <a:t>Aufbereitung der Daten, dass sie denen von Kameras ähneln</a:t>
+            </a:r>
+          </a:p>
+          <a:p>
+            <a:pPr lvl="0"/>
+            <a:r>
+              <a:rPr lang="de-DE" dirty="0" smtClean="0">
+                <a:solidFill>
+                  <a:schemeClr val="tx1"/>
+                </a:solidFill>
+              </a:rPr>
+              <a:t>Modellieren &amp; simulieren realistischer, variantenreicher Szenarien</a:t>
+            </a:r>
+          </a:p>
+          <a:p>
+            <a:pPr lvl="0"/>
+            <a:r>
+              <a:rPr lang="de-DE" dirty="0" smtClean="0">
+                <a:solidFill>
+                  <a:schemeClr val="tx1"/>
+                </a:solidFill>
+              </a:rPr>
+              <a:t>Aktualisieren des Trello Projektes/</a:t>
+            </a:r>
+            <a:r>
+              <a:rPr lang="de-DE" dirty="0" err="1" smtClean="0">
+                <a:solidFill>
+                  <a:schemeClr val="tx1"/>
+                </a:solidFill>
+              </a:rPr>
+              <a:t>Repos</a:t>
+            </a:r>
+            <a:r>
+              <a:rPr lang="de-DE" dirty="0" smtClean="0">
+                <a:solidFill>
+                  <a:schemeClr val="tx1"/>
+                </a:solidFill>
+              </a:rPr>
+              <a:t>/Organisation der Treffen</a:t>
+            </a:r>
+          </a:p>
+          <a:p>
+            <a:pPr lvl="0"/>
+            <a:r>
+              <a:rPr lang="de-DE" dirty="0" smtClean="0">
+                <a:solidFill>
+                  <a:schemeClr val="tx1"/>
+                </a:solidFill>
+              </a:rPr>
+              <a:t>Erstellung einer Demo</a:t>
+            </a:r>
+          </a:p>
+          <a:p>
+            <a:r>
+              <a:rPr lang="de-DE" dirty="0" err="1" smtClean="0">
+                <a:solidFill>
+                  <a:schemeClr val="tx1"/>
+                </a:solidFill>
+              </a:rPr>
+              <a:t>Scrum</a:t>
+            </a:r>
+            <a:r>
+              <a:rPr lang="de-DE" dirty="0" smtClean="0">
+                <a:solidFill>
+                  <a:schemeClr val="tx1"/>
+                </a:solidFill>
+              </a:rPr>
+              <a:t> Master</a:t>
+            </a:r>
+            <a:endParaRPr lang="de-DE" dirty="0">
+              <a:solidFill>
+                <a:schemeClr val="tx1"/>
+              </a:solidFill>
+            </a:endParaRPr>
+          </a:p>
+        </p:txBody>
+      </p:sp>
+    </p:spTree>
+    <p:extLst>
+      <p:ext uri="{BB962C8B-B14F-4D97-AF65-F5344CB8AC3E}">
+        <p14:creationId xmlns:p14="http://schemas.microsoft.com/office/powerpoint/2010/main" val="1731762785"/>
       </p:ext>
     </p:extLst>
   </p:cSld>
@@ -5619,13 +7202,20 @@
               </a:rPr>
               <a:t>Einführung</a:t>
             </a:r>
+            <a:endParaRPr lang="en-GB" dirty="0" smtClean="0">
+              <a:solidFill>
+                <a:schemeClr val="tx1"/>
+              </a:solidFill>
+            </a:endParaRPr>
+          </a:p>
+          <a:p>
             <a:r>
               <a:rPr lang="en-GB" dirty="0" smtClean="0">
                 <a:solidFill>
                   <a:schemeClr val="tx1"/>
                 </a:solidFill>
               </a:rPr>
-              <a:t> </a:t>
+              <a:t>Amir</a:t>
             </a:r>
             <a:endParaRPr lang="en-GB" dirty="0">
               <a:solidFill>
@@ -5640,7 +7230,57 @@
                   <a:schemeClr val="tx1"/>
                 </a:solidFill>
               </a:rPr>
+              <a:t>Do</a:t>
+            </a:r>
+          </a:p>
+          <a:p>
+            <a:r>
+              <a:rPr lang="en-GB" dirty="0" smtClean="0">
+                <a:solidFill>
+                  <a:schemeClr val="tx1"/>
+                </a:solidFill>
+              </a:rPr>
+              <a:t>Hubert</a:t>
+            </a:r>
+          </a:p>
+          <a:p>
+            <a:r>
+              <a:rPr lang="en-GB" dirty="0" smtClean="0">
+                <a:solidFill>
+                  <a:schemeClr val="tx1"/>
+                </a:solidFill>
+              </a:rPr>
               <a:t>Julian</a:t>
+            </a:r>
+          </a:p>
+          <a:p>
+            <a:r>
+              <a:rPr lang="en-GB" dirty="0" smtClean="0">
+                <a:solidFill>
+                  <a:schemeClr val="tx1"/>
+                </a:solidFill>
+              </a:rPr>
+              <a:t>Anita</a:t>
+            </a:r>
+          </a:p>
+          <a:p>
+            <a:r>
+              <a:rPr lang="en-GB" dirty="0" smtClean="0">
+                <a:solidFill>
+                  <a:schemeClr val="tx1"/>
+                </a:solidFill>
+              </a:rPr>
+              <a:t>Rebecca</a:t>
+            </a:r>
+          </a:p>
+          <a:p>
+            <a:r>
+              <a:rPr lang="en-GB" dirty="0" smtClean="0">
+                <a:solidFill>
+                  <a:schemeClr val="tx1"/>
+                </a:solidFill>
+              </a:rPr>
+              <a:t>Lisa</a:t>
             </a:r>
             <a:endParaRPr lang="en-GB" dirty="0">
               <a:solidFill>
@@ -5648,77 +7288,1345 @@
               </a:solidFill>
             </a:endParaRPr>
           </a:p>
-          <a:p>
-            <a:r>
-              <a:rPr lang="en-GB" dirty="0" smtClean="0">
-                <a:solidFill>
-                  <a:schemeClr val="tx1"/>
-                </a:solidFill>
-              </a:rPr>
-              <a:t>Anita</a:t>
-            </a:r>
-          </a:p>
-          <a:p>
-            <a:r>
-              <a:rPr lang="en-GB" dirty="0" smtClean="0">
-                <a:solidFill>
-                  <a:schemeClr val="tx1"/>
-                </a:solidFill>
-              </a:rPr>
-              <a:t>Amir</a:t>
-            </a:r>
-          </a:p>
-          <a:p>
-            <a:r>
-              <a:rPr lang="en-GB" dirty="0" smtClean="0">
-                <a:solidFill>
-                  <a:schemeClr val="tx1"/>
-                </a:solidFill>
-              </a:rPr>
-              <a:t>Do</a:t>
-            </a:r>
-          </a:p>
-          <a:p>
-            <a:r>
-              <a:rPr lang="en-GB" dirty="0" smtClean="0">
-                <a:solidFill>
-                  <a:schemeClr val="tx1"/>
-                </a:solidFill>
+        </p:txBody>
+      </p:sp>
+    </p:spTree>
+    <p:extLst>
+      <p:ext uri="{BB962C8B-B14F-4D97-AF65-F5344CB8AC3E}">
+        <p14:creationId xmlns:p14="http://schemas.microsoft.com/office/powerpoint/2010/main" val="4220007554"/>
+      </p:ext>
+    </p:extLst>
+  </p:cSld>
+  <p:clrMapOvr>
+    <a:masterClrMapping/>
+  </p:clrMapOvr>
+  <p:transition spd="slow">
+    <p:push dir="u"/>
+  </p:transition>
+  <p:timing>
+    <p:tnLst>
+      <p:par>
+        <p:cTn id="1" dur="indefinite" restart="never" nodeType="tmRoot"/>
+      </p:par>
+    </p:tnLst>
+  </p:timing>
+</p:sld>
+</file>
+
+<file path=ppt/slides/slide20.xml><?xml version="1.0" encoding="utf-8"?>
+<p:sld xmlns:a="http://schemas.openxmlformats.org/drawingml/2006/main" xmlns:r="http://schemas.openxmlformats.org/officeDocument/2006/relationships" xmlns:p="http://schemas.openxmlformats.org/presentationml/2006/main">
+  <p:cSld>
+    <p:spTree>
+      <p:nvGrpSpPr>
+        <p:cNvPr id="1" name=""/>
+        <p:cNvGrpSpPr/>
+        <p:nvPr/>
+      </p:nvGrpSpPr>
+      <p:grpSpPr>
+        <a:xfrm>
+          <a:off x="0" y="0"/>
+          <a:ext cx="0" cy="0"/>
+          <a:chOff x="0" y="0"/>
+          <a:chExt cx="0" cy="0"/>
+        </a:xfrm>
+      </p:grpSpPr>
+      <p:sp>
+        <p:nvSpPr>
+          <p:cNvPr id="2" name="Titel 1"/>
+          <p:cNvSpPr>
+            <a:spLocks noGrp="1"/>
+          </p:cNvSpPr>
+          <p:nvPr>
+            <p:ph type="ctrTitle"/>
+          </p:nvPr>
+        </p:nvSpPr>
+        <p:spPr/>
+        <p:txBody>
+          <a:bodyPr>
+            <a:noAutofit/>
+          </a:bodyPr>
+          <a:lstStyle/>
+          <a:p>
+            <a:pPr algn="l"/>
+            <a:r>
+              <a:rPr lang="de-DE" sz="7000" dirty="0" smtClean="0">
+                <a:solidFill>
+                  <a:schemeClr val="bg1"/>
+                </a:solidFill>
+                <a:cs typeface="Times New Roman" panose="02020603050405020304" pitchFamily="18" charset="0"/>
               </a:rPr>
               <a:t>Rebecca</a:t>
             </a:r>
-          </a:p>
-          <a:p>
-            <a:r>
-              <a:rPr lang="en-GB" dirty="0" smtClean="0">
-                <a:solidFill>
-                  <a:schemeClr val="tx1"/>
-                </a:solidFill>
-              </a:rPr>
-              <a:t>Hubert</a:t>
-            </a:r>
-          </a:p>
-          <a:p>
-            <a:r>
-              <a:rPr lang="en-GB" dirty="0" smtClean="0">
-                <a:solidFill>
-                  <a:schemeClr val="tx1"/>
-                </a:solidFill>
-              </a:rPr>
-              <a:t>Lisa</a:t>
-            </a:r>
-            <a:endParaRPr lang="en-GB" dirty="0">
+            <a:endParaRPr lang="de-DE" sz="7000" dirty="0">
+              <a:solidFill>
+                <a:schemeClr val="bg1"/>
+              </a:solidFill>
+              <a:cs typeface="Times New Roman" panose="02020603050405020304" pitchFamily="18" charset="0"/>
+            </a:endParaRPr>
+          </a:p>
+        </p:txBody>
+      </p:sp>
+    </p:spTree>
+    <p:extLst>
+      <p:ext uri="{BB962C8B-B14F-4D97-AF65-F5344CB8AC3E}">
+        <p14:creationId xmlns:p14="http://schemas.microsoft.com/office/powerpoint/2010/main" val="2661106770"/>
+      </p:ext>
+    </p:extLst>
+  </p:cSld>
+  <p:clrMapOvr>
+    <a:masterClrMapping/>
+  </p:clrMapOvr>
+  <p:transition spd="slow">
+    <p:push dir="u"/>
+  </p:transition>
+  <p:timing>
+    <p:tnLst>
+      <p:par>
+        <p:cTn id="1" dur="indefinite" restart="never" nodeType="tmRoot"/>
+      </p:par>
+    </p:tnLst>
+  </p:timing>
+</p:sld>
+</file>
+
+<file path=ppt/slides/slide21.xml><?xml version="1.0" encoding="utf-8"?>
+<p:sld xmlns:a="http://schemas.openxmlformats.org/drawingml/2006/main" xmlns:r="http://schemas.openxmlformats.org/officeDocument/2006/relationships" xmlns:p="http://schemas.openxmlformats.org/presentationml/2006/main">
+  <p:cSld>
+    <p:spTree>
+      <p:nvGrpSpPr>
+        <p:cNvPr id="1" name=""/>
+        <p:cNvGrpSpPr/>
+        <p:nvPr/>
+      </p:nvGrpSpPr>
+      <p:grpSpPr>
+        <a:xfrm>
+          <a:off x="0" y="0"/>
+          <a:ext cx="0" cy="0"/>
+          <a:chOff x="0" y="0"/>
+          <a:chExt cx="0" cy="0"/>
+        </a:xfrm>
+      </p:grpSpPr>
+      <p:sp>
+        <p:nvSpPr>
+          <p:cNvPr id="2" name="Title 6">
+            <a:extLst>
+              <a:ext uri="{FF2B5EF4-FFF2-40B4-BE49-F238E27FC236}">
+                <a16:creationId xmlns:a16="http://schemas.microsoft.com/office/drawing/2014/main" xmlns="" id="{04F78A0C-BF40-4E0B-9FA4-AAAA57E3C4EF}"/>
+              </a:ext>
+            </a:extLst>
+          </p:cNvPr>
+          <p:cNvSpPr txBox="1">
+            <a:spLocks noGrp="1"/>
+          </p:cNvSpPr>
+          <p:nvPr>
+            <p:ph type="title"/>
+          </p:nvPr>
+        </p:nvSpPr>
+        <p:spPr/>
+        <p:txBody>
+          <a:bodyPr>
+            <a:normAutofit/>
+          </a:bodyPr>
+          <a:lstStyle/>
+          <a:p>
+            <a:pPr lvl="0" algn="ctr"/>
+            <a:r>
+              <a:rPr lang="en-GB" sz="2800" dirty="0" smtClean="0"/>
+              <a:t>%</a:t>
+            </a:r>
+            <a:endParaRPr lang="en-GB" sz="2800" dirty="0"/>
+          </a:p>
+        </p:txBody>
+      </p:sp>
+      <p:sp>
+        <p:nvSpPr>
+          <p:cNvPr id="3" name="Content Placeholder 7">
+            <a:extLst>
+              <a:ext uri="{FF2B5EF4-FFF2-40B4-BE49-F238E27FC236}">
+                <a16:creationId xmlns:a16="http://schemas.microsoft.com/office/drawing/2014/main" xmlns="" id="{3A52400E-A01D-4CCF-8280-EBE32B011F8E}"/>
+              </a:ext>
+            </a:extLst>
+          </p:cNvPr>
+          <p:cNvSpPr txBox="1">
+            <a:spLocks noGrp="1"/>
+          </p:cNvSpPr>
+          <p:nvPr>
+            <p:ph idx="1"/>
+          </p:nvPr>
+        </p:nvSpPr>
+        <p:spPr>
+          <a:xfrm>
+            <a:off x="3869268" y="174811"/>
+            <a:ext cx="7315200" cy="5984748"/>
+          </a:xfrm>
+        </p:spPr>
+        <p:txBody>
+          <a:bodyPr>
+            <a:normAutofit fontScale="92500" lnSpcReduction="10000"/>
+          </a:bodyPr>
+          <a:lstStyle/>
+          <a:p>
+            <a:pPr marL="0" lvl="0" indent="0">
+              <a:lnSpc>
+                <a:spcPct val="200000"/>
+              </a:lnSpc>
+              <a:buNone/>
+            </a:pPr>
+            <a:r>
+              <a:rPr lang="de-DE" sz="2800" dirty="0">
+                <a:solidFill>
+                  <a:schemeClr val="tx1"/>
+                </a:solidFill>
+              </a:rPr>
+              <a:t>Selbsteinschätzung:</a:t>
+            </a:r>
+          </a:p>
+          <a:p>
+            <a:pPr lvl="0"/>
+            <a:r>
+              <a:rPr lang="de-DE" dirty="0" smtClean="0">
+                <a:solidFill>
+                  <a:schemeClr val="tx1"/>
+                </a:solidFill>
+              </a:rPr>
+              <a:t>Recherche über die Filter der Datenvorverarbeitung</a:t>
+            </a:r>
+            <a:endParaRPr lang="de-DE" dirty="0">
               <a:solidFill>
                 <a:schemeClr val="tx1"/>
               </a:solidFill>
             </a:endParaRPr>
           </a:p>
+          <a:p>
+            <a:pPr lvl="0"/>
+            <a:r>
+              <a:rPr lang="de-DE" dirty="0" smtClean="0">
+                <a:solidFill>
+                  <a:schemeClr val="tx1"/>
+                </a:solidFill>
+              </a:rPr>
+              <a:t>Implementierung der Filter</a:t>
+            </a:r>
+          </a:p>
+          <a:p>
+            <a:pPr lvl="0"/>
+            <a:r>
+              <a:rPr lang="de-DE" dirty="0" smtClean="0">
+                <a:solidFill>
+                  <a:schemeClr val="tx1"/>
+                </a:solidFill>
+              </a:rPr>
+              <a:t>Erstellen einer Dokumentation für die Skripte</a:t>
+            </a:r>
+            <a:endParaRPr lang="de-DE" dirty="0">
+              <a:solidFill>
+                <a:schemeClr val="tx1"/>
+              </a:solidFill>
+            </a:endParaRPr>
+          </a:p>
+          <a:p>
+            <a:pPr lvl="0"/>
+            <a:r>
+              <a:rPr lang="de-DE" dirty="0" smtClean="0">
+                <a:solidFill>
+                  <a:schemeClr val="tx1"/>
+                </a:solidFill>
+              </a:rPr>
+              <a:t>Verteilung der Personen bei der Automatisierung der Simulation</a:t>
+            </a:r>
+            <a:endParaRPr lang="de-DE" dirty="0">
+              <a:solidFill>
+                <a:schemeClr val="tx1"/>
+              </a:solidFill>
+            </a:endParaRPr>
+          </a:p>
+          <a:p>
+            <a:pPr lvl="0"/>
+            <a:r>
+              <a:rPr lang="de-DE" dirty="0" smtClean="0">
+                <a:solidFill>
+                  <a:schemeClr val="tx1"/>
+                </a:solidFill>
+              </a:rPr>
+              <a:t>Testen der Software</a:t>
+            </a:r>
+            <a:endParaRPr lang="de-DE" dirty="0">
+              <a:solidFill>
+                <a:schemeClr val="tx1"/>
+              </a:solidFill>
+            </a:endParaRPr>
+          </a:p>
+          <a:p>
+            <a:pPr lvl="0"/>
+            <a:r>
+              <a:rPr lang="de-DE" b="1" dirty="0" smtClean="0">
+                <a:solidFill>
+                  <a:schemeClr val="tx1"/>
+                </a:solidFill>
+              </a:rPr>
+              <a:t>Datengenerierung</a:t>
+            </a:r>
+          </a:p>
+          <a:p>
+            <a:pPr lvl="0"/>
+            <a:r>
+              <a:rPr lang="de-DE" dirty="0" smtClean="0">
+                <a:solidFill>
+                  <a:schemeClr val="tx1"/>
+                </a:solidFill>
+              </a:rPr>
+              <a:t>Erstellen eines Technischen Berichts</a:t>
+            </a:r>
+          </a:p>
+          <a:p>
+            <a:pPr lvl="0"/>
+            <a:r>
+              <a:rPr lang="de-DE" dirty="0" smtClean="0">
+                <a:solidFill>
+                  <a:schemeClr val="tx1"/>
+                </a:solidFill>
+              </a:rPr>
+              <a:t>Aufbereitung der Daten nach Vorgaben des Fraunhofer Instituts</a:t>
+            </a:r>
+            <a:endParaRPr lang="de-DE" dirty="0" smtClean="0">
+              <a:solidFill>
+                <a:srgbClr val="FF0000"/>
+              </a:solidFill>
+            </a:endParaRPr>
+          </a:p>
+          <a:p>
+            <a:pPr lvl="0"/>
+            <a:r>
+              <a:rPr lang="de-DE" dirty="0" smtClean="0">
+                <a:solidFill>
+                  <a:schemeClr val="tx1"/>
+                </a:solidFill>
+              </a:rPr>
+              <a:t>Aufbereitung der Daten, dass sie denen von Kameras ähneln</a:t>
+            </a:r>
+          </a:p>
+          <a:p>
+            <a:pPr lvl="0"/>
+            <a:r>
+              <a:rPr lang="de-DE" dirty="0" smtClean="0">
+                <a:solidFill>
+                  <a:schemeClr val="tx1"/>
+                </a:solidFill>
+              </a:rPr>
+              <a:t>Modellieren &amp; simulieren realistischer, variantenreicher Szenarien</a:t>
+            </a:r>
+          </a:p>
+          <a:p>
+            <a:pPr lvl="0"/>
+            <a:r>
+              <a:rPr lang="de-DE" b="1" dirty="0" smtClean="0">
+                <a:solidFill>
+                  <a:schemeClr val="tx1"/>
+                </a:solidFill>
+              </a:rPr>
+              <a:t>Aktualisieren des Trello Projektes/</a:t>
+            </a:r>
+            <a:r>
+              <a:rPr lang="de-DE" b="1" dirty="0" err="1" smtClean="0">
+                <a:solidFill>
+                  <a:schemeClr val="tx1"/>
+                </a:solidFill>
+              </a:rPr>
+              <a:t>Repos</a:t>
+            </a:r>
+            <a:r>
+              <a:rPr lang="de-DE" b="1" dirty="0" smtClean="0">
+                <a:solidFill>
+                  <a:schemeClr val="tx1"/>
+                </a:solidFill>
+              </a:rPr>
+              <a:t>/Organisation der Treffen</a:t>
+            </a:r>
+          </a:p>
+          <a:p>
+            <a:pPr lvl="0"/>
+            <a:r>
+              <a:rPr lang="de-DE" dirty="0" smtClean="0">
+                <a:solidFill>
+                  <a:schemeClr val="tx1"/>
+                </a:solidFill>
+              </a:rPr>
+              <a:t>Erstellung deiner Demo</a:t>
+            </a:r>
+          </a:p>
+          <a:p>
+            <a:r>
+              <a:rPr lang="de-DE" dirty="0" err="1" smtClean="0">
+                <a:solidFill>
+                  <a:schemeClr val="tx1"/>
+                </a:solidFill>
+              </a:rPr>
+              <a:t>Scrum</a:t>
+            </a:r>
+            <a:r>
+              <a:rPr lang="de-DE" dirty="0" smtClean="0">
+                <a:solidFill>
+                  <a:schemeClr val="tx1"/>
+                </a:solidFill>
+              </a:rPr>
+              <a:t> Master</a:t>
+            </a:r>
+            <a:endParaRPr lang="de-DE" dirty="0">
+              <a:solidFill>
+                <a:schemeClr val="tx1"/>
+              </a:solidFill>
+            </a:endParaRPr>
+          </a:p>
         </p:txBody>
       </p:sp>
     </p:spTree>
     <p:extLst>
       <p:ext uri="{BB962C8B-B14F-4D97-AF65-F5344CB8AC3E}">
-        <p14:creationId xmlns:p14="http://schemas.microsoft.com/office/powerpoint/2010/main" val="4220007554"/>
+        <p14:creationId xmlns:p14="http://schemas.microsoft.com/office/powerpoint/2010/main" val="3155284115"/>
+      </p:ext>
+    </p:extLst>
+  </p:cSld>
+  <p:clrMapOvr>
+    <a:masterClrMapping/>
+  </p:clrMapOvr>
+  <p:transition spd="slow">
+    <p:push dir="u"/>
+  </p:transition>
+  <p:timing>
+    <p:tnLst>
+      <p:par>
+        <p:cTn id="1" dur="indefinite" restart="never" nodeType="tmRoot"/>
+      </p:par>
+    </p:tnLst>
+  </p:timing>
+</p:sld>
+</file>
+
+<file path=ppt/slides/slide22.xml><?xml version="1.0" encoding="utf-8"?>
+<p:sld xmlns:a="http://schemas.openxmlformats.org/drawingml/2006/main" xmlns:r="http://schemas.openxmlformats.org/officeDocument/2006/relationships" xmlns:p="http://schemas.openxmlformats.org/presentationml/2006/main">
+  <p:cSld>
+    <p:spTree>
+      <p:nvGrpSpPr>
+        <p:cNvPr id="1" name=""/>
+        <p:cNvGrpSpPr/>
+        <p:nvPr/>
+      </p:nvGrpSpPr>
+      <p:grpSpPr>
+        <a:xfrm>
+          <a:off x="0" y="0"/>
+          <a:ext cx="0" cy="0"/>
+          <a:chOff x="0" y="0"/>
+          <a:chExt cx="0" cy="0"/>
+        </a:xfrm>
+      </p:grpSpPr>
+      <p:sp>
+        <p:nvSpPr>
+          <p:cNvPr id="2" name="Titel 1"/>
+          <p:cNvSpPr>
+            <a:spLocks noGrp="1"/>
+          </p:cNvSpPr>
+          <p:nvPr>
+            <p:ph type="ctrTitle"/>
+          </p:nvPr>
+        </p:nvSpPr>
+        <p:spPr/>
+        <p:txBody>
+          <a:bodyPr>
+            <a:noAutofit/>
+          </a:bodyPr>
+          <a:lstStyle/>
+          <a:p>
+            <a:pPr algn="l"/>
+            <a:r>
+              <a:rPr lang="de-DE" sz="7000" dirty="0" smtClean="0">
+                <a:solidFill>
+                  <a:schemeClr val="bg1"/>
+                </a:solidFill>
+                <a:cs typeface="Times New Roman" panose="02020603050405020304" pitchFamily="18" charset="0"/>
+              </a:rPr>
+              <a:t>Lisa</a:t>
+            </a:r>
+            <a:endParaRPr lang="de-DE" sz="7000" dirty="0">
+              <a:solidFill>
+                <a:schemeClr val="bg1"/>
+              </a:solidFill>
+              <a:cs typeface="Times New Roman" panose="02020603050405020304" pitchFamily="18" charset="0"/>
+            </a:endParaRPr>
+          </a:p>
+        </p:txBody>
+      </p:sp>
+    </p:spTree>
+    <p:extLst>
+      <p:ext uri="{BB962C8B-B14F-4D97-AF65-F5344CB8AC3E}">
+        <p14:creationId xmlns:p14="http://schemas.microsoft.com/office/powerpoint/2010/main" val="624400286"/>
+      </p:ext>
+    </p:extLst>
+  </p:cSld>
+  <p:clrMapOvr>
+    <a:masterClrMapping/>
+  </p:clrMapOvr>
+  <p:transition spd="slow">
+    <p:push dir="u"/>
+  </p:transition>
+  <p:timing>
+    <p:tnLst>
+      <p:par>
+        <p:cTn id="1" dur="indefinite" restart="never" nodeType="tmRoot"/>
+      </p:par>
+    </p:tnLst>
+  </p:timing>
+</p:sld>
+</file>
+
+<file path=ppt/slides/slide23.xml><?xml version="1.0" encoding="utf-8"?>
+<p:sld xmlns:a="http://schemas.openxmlformats.org/drawingml/2006/main" xmlns:r="http://schemas.openxmlformats.org/officeDocument/2006/relationships" xmlns:p="http://schemas.openxmlformats.org/presentationml/2006/main">
+  <p:cSld>
+    <p:spTree>
+      <p:nvGrpSpPr>
+        <p:cNvPr id="1" name=""/>
+        <p:cNvGrpSpPr/>
+        <p:nvPr/>
+      </p:nvGrpSpPr>
+      <p:grpSpPr>
+        <a:xfrm>
+          <a:off x="0" y="0"/>
+          <a:ext cx="0" cy="0"/>
+          <a:chOff x="0" y="0"/>
+          <a:chExt cx="0" cy="0"/>
+        </a:xfrm>
+      </p:grpSpPr>
+      <p:sp>
+        <p:nvSpPr>
+          <p:cNvPr id="2" name="Title 6">
+            <a:extLst>
+              <a:ext uri="{FF2B5EF4-FFF2-40B4-BE49-F238E27FC236}">
+                <a16:creationId xmlns:a16="http://schemas.microsoft.com/office/drawing/2014/main" xmlns="" id="{04F78A0C-BF40-4E0B-9FA4-AAAA57E3C4EF}"/>
+              </a:ext>
+            </a:extLst>
+          </p:cNvPr>
+          <p:cNvSpPr txBox="1">
+            <a:spLocks noGrp="1"/>
+          </p:cNvSpPr>
+          <p:nvPr>
+            <p:ph type="title"/>
+          </p:nvPr>
+        </p:nvSpPr>
+        <p:spPr/>
+        <p:txBody>
+          <a:bodyPr>
+            <a:normAutofit/>
+          </a:bodyPr>
+          <a:lstStyle/>
+          <a:p>
+            <a:pPr lvl="0" algn="ctr"/>
+            <a:r>
+              <a:rPr lang="en-GB" sz="2800" dirty="0" err="1" smtClean="0"/>
+              <a:t>Meine</a:t>
+            </a:r>
+            <a:r>
+              <a:rPr lang="en-GB" sz="2800" dirty="0" smtClean="0"/>
+              <a:t> </a:t>
+            </a:r>
+            <a:r>
+              <a:rPr lang="en-GB" sz="2800" dirty="0" err="1" smtClean="0"/>
+              <a:t>Aufgaben</a:t>
+            </a:r>
+            <a:endParaRPr lang="en-GB" sz="2800" dirty="0"/>
+          </a:p>
+        </p:txBody>
+      </p:sp>
+      <p:sp>
+        <p:nvSpPr>
+          <p:cNvPr id="3" name="Content Placeholder 7">
+            <a:extLst>
+              <a:ext uri="{FF2B5EF4-FFF2-40B4-BE49-F238E27FC236}">
+                <a16:creationId xmlns:a16="http://schemas.microsoft.com/office/drawing/2014/main" xmlns="" id="{3A52400E-A01D-4CCF-8280-EBE32B011F8E}"/>
+              </a:ext>
+            </a:extLst>
+          </p:cNvPr>
+          <p:cNvSpPr txBox="1">
+            <a:spLocks noGrp="1"/>
+          </p:cNvSpPr>
+          <p:nvPr>
+            <p:ph idx="1"/>
+          </p:nvPr>
+        </p:nvSpPr>
+        <p:spPr>
+          <a:xfrm>
+            <a:off x="3869268" y="174811"/>
+            <a:ext cx="7315200" cy="5984748"/>
+          </a:xfrm>
+        </p:spPr>
+        <p:txBody>
+          <a:bodyPr>
+            <a:normAutofit/>
+          </a:bodyPr>
+          <a:lstStyle/>
+          <a:p>
+            <a:pPr marL="0" lvl="0" indent="0">
+              <a:lnSpc>
+                <a:spcPct val="200000"/>
+              </a:lnSpc>
+              <a:buNone/>
+            </a:pPr>
+            <a:r>
+              <a:rPr lang="de-DE" sz="2800" dirty="0" smtClean="0">
+                <a:solidFill>
+                  <a:schemeClr val="tx1"/>
+                </a:solidFill>
+              </a:rPr>
+              <a:t>Meine Aufgaben:</a:t>
+            </a:r>
+          </a:p>
+          <a:p>
+            <a:pPr>
+              <a:lnSpc>
+                <a:spcPct val="200000"/>
+              </a:lnSpc>
+            </a:pPr>
+            <a:r>
+              <a:rPr lang="de-DE" dirty="0" err="1" smtClean="0">
+                <a:solidFill>
+                  <a:schemeClr val="tx1"/>
+                </a:solidFill>
+              </a:rPr>
+              <a:t>Scrum</a:t>
+            </a:r>
+            <a:r>
+              <a:rPr lang="de-DE" dirty="0" smtClean="0">
+                <a:solidFill>
+                  <a:schemeClr val="tx1"/>
+                </a:solidFill>
+              </a:rPr>
+              <a:t> Master/Organisation der Treffen</a:t>
+            </a:r>
+          </a:p>
+          <a:p>
+            <a:pPr>
+              <a:lnSpc>
+                <a:spcPct val="200000"/>
+              </a:lnSpc>
+            </a:pPr>
+            <a:r>
+              <a:rPr lang="de-DE" dirty="0" smtClean="0">
+                <a:solidFill>
+                  <a:schemeClr val="tx1"/>
+                </a:solidFill>
+              </a:rPr>
+              <a:t>Schreiben des Technischen Berichts</a:t>
+            </a:r>
+          </a:p>
+          <a:p>
+            <a:pPr>
+              <a:lnSpc>
+                <a:spcPct val="200000"/>
+              </a:lnSpc>
+            </a:pPr>
+            <a:r>
+              <a:rPr lang="de-DE" dirty="0" smtClean="0">
+                <a:solidFill>
+                  <a:schemeClr val="tx1"/>
+                </a:solidFill>
+              </a:rPr>
+              <a:t>Erstellen von Demonstrationen</a:t>
+            </a:r>
+          </a:p>
+          <a:p>
+            <a:pPr>
+              <a:lnSpc>
+                <a:spcPct val="200000"/>
+              </a:lnSpc>
+            </a:pPr>
+            <a:r>
+              <a:rPr lang="de-DE" dirty="0" smtClean="0">
+                <a:solidFill>
+                  <a:schemeClr val="tx1"/>
+                </a:solidFill>
+              </a:rPr>
+              <a:t>Erstellen von Szenarien</a:t>
+            </a:r>
+          </a:p>
+          <a:p>
+            <a:pPr>
+              <a:lnSpc>
+                <a:spcPct val="200000"/>
+              </a:lnSpc>
+            </a:pPr>
+            <a:r>
+              <a:rPr lang="de-DE" dirty="0" smtClean="0">
+                <a:solidFill>
+                  <a:schemeClr val="tx1"/>
+                </a:solidFill>
+              </a:rPr>
+              <a:t>Testen</a:t>
+            </a:r>
+          </a:p>
+          <a:p>
+            <a:pPr marL="0" lvl="0" indent="0">
+              <a:lnSpc>
+                <a:spcPct val="200000"/>
+              </a:lnSpc>
+              <a:buNone/>
+            </a:pPr>
+            <a:endParaRPr lang="de-DE" sz="2800" dirty="0" smtClean="0">
+              <a:solidFill>
+                <a:schemeClr val="tx1"/>
+              </a:solidFill>
+            </a:endParaRPr>
+          </a:p>
+        </p:txBody>
+      </p:sp>
+    </p:spTree>
+    <p:extLst>
+      <p:ext uri="{BB962C8B-B14F-4D97-AF65-F5344CB8AC3E}">
+        <p14:creationId xmlns:p14="http://schemas.microsoft.com/office/powerpoint/2010/main" val="3038644699"/>
+      </p:ext>
+    </p:extLst>
+  </p:cSld>
+  <p:clrMapOvr>
+    <a:masterClrMapping/>
+  </p:clrMapOvr>
+  <p:transition spd="slow">
+    <p:push dir="u"/>
+  </p:transition>
+  <p:timing>
+    <p:tnLst>
+      <p:par>
+        <p:cTn id="1" dur="indefinite" restart="never" nodeType="tmRoot"/>
+      </p:par>
+    </p:tnLst>
+  </p:timing>
+</p:sld>
+</file>
+
+<file path=ppt/slides/slide24.xml><?xml version="1.0" encoding="utf-8"?>
+<p:sld xmlns:a="http://schemas.openxmlformats.org/drawingml/2006/main" xmlns:r="http://schemas.openxmlformats.org/officeDocument/2006/relationships" xmlns:p="http://schemas.openxmlformats.org/presentationml/2006/main">
+  <p:cSld>
+    <p:spTree>
+      <p:nvGrpSpPr>
+        <p:cNvPr id="1" name=""/>
+        <p:cNvGrpSpPr/>
+        <p:nvPr/>
+      </p:nvGrpSpPr>
+      <p:grpSpPr>
+        <a:xfrm>
+          <a:off x="0" y="0"/>
+          <a:ext cx="0" cy="0"/>
+          <a:chOff x="0" y="0"/>
+          <a:chExt cx="0" cy="0"/>
+        </a:xfrm>
+      </p:grpSpPr>
+      <p:sp>
+        <p:nvSpPr>
+          <p:cNvPr id="2" name="Title 6">
+            <a:extLst>
+              <a:ext uri="{FF2B5EF4-FFF2-40B4-BE49-F238E27FC236}">
+                <a16:creationId xmlns:a16="http://schemas.microsoft.com/office/drawing/2014/main" xmlns="" id="{04F78A0C-BF40-4E0B-9FA4-AAAA57E3C4EF}"/>
+              </a:ext>
+            </a:extLst>
+          </p:cNvPr>
+          <p:cNvSpPr txBox="1">
+            <a:spLocks noGrp="1"/>
+          </p:cNvSpPr>
+          <p:nvPr>
+            <p:ph type="title"/>
+          </p:nvPr>
+        </p:nvSpPr>
+        <p:spPr/>
+        <p:txBody>
+          <a:bodyPr>
+            <a:normAutofit/>
+          </a:bodyPr>
+          <a:lstStyle/>
+          <a:p>
+            <a:pPr lvl="0" algn="ctr"/>
+            <a:r>
+              <a:rPr lang="en-GB" sz="2800" dirty="0" err="1" smtClean="0"/>
+              <a:t>Meine</a:t>
+            </a:r>
+            <a:r>
+              <a:rPr lang="en-GB" sz="2800" dirty="0" smtClean="0"/>
+              <a:t> </a:t>
+            </a:r>
+            <a:r>
+              <a:rPr lang="en-GB" sz="2800" dirty="0" err="1" smtClean="0"/>
+              <a:t>Aufgaben</a:t>
+            </a:r>
+            <a:endParaRPr lang="en-GB" sz="2800" dirty="0"/>
+          </a:p>
+        </p:txBody>
+      </p:sp>
+      <p:sp>
+        <p:nvSpPr>
+          <p:cNvPr id="3" name="Content Placeholder 7">
+            <a:extLst>
+              <a:ext uri="{FF2B5EF4-FFF2-40B4-BE49-F238E27FC236}">
+                <a16:creationId xmlns:a16="http://schemas.microsoft.com/office/drawing/2014/main" xmlns="" id="{3A52400E-A01D-4CCF-8280-EBE32B011F8E}"/>
+              </a:ext>
+            </a:extLst>
+          </p:cNvPr>
+          <p:cNvSpPr txBox="1">
+            <a:spLocks noGrp="1"/>
+          </p:cNvSpPr>
+          <p:nvPr>
+            <p:ph idx="1"/>
+          </p:nvPr>
+        </p:nvSpPr>
+        <p:spPr>
+          <a:xfrm>
+            <a:off x="3869268" y="174811"/>
+            <a:ext cx="7315200" cy="1344707"/>
+          </a:xfrm>
+        </p:spPr>
+        <p:txBody>
+          <a:bodyPr>
+            <a:normAutofit/>
+          </a:bodyPr>
+          <a:lstStyle/>
+          <a:p>
+            <a:pPr marL="0" lvl="0" indent="0">
+              <a:lnSpc>
+                <a:spcPct val="200000"/>
+              </a:lnSpc>
+              <a:buNone/>
+            </a:pPr>
+            <a:r>
+              <a:rPr lang="de-DE" sz="3200" dirty="0" smtClean="0">
+                <a:solidFill>
+                  <a:schemeClr val="tx1"/>
+                </a:solidFill>
+              </a:rPr>
+              <a:t>Testen:</a:t>
+            </a:r>
+          </a:p>
+        </p:txBody>
+      </p:sp>
+      <p:pic>
+        <p:nvPicPr>
+          <p:cNvPr id="4" name="Test_Video">
+            <a:hlinkClick r:id="" action="ppaction://media"/>
+          </p:cNvPr>
+          <p:cNvPicPr>
+            <a:picLocks noChangeAspect="1"/>
+          </p:cNvPicPr>
+          <p:nvPr>
+            <a:videoFile r:link="rId2"/>
+            <p:extLst>
+              <p:ext uri="{DAA4B4D4-6D71-4841-9C94-3DE7FCFB9230}">
+                <p14:media xmlns:p14="http://schemas.microsoft.com/office/powerpoint/2010/main" r:embed="rId1"/>
+              </p:ext>
+            </p:extLst>
+          </p:nvPr>
+        </p:nvPicPr>
+        <p:blipFill>
+          <a:blip r:embed="rId6"/>
+          <a:stretch>
+            <a:fillRect/>
+          </a:stretch>
+        </p:blipFill>
+        <p:spPr>
+          <a:xfrm>
+            <a:off x="4073462" y="2227586"/>
+            <a:ext cx="2218643" cy="2606025"/>
+          </a:xfrm>
+          <a:prstGeom prst="rect">
+            <a:avLst/>
+          </a:prstGeom>
+        </p:spPr>
+      </p:pic>
+      <p:pic>
+        <p:nvPicPr>
+          <p:cNvPr id="5" name="2017-12-10 at 21-59-49">
+            <a:hlinkClick r:id="" action="ppaction://media"/>
+          </p:cNvPr>
+          <p:cNvPicPr>
+            <a:picLocks noChangeAspect="1"/>
+          </p:cNvPicPr>
+          <p:nvPr>
+            <a:videoFile r:link="rId4"/>
+            <p:extLst>
+              <p:ext uri="{DAA4B4D4-6D71-4841-9C94-3DE7FCFB9230}">
+                <p14:media xmlns:p14="http://schemas.microsoft.com/office/powerpoint/2010/main" r:embed="rId3"/>
+              </p:ext>
+            </p:extLst>
+          </p:nvPr>
+        </p:nvPicPr>
+        <p:blipFill>
+          <a:blip r:embed="rId7"/>
+          <a:stretch>
+            <a:fillRect/>
+          </a:stretch>
+        </p:blipFill>
+        <p:spPr>
+          <a:xfrm>
+            <a:off x="6960972" y="1133970"/>
+            <a:ext cx="3905250" cy="4591050"/>
+          </a:xfrm>
+          <a:prstGeom prst="rect">
+            <a:avLst/>
+          </a:prstGeom>
+        </p:spPr>
+      </p:pic>
+    </p:spTree>
+    <p:extLst>
+      <p:ext uri="{BB962C8B-B14F-4D97-AF65-F5344CB8AC3E}">
+        <p14:creationId xmlns:p14="http://schemas.microsoft.com/office/powerpoint/2010/main" val="971156076"/>
+      </p:ext>
+    </p:extLst>
+  </p:cSld>
+  <p:clrMapOvr>
+    <a:masterClrMapping/>
+  </p:clrMapOvr>
+  <p:transition spd="slow">
+    <p:push dir="u"/>
+  </p:transition>
+  <p:timing>
+    <p:tnLst>
+      <p:par>
+        <p:cTn id="1" dur="indefinite" restart="never" nodeType="tmRoot">
+          <p:childTnLst>
+            <p:seq concurrent="1" nextAc="seek">
+              <p:cTn id="2" restart="whenNotActive" fill="hold" evtFilter="cancelBubble" nodeType="interactiveSeq">
+                <p:stCondLst>
+                  <p:cond evt="onClick" delay="0">
+                    <p:tgtEl>
+                      <p:spTgt spid="4"/>
+                    </p:tgtEl>
+                  </p:cond>
+                </p:stCondLst>
+                <p:endSync evt="end" delay="0">
+                  <p:rtn val="all"/>
+                </p:endSync>
+                <p:childTnLst>
+                  <p:par>
+                    <p:cTn id="3" fill="hold">
+                      <p:stCondLst>
+                        <p:cond delay="0"/>
+                      </p:stCondLst>
+                      <p:childTnLst>
+                        <p:par>
+                          <p:cTn id="4" fill="hold">
+                            <p:stCondLst>
+                              <p:cond delay="0"/>
+                            </p:stCondLst>
+                            <p:childTnLst>
+                              <p:par>
+                                <p:cTn id="5" presetID="2" presetClass="mediacall" presetSubtype="0" fill="hold" nodeType="clickEffect">
+                                  <p:stCondLst>
+                                    <p:cond delay="0"/>
+                                  </p:stCondLst>
+                                  <p:childTnLst>
+                                    <p:cmd type="call" cmd="togglePause">
+                                      <p:cBhvr>
+                                        <p:cTn id="6" dur="1" fill="hold"/>
+                                        <p:tgtEl>
+                                          <p:spTgt spid="4"/>
+                                        </p:tgtEl>
+                                      </p:cBhvr>
+                                    </p:cmd>
+                                  </p:childTnLst>
+                                </p:cTn>
+                              </p:par>
+                            </p:childTnLst>
+                          </p:cTn>
+                        </p:par>
+                      </p:childTnLst>
+                    </p:cTn>
+                  </p:par>
+                </p:childTnLst>
+              </p:cTn>
+              <p:nextCondLst>
+                <p:cond evt="onClick" delay="0">
+                  <p:tgtEl>
+                    <p:spTgt spid="4"/>
+                  </p:tgtEl>
+                </p:cond>
+              </p:nextCondLst>
+            </p:seq>
+            <p:video>
+              <p:cMediaNode vol="80000">
+                <p:cTn id="7" fill="hold" display="0">
+                  <p:stCondLst>
+                    <p:cond delay="indefinite"/>
+                  </p:stCondLst>
+                </p:cTn>
+                <p:tgtEl>
+                  <p:spTgt spid="4"/>
+                </p:tgtEl>
+              </p:cMediaNode>
+            </p:video>
+            <p:seq concurrent="1" nextAc="seek">
+              <p:cTn id="8" restart="whenNotActive" fill="hold" evtFilter="cancelBubble" nodeType="interactiveSeq">
+                <p:stCondLst>
+                  <p:cond evt="onClick" delay="0">
+                    <p:tgtEl>
+                      <p:spTgt spid="5"/>
+                    </p:tgtEl>
+                  </p:cond>
+                </p:stCondLst>
+                <p:endSync evt="end" delay="0">
+                  <p:rtn val="all"/>
+                </p:endSync>
+                <p:childTnLst>
+                  <p:par>
+                    <p:cTn id="9" fill="hold">
+                      <p:stCondLst>
+                        <p:cond delay="0"/>
+                      </p:stCondLst>
+                      <p:childTnLst>
+                        <p:par>
+                          <p:cTn id="10" fill="hold">
+                            <p:stCondLst>
+                              <p:cond delay="0"/>
+                            </p:stCondLst>
+                            <p:childTnLst>
+                              <p:par>
+                                <p:cTn id="11" presetID="2" presetClass="mediacall" presetSubtype="0" fill="hold" nodeType="clickEffect">
+                                  <p:stCondLst>
+                                    <p:cond delay="0"/>
+                                  </p:stCondLst>
+                                  <p:childTnLst>
+                                    <p:cmd type="call" cmd="togglePause">
+                                      <p:cBhvr>
+                                        <p:cTn id="12" dur="1" fill="hold"/>
+                                        <p:tgtEl>
+                                          <p:spTgt spid="5"/>
+                                        </p:tgtEl>
+                                      </p:cBhvr>
+                                    </p:cmd>
+                                  </p:childTnLst>
+                                </p:cTn>
+                              </p:par>
+                            </p:childTnLst>
+                          </p:cTn>
+                        </p:par>
+                      </p:childTnLst>
+                    </p:cTn>
+                  </p:par>
+                </p:childTnLst>
+              </p:cTn>
+              <p:nextCondLst>
+                <p:cond evt="onClick" delay="0">
+                  <p:tgtEl>
+                    <p:spTgt spid="5"/>
+                  </p:tgtEl>
+                </p:cond>
+              </p:nextCondLst>
+            </p:seq>
+            <p:video>
+              <p:cMediaNode vol="80000">
+                <p:cTn id="13" fill="hold" display="0">
+                  <p:stCondLst>
+                    <p:cond delay="indefinite"/>
+                  </p:stCondLst>
+                </p:cTn>
+                <p:tgtEl>
+                  <p:spTgt spid="5"/>
+                </p:tgtEl>
+              </p:cMediaNode>
+            </p:video>
+          </p:childTnLst>
+        </p:cTn>
+      </p:par>
+    </p:tnLst>
+  </p:timing>
+</p:sld>
+</file>
+
+<file path=ppt/slides/slide25.xml><?xml version="1.0" encoding="utf-8"?>
+<p:sld xmlns:a="http://schemas.openxmlformats.org/drawingml/2006/main" xmlns:r="http://schemas.openxmlformats.org/officeDocument/2006/relationships" xmlns:p="http://schemas.openxmlformats.org/presentationml/2006/main">
+  <p:cSld>
+    <p:spTree>
+      <p:nvGrpSpPr>
+        <p:cNvPr id="1" name=""/>
+        <p:cNvGrpSpPr/>
+        <p:nvPr/>
+      </p:nvGrpSpPr>
+      <p:grpSpPr>
+        <a:xfrm>
+          <a:off x="0" y="0"/>
+          <a:ext cx="0" cy="0"/>
+          <a:chOff x="0" y="0"/>
+          <a:chExt cx="0" cy="0"/>
+        </a:xfrm>
+      </p:grpSpPr>
+      <p:sp>
+        <p:nvSpPr>
+          <p:cNvPr id="2" name="Title 6">
+            <a:extLst>
+              <a:ext uri="{FF2B5EF4-FFF2-40B4-BE49-F238E27FC236}">
+                <a16:creationId xmlns:a16="http://schemas.microsoft.com/office/drawing/2014/main" xmlns="" id="{04F78A0C-BF40-4E0B-9FA4-AAAA57E3C4EF}"/>
+              </a:ext>
+            </a:extLst>
+          </p:cNvPr>
+          <p:cNvSpPr txBox="1">
+            <a:spLocks noGrp="1"/>
+          </p:cNvSpPr>
+          <p:nvPr>
+            <p:ph type="title"/>
+          </p:nvPr>
+        </p:nvSpPr>
+        <p:spPr/>
+        <p:txBody>
+          <a:bodyPr>
+            <a:normAutofit/>
+          </a:bodyPr>
+          <a:lstStyle/>
+          <a:p>
+            <a:pPr lvl="0" algn="ctr"/>
+            <a:r>
+              <a:rPr lang="en-GB" sz="2800" dirty="0" smtClean="0"/>
+              <a:t>%</a:t>
+            </a:r>
+            <a:endParaRPr lang="en-GB" sz="2800" dirty="0"/>
+          </a:p>
+        </p:txBody>
+      </p:sp>
+      <p:sp>
+        <p:nvSpPr>
+          <p:cNvPr id="3" name="Content Placeholder 7">
+            <a:extLst>
+              <a:ext uri="{FF2B5EF4-FFF2-40B4-BE49-F238E27FC236}">
+                <a16:creationId xmlns:a16="http://schemas.microsoft.com/office/drawing/2014/main" xmlns="" id="{3A52400E-A01D-4CCF-8280-EBE32B011F8E}"/>
+              </a:ext>
+            </a:extLst>
+          </p:cNvPr>
+          <p:cNvSpPr txBox="1">
+            <a:spLocks noGrp="1"/>
+          </p:cNvSpPr>
+          <p:nvPr>
+            <p:ph idx="1"/>
+          </p:nvPr>
+        </p:nvSpPr>
+        <p:spPr>
+          <a:xfrm>
+            <a:off x="3869268" y="174811"/>
+            <a:ext cx="7315200" cy="5984748"/>
+          </a:xfrm>
+        </p:spPr>
+        <p:txBody>
+          <a:bodyPr>
+            <a:normAutofit fontScale="92500" lnSpcReduction="10000"/>
+          </a:bodyPr>
+          <a:lstStyle/>
+          <a:p>
+            <a:pPr marL="0" lvl="0" indent="0">
+              <a:lnSpc>
+                <a:spcPct val="200000"/>
+              </a:lnSpc>
+              <a:buNone/>
+            </a:pPr>
+            <a:r>
+              <a:rPr lang="de-DE" sz="2800" dirty="0">
+                <a:solidFill>
+                  <a:schemeClr val="tx1"/>
+                </a:solidFill>
+              </a:rPr>
+              <a:t>Selbsteinschätzung:</a:t>
+            </a:r>
+          </a:p>
+          <a:p>
+            <a:pPr lvl="0"/>
+            <a:r>
+              <a:rPr lang="de-DE" dirty="0" smtClean="0">
+                <a:solidFill>
+                  <a:schemeClr val="tx1"/>
+                </a:solidFill>
+              </a:rPr>
+              <a:t>Recherche über die Filter der Datenvorverarbeitung</a:t>
+            </a:r>
+            <a:endParaRPr lang="de-DE" dirty="0">
+              <a:solidFill>
+                <a:schemeClr val="tx1"/>
+              </a:solidFill>
+            </a:endParaRPr>
+          </a:p>
+          <a:p>
+            <a:pPr lvl="0"/>
+            <a:r>
+              <a:rPr lang="de-DE" dirty="0" smtClean="0">
+                <a:solidFill>
+                  <a:schemeClr val="tx1"/>
+                </a:solidFill>
+              </a:rPr>
+              <a:t>Implementierung der Filter</a:t>
+            </a:r>
+          </a:p>
+          <a:p>
+            <a:pPr lvl="0"/>
+            <a:r>
+              <a:rPr lang="de-DE" dirty="0" smtClean="0">
+                <a:solidFill>
+                  <a:schemeClr val="tx1"/>
+                </a:solidFill>
+              </a:rPr>
+              <a:t>Erstellen einer Dokumentation für die Skripte</a:t>
+            </a:r>
+            <a:endParaRPr lang="de-DE" dirty="0">
+              <a:solidFill>
+                <a:schemeClr val="tx1"/>
+              </a:solidFill>
+            </a:endParaRPr>
+          </a:p>
+          <a:p>
+            <a:pPr lvl="0"/>
+            <a:r>
+              <a:rPr lang="de-DE" dirty="0" smtClean="0">
+                <a:solidFill>
+                  <a:schemeClr val="tx1"/>
+                </a:solidFill>
+              </a:rPr>
+              <a:t>Verteilung der Personen bei der Automatisierung der Simulation</a:t>
+            </a:r>
+            <a:endParaRPr lang="de-DE" dirty="0">
+              <a:solidFill>
+                <a:schemeClr val="tx1"/>
+              </a:solidFill>
+            </a:endParaRPr>
+          </a:p>
+          <a:p>
+            <a:pPr lvl="0"/>
+            <a:r>
+              <a:rPr lang="de-DE" b="1" dirty="0" smtClean="0">
+                <a:solidFill>
+                  <a:schemeClr val="tx1"/>
+                </a:solidFill>
+              </a:rPr>
+              <a:t>Testen der Software</a:t>
+            </a:r>
+            <a:endParaRPr lang="de-DE" b="1" dirty="0">
+              <a:solidFill>
+                <a:schemeClr val="tx1"/>
+              </a:solidFill>
+            </a:endParaRPr>
+          </a:p>
+          <a:p>
+            <a:pPr lvl="0"/>
+            <a:r>
+              <a:rPr lang="de-DE" dirty="0" smtClean="0">
+                <a:solidFill>
+                  <a:schemeClr val="tx1"/>
+                </a:solidFill>
+              </a:rPr>
+              <a:t>Datengenerierung</a:t>
+            </a:r>
+          </a:p>
+          <a:p>
+            <a:pPr lvl="0"/>
+            <a:r>
+              <a:rPr lang="de-DE" b="1" dirty="0" smtClean="0">
+                <a:solidFill>
+                  <a:schemeClr val="tx1"/>
+                </a:solidFill>
+              </a:rPr>
+              <a:t>Erstellen eines Technischen Berichts</a:t>
+            </a:r>
+          </a:p>
+          <a:p>
+            <a:pPr lvl="0"/>
+            <a:r>
+              <a:rPr lang="de-DE" dirty="0" smtClean="0">
+                <a:solidFill>
+                  <a:schemeClr val="tx1"/>
+                </a:solidFill>
+              </a:rPr>
+              <a:t>Aufbereitung der Daten nach Vorgaben des Fraunhofer Instituts</a:t>
+            </a:r>
+            <a:endParaRPr lang="de-DE" dirty="0" smtClean="0">
+              <a:solidFill>
+                <a:srgbClr val="FF0000"/>
+              </a:solidFill>
+            </a:endParaRPr>
+          </a:p>
+          <a:p>
+            <a:pPr lvl="0"/>
+            <a:r>
+              <a:rPr lang="de-DE" dirty="0" smtClean="0">
+                <a:solidFill>
+                  <a:schemeClr val="tx1"/>
+                </a:solidFill>
+              </a:rPr>
+              <a:t>Aufbereitung der Daten, dass sie denen von Kameras ähneln</a:t>
+            </a:r>
+          </a:p>
+          <a:p>
+            <a:pPr lvl="0"/>
+            <a:r>
+              <a:rPr lang="de-DE" dirty="0" smtClean="0">
+                <a:solidFill>
+                  <a:schemeClr val="tx1"/>
+                </a:solidFill>
+              </a:rPr>
+              <a:t>Modellieren &amp; simulieren realistischer, variantenreicher Szenarien</a:t>
+            </a:r>
+          </a:p>
+          <a:p>
+            <a:pPr lvl="0"/>
+            <a:r>
+              <a:rPr lang="de-DE" b="1" dirty="0" smtClean="0">
+                <a:solidFill>
+                  <a:schemeClr val="tx1"/>
+                </a:solidFill>
+              </a:rPr>
+              <a:t>Aktualisieren des Trello Projektes/</a:t>
+            </a:r>
+            <a:r>
+              <a:rPr lang="de-DE" b="1" dirty="0" err="1" smtClean="0">
+                <a:solidFill>
+                  <a:schemeClr val="tx1"/>
+                </a:solidFill>
+              </a:rPr>
+              <a:t>Repos</a:t>
+            </a:r>
+            <a:r>
+              <a:rPr lang="de-DE" b="1" dirty="0" smtClean="0">
+                <a:solidFill>
+                  <a:schemeClr val="tx1"/>
+                </a:solidFill>
+              </a:rPr>
+              <a:t>/Organisation der Treffen</a:t>
+            </a:r>
+          </a:p>
+          <a:p>
+            <a:pPr lvl="0"/>
+            <a:r>
+              <a:rPr lang="de-DE" b="1" dirty="0" smtClean="0">
+                <a:solidFill>
+                  <a:schemeClr val="tx1"/>
+                </a:solidFill>
+              </a:rPr>
+              <a:t>Erstellung einer Demo</a:t>
+            </a:r>
+          </a:p>
+          <a:p>
+            <a:r>
+              <a:rPr lang="de-DE" b="1" dirty="0" err="1" smtClean="0">
+                <a:solidFill>
+                  <a:schemeClr val="tx1"/>
+                </a:solidFill>
+              </a:rPr>
+              <a:t>Scrum</a:t>
+            </a:r>
+            <a:r>
+              <a:rPr lang="de-DE" b="1" dirty="0" smtClean="0">
+                <a:solidFill>
+                  <a:schemeClr val="tx1"/>
+                </a:solidFill>
+              </a:rPr>
+              <a:t> Master</a:t>
+            </a:r>
+            <a:endParaRPr lang="de-DE" b="1" dirty="0">
+              <a:solidFill>
+                <a:schemeClr val="tx1"/>
+              </a:solidFill>
+            </a:endParaRPr>
+          </a:p>
+        </p:txBody>
+      </p:sp>
+    </p:spTree>
+    <p:extLst>
+      <p:ext uri="{BB962C8B-B14F-4D97-AF65-F5344CB8AC3E}">
+        <p14:creationId xmlns:p14="http://schemas.microsoft.com/office/powerpoint/2010/main" val="2168569685"/>
       </p:ext>
     </p:extLst>
   </p:cSld>
@@ -5772,13 +8680,10 @@
           </a:bodyPr>
           <a:lstStyle/>
           <a:p>
-            <a:r>
-              <a:rPr lang="de-DE" sz="4800" dirty="0"/>
-              <a:t>Ziele Sprint </a:t>
-            </a:r>
+            <a:pPr algn="ctr"/>
             <a:r>
               <a:rPr lang="de-DE" sz="4800" dirty="0" smtClean="0"/>
-              <a:t>2</a:t>
+              <a:t>Kanban</a:t>
             </a:r>
             <a:endParaRPr lang="de-DE" sz="4800" dirty="0">
               <a:solidFill>
@@ -5792,13 +8697,7 @@
       </p:sp>
       <p:sp>
         <p:nvSpPr>
-          <p:cNvPr id="3" name="Content Placeholder 2">
-            <a:extLst>
-              <a:ext uri="{FF2B5EF4-FFF2-40B4-BE49-F238E27FC236}">
-                <a16:creationId xmlns:a16="http://schemas.microsoft.com/office/drawing/2014/main" xmlns="" id="{5D4B6457-3E37-4879-A8CB-262CE10EA13A}"/>
-              </a:ext>
-            </a:extLst>
-          </p:cNvPr>
+          <p:cNvPr id="3" name="Inhaltsplatzhalter 2"/>
           <p:cNvSpPr>
             <a:spLocks noGrp="1"/>
           </p:cNvSpPr>
@@ -5806,379 +8705,19 @@
             <p:ph idx="1"/>
           </p:nvPr>
         </p:nvSpPr>
-        <p:spPr>
-          <a:xfrm>
-            <a:off x="3869268" y="864108"/>
-            <a:ext cx="7315200" cy="4196164"/>
-          </a:xfrm>
-        </p:spPr>
-        <p:txBody>
-          <a:bodyPr anchor="ctr"/>
-          <a:lstStyle/>
-          <a:p>
-            <a:pPr marL="0" indent="0">
-              <a:spcAft>
-                <a:spcPts val="1200"/>
-              </a:spcAft>
-              <a:buNone/>
-            </a:pPr>
-            <a:r>
-              <a:rPr lang="de-DE" sz="3200" b="1" dirty="0">
-                <a:solidFill>
-                  <a:schemeClr val="tx1"/>
-                </a:solidFill>
-              </a:rPr>
-              <a:t>Vorgegebene Ziele des </a:t>
-            </a:r>
-            <a:r>
-              <a:rPr lang="de-DE" sz="3200" b="1" dirty="0" smtClean="0">
-                <a:solidFill>
-                  <a:schemeClr val="tx1"/>
-                </a:solidFill>
-              </a:rPr>
-              <a:t>zweiten Sprints</a:t>
-            </a:r>
-            <a:endParaRPr lang="de-DE" b="1" dirty="0">
-              <a:solidFill>
-                <a:schemeClr val="tx1"/>
-              </a:solidFill>
-            </a:endParaRPr>
-          </a:p>
-          <a:p>
-            <a:r>
-              <a:rPr lang="de-DE" dirty="0" smtClean="0">
-                <a:solidFill>
-                  <a:schemeClr val="tx1"/>
-                </a:solidFill>
-              </a:rPr>
-              <a:t>Erstellen eines Technischen Berichts</a:t>
-            </a:r>
-          </a:p>
-          <a:p>
-            <a:r>
-              <a:rPr lang="de-DE" dirty="0" smtClean="0">
-                <a:solidFill>
-                  <a:srgbClr val="FF0000"/>
-                </a:solidFill>
-              </a:rPr>
-              <a:t>Erstellen eines Videos</a:t>
-            </a:r>
-          </a:p>
-          <a:p>
-            <a:r>
-              <a:rPr lang="en-GB" dirty="0" smtClean="0">
-                <a:solidFill>
-                  <a:schemeClr val="tx1"/>
-                </a:solidFill>
-              </a:rPr>
-              <a:t>Modellieren und </a:t>
-            </a:r>
-            <a:r>
-              <a:rPr lang="en-GB" dirty="0" err="1" smtClean="0">
-                <a:solidFill>
-                  <a:schemeClr val="tx1"/>
-                </a:solidFill>
-              </a:rPr>
-              <a:t>simulieren</a:t>
-            </a:r>
-            <a:r>
-              <a:rPr lang="en-GB" dirty="0" smtClean="0">
-                <a:solidFill>
-                  <a:schemeClr val="tx1"/>
-                </a:solidFill>
-              </a:rPr>
-              <a:t> </a:t>
-            </a:r>
-            <a:r>
-              <a:rPr lang="en-GB" dirty="0" err="1" smtClean="0">
-                <a:solidFill>
-                  <a:schemeClr val="tx1"/>
-                </a:solidFill>
-              </a:rPr>
-              <a:t>realistischer</a:t>
-            </a:r>
-            <a:r>
-              <a:rPr lang="en-GB" dirty="0" smtClean="0">
-                <a:solidFill>
-                  <a:schemeClr val="tx1"/>
-                </a:solidFill>
-              </a:rPr>
-              <a:t> und </a:t>
-            </a:r>
-            <a:r>
-              <a:rPr lang="en-GB" dirty="0" err="1" smtClean="0">
-                <a:solidFill>
-                  <a:schemeClr val="tx1"/>
-                </a:solidFill>
-              </a:rPr>
-              <a:t>variantenreicher</a:t>
-            </a:r>
-            <a:r>
-              <a:rPr lang="en-GB" dirty="0" smtClean="0">
-                <a:solidFill>
-                  <a:schemeClr val="tx1"/>
-                </a:solidFill>
-              </a:rPr>
-              <a:t> </a:t>
-            </a:r>
-            <a:r>
-              <a:rPr lang="en-GB" dirty="0" err="1" smtClean="0">
-                <a:solidFill>
-                  <a:schemeClr val="tx1"/>
-                </a:solidFill>
-              </a:rPr>
-              <a:t>Szenarien</a:t>
-            </a:r>
-            <a:endParaRPr lang="en-GB" dirty="0" smtClean="0">
-              <a:solidFill>
-                <a:schemeClr val="tx1"/>
-              </a:solidFill>
-            </a:endParaRPr>
-          </a:p>
-          <a:p>
-            <a:r>
-              <a:rPr lang="en-GB" dirty="0" err="1" smtClean="0">
-                <a:solidFill>
-                  <a:schemeClr val="tx1"/>
-                </a:solidFill>
-              </a:rPr>
-              <a:t>Aufbereitung</a:t>
-            </a:r>
-            <a:r>
-              <a:rPr lang="en-GB" dirty="0" smtClean="0">
-                <a:solidFill>
-                  <a:schemeClr val="tx1"/>
-                </a:solidFill>
-              </a:rPr>
-              <a:t> der </a:t>
-            </a:r>
-            <a:r>
-              <a:rPr lang="en-GB" dirty="0" err="1" smtClean="0">
-                <a:solidFill>
-                  <a:schemeClr val="tx1"/>
-                </a:solidFill>
-              </a:rPr>
-              <a:t>Daten</a:t>
-            </a:r>
-            <a:r>
-              <a:rPr lang="en-GB" dirty="0" smtClean="0">
-                <a:solidFill>
-                  <a:schemeClr val="tx1"/>
-                </a:solidFill>
-              </a:rPr>
-              <a:t>, </a:t>
-            </a:r>
-            <a:r>
-              <a:rPr lang="en-GB" dirty="0" err="1" smtClean="0">
-                <a:solidFill>
-                  <a:schemeClr val="tx1"/>
-                </a:solidFill>
-              </a:rPr>
-              <a:t>dass</a:t>
-            </a:r>
-            <a:r>
-              <a:rPr lang="en-GB" dirty="0" smtClean="0">
-                <a:solidFill>
-                  <a:schemeClr val="tx1"/>
-                </a:solidFill>
-              </a:rPr>
-              <a:t> </a:t>
-            </a:r>
-            <a:r>
-              <a:rPr lang="en-GB" dirty="0" err="1" smtClean="0">
-                <a:solidFill>
-                  <a:schemeClr val="tx1"/>
-                </a:solidFill>
-              </a:rPr>
-              <a:t>sie</a:t>
-            </a:r>
-            <a:r>
-              <a:rPr lang="en-GB" dirty="0" smtClean="0">
-                <a:solidFill>
-                  <a:schemeClr val="tx1"/>
-                </a:solidFill>
-              </a:rPr>
-              <a:t> </a:t>
-            </a:r>
-            <a:r>
-              <a:rPr lang="en-GB" dirty="0" err="1" smtClean="0">
-                <a:solidFill>
-                  <a:schemeClr val="tx1"/>
-                </a:solidFill>
-              </a:rPr>
-              <a:t>denen</a:t>
-            </a:r>
-            <a:r>
-              <a:rPr lang="en-GB" dirty="0" smtClean="0">
-                <a:solidFill>
-                  <a:schemeClr val="tx1"/>
-                </a:solidFill>
-              </a:rPr>
-              <a:t> von </a:t>
-            </a:r>
-            <a:r>
-              <a:rPr lang="en-GB" dirty="0" err="1" smtClean="0">
-                <a:solidFill>
-                  <a:schemeClr val="tx1"/>
-                </a:solidFill>
-              </a:rPr>
-              <a:t>Kameras</a:t>
-            </a:r>
-            <a:r>
-              <a:rPr lang="en-GB" dirty="0" smtClean="0">
-                <a:solidFill>
-                  <a:schemeClr val="tx1"/>
-                </a:solidFill>
-              </a:rPr>
-              <a:t> </a:t>
-            </a:r>
-            <a:r>
-              <a:rPr lang="en-GB" dirty="0" err="1" smtClean="0">
-                <a:solidFill>
-                  <a:schemeClr val="tx1"/>
-                </a:solidFill>
-              </a:rPr>
-              <a:t>gewonnenen</a:t>
-            </a:r>
-            <a:r>
-              <a:rPr lang="en-GB" dirty="0" smtClean="0">
-                <a:solidFill>
-                  <a:schemeClr val="tx1"/>
-                </a:solidFill>
-              </a:rPr>
-              <a:t>  </a:t>
-            </a:r>
-            <a:r>
-              <a:rPr lang="en-GB" dirty="0" err="1" smtClean="0">
-                <a:solidFill>
-                  <a:schemeClr val="tx1"/>
-                </a:solidFill>
-              </a:rPr>
-              <a:t>Daten</a:t>
-            </a:r>
-            <a:r>
-              <a:rPr lang="en-GB" dirty="0" smtClean="0">
-                <a:solidFill>
-                  <a:schemeClr val="tx1"/>
-                </a:solidFill>
-              </a:rPr>
-              <a:t> stark </a:t>
-            </a:r>
-            <a:r>
-              <a:rPr lang="en-GB" dirty="0" err="1" smtClean="0">
-                <a:solidFill>
-                  <a:schemeClr val="tx1"/>
-                </a:solidFill>
-              </a:rPr>
-              <a:t>ähneln</a:t>
-            </a:r>
-            <a:endParaRPr lang="en-GB" dirty="0" smtClean="0">
-              <a:solidFill>
-                <a:schemeClr val="tx1"/>
-              </a:solidFill>
-            </a:endParaRPr>
-          </a:p>
-          <a:p>
-            <a:r>
-              <a:rPr lang="en-GB" dirty="0" err="1" smtClean="0">
-                <a:solidFill>
-                  <a:schemeClr val="tx1"/>
-                </a:solidFill>
-              </a:rPr>
-              <a:t>Aufbereitung</a:t>
-            </a:r>
-            <a:r>
-              <a:rPr lang="en-GB" dirty="0" smtClean="0">
-                <a:solidFill>
-                  <a:schemeClr val="tx1"/>
-                </a:solidFill>
-              </a:rPr>
-              <a:t> des </a:t>
-            </a:r>
-            <a:r>
-              <a:rPr lang="en-GB" dirty="0" err="1" smtClean="0">
-                <a:solidFill>
-                  <a:schemeClr val="tx1"/>
-                </a:solidFill>
-              </a:rPr>
-              <a:t>Datenformats</a:t>
-            </a:r>
-            <a:r>
-              <a:rPr lang="en-GB" dirty="0" smtClean="0">
-                <a:solidFill>
-                  <a:schemeClr val="tx1"/>
-                </a:solidFill>
-              </a:rPr>
-              <a:t> </a:t>
-            </a:r>
-            <a:r>
-              <a:rPr lang="en-GB" dirty="0" err="1" smtClean="0">
-                <a:solidFill>
-                  <a:schemeClr val="tx1"/>
-                </a:solidFill>
-              </a:rPr>
-              <a:t>entsprechend</a:t>
-            </a:r>
-            <a:r>
-              <a:rPr lang="en-GB" dirty="0" smtClean="0">
-                <a:solidFill>
-                  <a:schemeClr val="tx1"/>
-                </a:solidFill>
-              </a:rPr>
-              <a:t> den </a:t>
-            </a:r>
-            <a:r>
-              <a:rPr lang="en-GB" dirty="0" err="1" smtClean="0">
-                <a:solidFill>
-                  <a:schemeClr val="tx1"/>
-                </a:solidFill>
-              </a:rPr>
-              <a:t>Angaben</a:t>
-            </a:r>
-            <a:r>
-              <a:rPr lang="en-GB" dirty="0" smtClean="0">
-                <a:solidFill>
-                  <a:schemeClr val="tx1"/>
-                </a:solidFill>
-              </a:rPr>
-              <a:t> des </a:t>
-            </a:r>
-            <a:r>
-              <a:rPr lang="en-GB" dirty="0" err="1" smtClean="0">
-                <a:solidFill>
-                  <a:schemeClr val="tx1"/>
-                </a:solidFill>
-              </a:rPr>
-              <a:t>Fraunhofer</a:t>
-            </a:r>
-            <a:r>
-              <a:rPr lang="en-GB" dirty="0" smtClean="0">
-                <a:solidFill>
-                  <a:schemeClr val="tx1"/>
-                </a:solidFill>
-              </a:rPr>
-              <a:t> </a:t>
-            </a:r>
-            <a:r>
-              <a:rPr lang="en-GB" dirty="0" err="1" smtClean="0">
-                <a:solidFill>
-                  <a:schemeClr val="tx1"/>
-                </a:solidFill>
-              </a:rPr>
-              <a:t>Instituts</a:t>
-            </a:r>
-            <a:endParaRPr lang="de-DE" dirty="0">
-              <a:solidFill>
-                <a:schemeClr val="tx1"/>
-              </a:solidFill>
-            </a:endParaRPr>
+        <p:spPr/>
+        <p:txBody>
+          <a:bodyPr/>
+          <a:lstStyle/>
+          <a:p>
+            <a:endParaRPr lang="de-DE"/>
           </a:p>
         </p:txBody>
       </p:sp>
     </p:spTree>
     <p:extLst>
       <p:ext uri="{BB962C8B-B14F-4D97-AF65-F5344CB8AC3E}">
-        <p14:creationId xmlns:p14="http://schemas.microsoft.com/office/powerpoint/2010/main" val="1650893314"/>
+        <p14:creationId xmlns:p14="http://schemas.microsoft.com/office/powerpoint/2010/main" val="2605305739"/>
       </p:ext>
     </p:extLst>
   </p:cSld>
@@ -6240,7 +8779,7 @@
               <a:rPr lang="de-DE" sz="4800" dirty="0" smtClean="0"/>
               <a:t>2</a:t>
             </a:r>
-            <a:endParaRPr lang="de-DE" sz="5000" dirty="0">
+            <a:endParaRPr lang="de-DE" sz="4800" dirty="0">
               <a:solidFill>
                 <a:schemeClr val="tx1"/>
               </a:solidFill>
@@ -6252,10 +8791,10 @@
       </p:sp>
       <p:sp>
         <p:nvSpPr>
-          <p:cNvPr id="9" name="Content Placeholder 8">
+          <p:cNvPr id="3" name="Content Placeholder 2">
             <a:extLst>
               <a:ext uri="{FF2B5EF4-FFF2-40B4-BE49-F238E27FC236}">
-                <a16:creationId xmlns:a16="http://schemas.microsoft.com/office/drawing/2014/main" xmlns="" id="{08DF57E2-668B-4E5A-AEBF-D8CEC596E7D4}"/>
+                <a16:creationId xmlns:a16="http://schemas.microsoft.com/office/drawing/2014/main" xmlns="" id="{5D4B6457-3E37-4879-A8CB-262CE10EA13A}"/>
               </a:ext>
             </a:extLst>
           </p:cNvPr>
@@ -6269,39 +8808,35 @@
         <p:spPr>
           <a:xfrm>
             <a:off x="3869268" y="864108"/>
-            <a:ext cx="5940557" cy="5120640"/>
+            <a:ext cx="7315200" cy="4196164"/>
           </a:xfrm>
         </p:spPr>
         <p:txBody>
-          <a:bodyPr>
-            <a:normAutofit/>
-          </a:bodyPr>
+          <a:bodyPr anchor="ctr"/>
           <a:lstStyle/>
           <a:p>
             <a:pPr marL="0" indent="0">
+              <a:spcAft>
+                <a:spcPts val="1200"/>
+              </a:spcAft>
               <a:buNone/>
             </a:pPr>
             <a:r>
-              <a:rPr lang="de-DE" sz="2800" b="1" dirty="0">
-                <a:solidFill>
-                  <a:schemeClr val="tx1"/>
-                </a:solidFill>
-              </a:rPr>
-              <a:t>Unsere Ziele</a:t>
-            </a:r>
-            <a:r>
-              <a:rPr lang="de-DE" sz="2800" b="1" dirty="0" smtClean="0">
-                <a:solidFill>
-                  <a:schemeClr val="tx1"/>
-                </a:solidFill>
-              </a:rPr>
-              <a:t>:</a:t>
-            </a:r>
-          </a:p>
-          <a:p>
-            <a:pPr marL="0" indent="0">
-              <a:buNone/>
-            </a:pPr>
+              <a:rPr lang="de-DE" sz="3200" b="1" dirty="0">
+                <a:solidFill>
+                  <a:schemeClr val="tx1"/>
+                </a:solidFill>
+              </a:rPr>
+              <a:t>Vorgegebene Ziele des </a:t>
+            </a:r>
+            <a:r>
+              <a:rPr lang="de-DE" sz="3200" b="1" dirty="0" smtClean="0">
+                <a:solidFill>
+                  <a:schemeClr val="tx1"/>
+                </a:solidFill>
+              </a:rPr>
+              <a:t>zweiten Sprints</a:t>
+            </a:r>
             <a:endParaRPr lang="de-DE" b="1" dirty="0">
               <a:solidFill>
                 <a:schemeClr val="tx1"/>
@@ -6309,105 +8844,363 @@
             </a:endParaRPr>
           </a:p>
           <a:p>
-            <a:r>
-              <a:rPr lang="de-DE" dirty="0" smtClean="0">
-                <a:solidFill>
-                  <a:schemeClr val="tx1"/>
-                </a:solidFill>
-              </a:rPr>
-              <a:t>Weitere Literaturrecherche über die Filter der Datenvorverarbeitung </a:t>
-            </a:r>
-          </a:p>
-          <a:p>
-            <a:r>
-              <a:rPr lang="de-DE" dirty="0" smtClean="0">
-                <a:solidFill>
-                  <a:schemeClr val="tx1"/>
-                </a:solidFill>
-              </a:rPr>
-              <a:t>Implementierung der Filter </a:t>
-            </a:r>
-          </a:p>
-          <a:p>
-            <a:r>
-              <a:rPr lang="de-DE" dirty="0" smtClean="0">
-                <a:solidFill>
-                  <a:schemeClr val="tx1"/>
-                </a:solidFill>
-              </a:rPr>
-              <a:t>Erstellen von Dokumentationen für die implementierten Skripte</a:t>
-            </a:r>
-          </a:p>
-          <a:p>
-            <a:r>
-              <a:rPr lang="de-DE" dirty="0" smtClean="0">
-                <a:solidFill>
-                  <a:schemeClr val="tx1"/>
-                </a:solidFill>
-              </a:rPr>
-              <a:t>Die Verteilung der Personen durch Permutationen realisieren (bei der Automatisierung  der Simulation)</a:t>
-            </a:r>
-          </a:p>
-          <a:p>
-            <a:r>
-              <a:rPr lang="de-DE" dirty="0" smtClean="0">
-                <a:solidFill>
-                  <a:schemeClr val="tx1"/>
-                </a:solidFill>
-              </a:rPr>
-              <a:t>Testen der Software</a:t>
-            </a:r>
-          </a:p>
-          <a:p>
-            <a:r>
-              <a:rPr lang="de-DE" dirty="0" smtClean="0">
-                <a:solidFill>
-                  <a:schemeClr val="tx1"/>
-                </a:solidFill>
-              </a:rPr>
-              <a:t>Datengenerierung</a:t>
-            </a:r>
-          </a:p>
-          <a:p>
-            <a:r>
-              <a:rPr lang="de-DE" dirty="0" smtClean="0">
-                <a:solidFill>
-                  <a:schemeClr val="tx1"/>
-                </a:solidFill>
-              </a:rPr>
-              <a:t>Aktualisierung des </a:t>
-            </a:r>
-            <a:r>
-              <a:rPr lang="de-DE" dirty="0" err="1" smtClean="0">
-                <a:solidFill>
-                  <a:schemeClr val="tx1"/>
-                </a:solidFill>
-              </a:rPr>
-              <a:t>Trello</a:t>
-            </a:r>
-            <a:r>
-              <a:rPr lang="de-DE" dirty="0" smtClean="0">
-                <a:solidFill>
-                  <a:schemeClr val="tx1"/>
-                </a:solidFill>
-              </a:rPr>
-              <a:t> Projektes/</a:t>
-            </a:r>
-            <a:r>
-              <a:rPr lang="de-DE" dirty="0" err="1" smtClean="0">
-                <a:solidFill>
-                  <a:schemeClr val="tx1"/>
-                </a:solidFill>
-              </a:rPr>
-              <a:t>Repos</a:t>
-            </a:r>
-            <a:r>
-              <a:rPr lang="de-DE" dirty="0" smtClean="0">
-                <a:solidFill>
-                  <a:schemeClr val="tx1"/>
-                </a:solidFill>
-              </a:rPr>
-              <a:t>/Organisation der Treffen</a:t>
+            <a:endParaRPr lang="de-DE" dirty="0" smtClean="0">
+              <a:solidFill>
+                <a:schemeClr val="tx1"/>
+              </a:solidFill>
+            </a:endParaRPr>
+          </a:p>
+          <a:p>
+            <a:r>
+              <a:rPr lang="de-DE" dirty="0" smtClean="0">
+                <a:solidFill>
+                  <a:schemeClr val="tx1"/>
+                </a:solidFill>
+              </a:rPr>
+              <a:t>Erstellen eines Technischen Berichts</a:t>
+            </a:r>
+          </a:p>
+          <a:p>
+            <a:r>
+              <a:rPr lang="en-GB" dirty="0" smtClean="0">
+                <a:solidFill>
+                  <a:schemeClr val="tx1"/>
+                </a:solidFill>
+              </a:rPr>
+              <a:t>Modellieren und </a:t>
+            </a:r>
+            <a:r>
+              <a:rPr lang="en-GB" dirty="0" err="1" smtClean="0">
+                <a:solidFill>
+                  <a:schemeClr val="tx1"/>
+                </a:solidFill>
+              </a:rPr>
+              <a:t>simulieren</a:t>
+            </a:r>
+            <a:r>
+              <a:rPr lang="en-GB" dirty="0" smtClean="0">
+                <a:solidFill>
+                  <a:schemeClr val="tx1"/>
+                </a:solidFill>
+              </a:rPr>
+              <a:t> </a:t>
+            </a:r>
+            <a:r>
+              <a:rPr lang="en-GB" dirty="0" err="1" smtClean="0">
+                <a:solidFill>
+                  <a:schemeClr val="tx1"/>
+                </a:solidFill>
+              </a:rPr>
+              <a:t>realistischer</a:t>
+            </a:r>
+            <a:r>
+              <a:rPr lang="en-GB" dirty="0" smtClean="0">
+                <a:solidFill>
+                  <a:schemeClr val="tx1"/>
+                </a:solidFill>
+              </a:rPr>
+              <a:t> und </a:t>
+            </a:r>
+            <a:r>
+              <a:rPr lang="en-GB" dirty="0" err="1" smtClean="0">
+                <a:solidFill>
+                  <a:schemeClr val="tx1"/>
+                </a:solidFill>
+              </a:rPr>
+              <a:t>variantenreicher</a:t>
+            </a:r>
+            <a:r>
+              <a:rPr lang="en-GB" dirty="0" smtClean="0">
+                <a:solidFill>
+                  <a:schemeClr val="tx1"/>
+                </a:solidFill>
+              </a:rPr>
+              <a:t> </a:t>
+            </a:r>
+            <a:r>
+              <a:rPr lang="en-GB" dirty="0" err="1" smtClean="0">
+                <a:solidFill>
+                  <a:schemeClr val="tx1"/>
+                </a:solidFill>
+              </a:rPr>
+              <a:t>Szenarien</a:t>
+            </a:r>
+            <a:endParaRPr lang="en-GB" dirty="0" smtClean="0">
+              <a:solidFill>
+                <a:schemeClr val="tx1"/>
+              </a:solidFill>
+            </a:endParaRPr>
+          </a:p>
+          <a:p>
+            <a:r>
+              <a:rPr lang="en-GB" dirty="0" err="1" smtClean="0">
+                <a:solidFill>
+                  <a:schemeClr val="tx1"/>
+                </a:solidFill>
+              </a:rPr>
+              <a:t>Aufbereitung</a:t>
+            </a:r>
+            <a:r>
+              <a:rPr lang="en-GB" dirty="0" smtClean="0">
+                <a:solidFill>
+                  <a:schemeClr val="tx1"/>
+                </a:solidFill>
+              </a:rPr>
+              <a:t> der </a:t>
+            </a:r>
+            <a:r>
+              <a:rPr lang="en-GB" dirty="0" err="1" smtClean="0">
+                <a:solidFill>
+                  <a:schemeClr val="tx1"/>
+                </a:solidFill>
+              </a:rPr>
+              <a:t>Daten</a:t>
+            </a:r>
+            <a:r>
+              <a:rPr lang="en-GB" dirty="0" smtClean="0">
+                <a:solidFill>
+                  <a:schemeClr val="tx1"/>
+                </a:solidFill>
+              </a:rPr>
+              <a:t>, </a:t>
+            </a:r>
+            <a:r>
+              <a:rPr lang="en-GB" dirty="0" err="1" smtClean="0">
+                <a:solidFill>
+                  <a:schemeClr val="tx1"/>
+                </a:solidFill>
+              </a:rPr>
+              <a:t>dass</a:t>
+            </a:r>
+            <a:r>
+              <a:rPr lang="en-GB" dirty="0" smtClean="0">
+                <a:solidFill>
+                  <a:schemeClr val="tx1"/>
+                </a:solidFill>
+              </a:rPr>
+              <a:t> </a:t>
+            </a:r>
+            <a:r>
+              <a:rPr lang="en-GB" dirty="0" err="1" smtClean="0">
+                <a:solidFill>
+                  <a:schemeClr val="tx1"/>
+                </a:solidFill>
+              </a:rPr>
+              <a:t>sie</a:t>
+            </a:r>
+            <a:r>
+              <a:rPr lang="en-GB" dirty="0" smtClean="0">
+                <a:solidFill>
+                  <a:schemeClr val="tx1"/>
+                </a:solidFill>
+              </a:rPr>
+              <a:t> </a:t>
+            </a:r>
+            <a:r>
+              <a:rPr lang="en-GB" dirty="0" err="1" smtClean="0">
+                <a:solidFill>
+                  <a:schemeClr val="tx1"/>
+                </a:solidFill>
+              </a:rPr>
+              <a:t>denen</a:t>
+            </a:r>
+            <a:r>
+              <a:rPr lang="en-GB" dirty="0" smtClean="0">
+                <a:solidFill>
+                  <a:schemeClr val="tx1"/>
+                </a:solidFill>
+              </a:rPr>
+              <a:t> von </a:t>
+            </a:r>
+            <a:r>
+              <a:rPr lang="en-GB" dirty="0" err="1" smtClean="0">
+                <a:solidFill>
+                  <a:schemeClr val="tx1"/>
+                </a:solidFill>
+              </a:rPr>
+              <a:t>Kameras</a:t>
+            </a:r>
+            <a:r>
+              <a:rPr lang="en-GB" dirty="0" smtClean="0">
+                <a:solidFill>
+                  <a:schemeClr val="tx1"/>
+                </a:solidFill>
+              </a:rPr>
+              <a:t> </a:t>
+            </a:r>
+            <a:r>
+              <a:rPr lang="en-GB" dirty="0" err="1" smtClean="0">
+                <a:solidFill>
+                  <a:schemeClr val="tx1"/>
+                </a:solidFill>
+              </a:rPr>
+              <a:t>gewonnenen</a:t>
+            </a:r>
+            <a:r>
+              <a:rPr lang="en-GB" dirty="0" smtClean="0">
+                <a:solidFill>
+                  <a:schemeClr val="tx1"/>
+                </a:solidFill>
+              </a:rPr>
+              <a:t>  </a:t>
+            </a:r>
+            <a:r>
+              <a:rPr lang="en-GB" dirty="0" err="1" smtClean="0">
+                <a:solidFill>
+                  <a:schemeClr val="tx1"/>
+                </a:solidFill>
+              </a:rPr>
+              <a:t>Daten</a:t>
+            </a:r>
+            <a:r>
+              <a:rPr lang="en-GB" dirty="0" smtClean="0">
+                <a:solidFill>
+                  <a:schemeClr val="tx1"/>
+                </a:solidFill>
+              </a:rPr>
+              <a:t> stark </a:t>
+            </a:r>
+            <a:r>
+              <a:rPr lang="en-GB" dirty="0" err="1" smtClean="0">
+                <a:solidFill>
+                  <a:schemeClr val="tx1"/>
+                </a:solidFill>
+              </a:rPr>
+              <a:t>ähneln</a:t>
+            </a:r>
+            <a:endParaRPr lang="en-GB" dirty="0" smtClean="0">
+              <a:solidFill>
+                <a:schemeClr val="tx1"/>
+              </a:solidFill>
+            </a:endParaRPr>
+          </a:p>
+          <a:p>
+            <a:r>
+              <a:rPr lang="en-GB" dirty="0" err="1" smtClean="0">
+                <a:solidFill>
+                  <a:schemeClr val="tx1"/>
+                </a:solidFill>
+              </a:rPr>
+              <a:t>Aufbereitung</a:t>
+            </a:r>
+            <a:r>
+              <a:rPr lang="en-GB" dirty="0" smtClean="0">
+                <a:solidFill>
+                  <a:schemeClr val="tx1"/>
+                </a:solidFill>
+              </a:rPr>
+              <a:t> des </a:t>
+            </a:r>
+            <a:r>
+              <a:rPr lang="en-GB" dirty="0" err="1" smtClean="0">
+                <a:solidFill>
+                  <a:schemeClr val="tx1"/>
+                </a:solidFill>
+              </a:rPr>
+              <a:t>Datenformats</a:t>
+            </a:r>
+            <a:r>
+              <a:rPr lang="en-GB" dirty="0" smtClean="0">
+                <a:solidFill>
+                  <a:schemeClr val="tx1"/>
+                </a:solidFill>
+              </a:rPr>
+              <a:t> </a:t>
+            </a:r>
+            <a:r>
+              <a:rPr lang="en-GB" dirty="0" err="1" smtClean="0">
+                <a:solidFill>
+                  <a:schemeClr val="tx1"/>
+                </a:solidFill>
+              </a:rPr>
+              <a:t>entsprechend</a:t>
+            </a:r>
+            <a:r>
+              <a:rPr lang="en-GB" dirty="0" smtClean="0">
+                <a:solidFill>
+                  <a:schemeClr val="tx1"/>
+                </a:solidFill>
+              </a:rPr>
+              <a:t> den </a:t>
+            </a:r>
+            <a:r>
+              <a:rPr lang="en-GB" dirty="0" err="1" smtClean="0">
+                <a:solidFill>
+                  <a:schemeClr val="tx1"/>
+                </a:solidFill>
+              </a:rPr>
+              <a:t>Angaben</a:t>
+            </a:r>
+            <a:r>
+              <a:rPr lang="en-GB" dirty="0" smtClean="0">
+                <a:solidFill>
+                  <a:schemeClr val="tx1"/>
+                </a:solidFill>
+              </a:rPr>
+              <a:t> des </a:t>
+            </a:r>
+            <a:r>
+              <a:rPr lang="en-GB" dirty="0" err="1" smtClean="0">
+                <a:solidFill>
+                  <a:schemeClr val="tx1"/>
+                </a:solidFill>
+              </a:rPr>
+              <a:t>Fraunhofer</a:t>
+            </a:r>
+            <a:r>
+              <a:rPr lang="en-GB" dirty="0" smtClean="0">
+                <a:solidFill>
+                  <a:schemeClr val="tx1"/>
+                </a:solidFill>
+              </a:rPr>
+              <a:t> </a:t>
+            </a:r>
+            <a:r>
+              <a:rPr lang="en-GB" dirty="0" err="1" smtClean="0">
+                <a:solidFill>
+                  <a:schemeClr val="tx1"/>
+                </a:solidFill>
+              </a:rPr>
+              <a:t>Instituts</a:t>
+            </a:r>
+            <a:endParaRPr lang="en-GB" dirty="0" smtClean="0">
+              <a:solidFill>
+                <a:schemeClr val="tx1"/>
+              </a:solidFill>
+            </a:endParaRPr>
+          </a:p>
+          <a:p>
+            <a:r>
+              <a:rPr lang="en-GB" dirty="0" err="1" smtClean="0">
+                <a:solidFill>
+                  <a:schemeClr val="tx1"/>
+                </a:solidFill>
+              </a:rPr>
+              <a:t>Erstellen</a:t>
+            </a:r>
+            <a:r>
+              <a:rPr lang="en-GB" dirty="0" smtClean="0">
+                <a:solidFill>
+                  <a:schemeClr val="tx1"/>
+                </a:solidFill>
+              </a:rPr>
+              <a:t> </a:t>
+            </a:r>
+            <a:r>
+              <a:rPr lang="en-GB" dirty="0" err="1" smtClean="0">
+                <a:solidFill>
+                  <a:schemeClr val="tx1"/>
+                </a:solidFill>
+              </a:rPr>
+              <a:t>einer</a:t>
+            </a:r>
+            <a:r>
+              <a:rPr lang="en-GB" dirty="0" smtClean="0">
+                <a:solidFill>
+                  <a:schemeClr val="tx1"/>
+                </a:solidFill>
+              </a:rPr>
+              <a:t> Demonstration</a:t>
             </a:r>
             <a:endParaRPr lang="de-DE" dirty="0">
               <a:solidFill>
@@ -6415,19 +9208,12 @@
               </a:solidFill>
             </a:endParaRPr>
           </a:p>
-          <a:p>
-            <a:endParaRPr lang="en-GB" dirty="0">
-              <a:solidFill>
-                <a:schemeClr val="tx1"/>
-              </a:solidFill>
-            </a:endParaRPr>
-          </a:p>
         </p:txBody>
       </p:sp>
     </p:spTree>
     <p:extLst>
       <p:ext uri="{BB962C8B-B14F-4D97-AF65-F5344CB8AC3E}">
-        <p14:creationId xmlns:p14="http://schemas.microsoft.com/office/powerpoint/2010/main" val="1431955434"/>
+        <p14:creationId xmlns:p14="http://schemas.microsoft.com/office/powerpoint/2010/main" val="1650893314"/>
       </p:ext>
     </p:extLst>
   </p:cSld>
@@ -6466,10 +9252,45 @@
       </p:grpSpPr>
       <p:sp>
         <p:nvSpPr>
-          <p:cNvPr id="8" name="Text Placeholder 7">
+          <p:cNvPr id="2" name="Titel 1"/>
+          <p:cNvSpPr>
+            <a:spLocks noGrp="1"/>
+          </p:cNvSpPr>
+          <p:nvPr>
+            <p:ph type="title"/>
+          </p:nvPr>
+        </p:nvSpPr>
+        <p:spPr/>
+        <p:txBody>
+          <a:bodyPr>
+            <a:noAutofit/>
+          </a:bodyPr>
+          <a:lstStyle/>
+          <a:p>
+            <a:r>
+              <a:rPr lang="de-DE" sz="4800" dirty="0"/>
+              <a:t>Ziele Sprint </a:t>
+            </a:r>
+            <a:r>
+              <a:rPr lang="de-DE" sz="4800" dirty="0" smtClean="0"/>
+              <a:t>2</a:t>
+            </a:r>
+            <a:endParaRPr lang="de-DE" sz="5000" dirty="0">
+              <a:solidFill>
+                <a:schemeClr val="tx1"/>
+              </a:solidFill>
+              <a:latin typeface="Times New Roman" panose="02020603050405020304" pitchFamily="18" charset="0"/>
+              <a:cs typeface="Times New Roman" panose="02020603050405020304" pitchFamily="18" charset="0"/>
+            </a:endParaRPr>
+          </a:p>
+        </p:txBody>
+      </p:sp>
+      <p:sp>
+        <p:nvSpPr>
+          <p:cNvPr id="9" name="Content Placeholder 8">
             <a:extLst>
               <a:ext uri="{FF2B5EF4-FFF2-40B4-BE49-F238E27FC236}">
-                <a16:creationId xmlns:a16="http://schemas.microsoft.com/office/drawing/2014/main" xmlns="" id="{7C7B7B5E-EB63-48A8-BCF5-30057479D808}"/>
+                <a16:creationId xmlns:a16="http://schemas.microsoft.com/office/drawing/2014/main" xmlns="" id="{08DF57E2-668B-4E5A-AEBF-D8CEC596E7D4}"/>
               </a:ext>
             </a:extLst>
           </p:cNvPr>
@@ -6477,69 +9298,152 @@
             <a:spLocks noGrp="1"/>
           </p:cNvSpPr>
           <p:nvPr>
-            <p:ph type="body" idx="1"/>
-          </p:nvPr>
-        </p:nvSpPr>
-        <p:spPr/>
+            <p:ph idx="1"/>
+          </p:nvPr>
+        </p:nvSpPr>
+        <p:spPr>
+          <a:xfrm>
+            <a:off x="3869268" y="864108"/>
+            <a:ext cx="5940557" cy="5120640"/>
+          </a:xfrm>
+        </p:spPr>
         <p:txBody>
           <a:bodyPr>
             <a:normAutofit/>
           </a:bodyPr>
           <a:lstStyle/>
           <a:p>
-            <a:r>
-              <a:rPr lang="de-DE" sz="2800" dirty="0">
-                <a:solidFill>
-                  <a:schemeClr val="tx1"/>
-                </a:solidFill>
-              </a:rPr>
-              <a:t>Was </a:t>
-            </a:r>
-            <a:r>
-              <a:rPr lang="de-DE" sz="2800" dirty="0" smtClean="0">
-                <a:solidFill>
-                  <a:schemeClr val="tx1"/>
-                </a:solidFill>
-              </a:rPr>
-              <a:t>lief </a:t>
-            </a:r>
-            <a:r>
-              <a:rPr lang="de-DE" sz="2800" dirty="0">
-                <a:solidFill>
-                  <a:schemeClr val="tx1"/>
-                </a:solidFill>
-              </a:rPr>
-              <a:t>gut?</a:t>
-            </a:r>
-            <a:endParaRPr lang="en-GB" sz="2800" dirty="0">
+            <a:pPr marL="0" indent="0">
+              <a:buNone/>
+            </a:pPr>
+            <a:r>
+              <a:rPr lang="de-DE" sz="3200" b="1" dirty="0">
+                <a:solidFill>
+                  <a:schemeClr val="tx1"/>
+                </a:solidFill>
+              </a:rPr>
+              <a:t>Unsere Ziele</a:t>
+            </a:r>
+            <a:r>
+              <a:rPr lang="de-DE" sz="3200" b="1" dirty="0" smtClean="0">
+                <a:solidFill>
+                  <a:schemeClr val="tx1"/>
+                </a:solidFill>
+              </a:rPr>
+              <a:t>:</a:t>
+            </a:r>
+          </a:p>
+          <a:p>
+            <a:pPr marL="0" indent="0">
+              <a:buNone/>
+            </a:pPr>
+            <a:endParaRPr lang="de-DE" b="1" dirty="0">
               <a:solidFill>
                 <a:schemeClr val="tx1"/>
               </a:solidFill>
             </a:endParaRPr>
           </a:p>
-        </p:txBody>
-      </p:sp>
-      <p:sp>
-        <p:nvSpPr>
-          <p:cNvPr id="9" name="Content Placeholder 8">
-            <a:extLst>
-              <a:ext uri="{FF2B5EF4-FFF2-40B4-BE49-F238E27FC236}">
-                <a16:creationId xmlns:a16="http://schemas.microsoft.com/office/drawing/2014/main" xmlns="" id="{B69192B4-B668-4E8C-8C21-3A34BA8E13E7}"/>
-              </a:ext>
-            </a:extLst>
-          </p:cNvPr>
-          <p:cNvSpPr>
-            <a:spLocks noGrp="1"/>
-          </p:cNvSpPr>
-          <p:nvPr>
-            <p:ph sz="half" idx="2"/>
-          </p:nvPr>
-        </p:nvSpPr>
-        <p:spPr/>
-        <p:txBody>
-          <a:bodyPr/>
-          <a:lstStyle/>
-          <a:p>
+          <a:p>
+            <a:r>
+              <a:rPr lang="de-DE" dirty="0" smtClean="0">
+                <a:solidFill>
+                  <a:schemeClr val="tx1"/>
+                </a:solidFill>
+              </a:rPr>
+              <a:t>Weitere Literaturrecherche über die Filter der Datenvorverarbeitung </a:t>
+            </a:r>
+          </a:p>
+          <a:p>
+            <a:r>
+              <a:rPr lang="de-DE" dirty="0" smtClean="0">
+                <a:solidFill>
+                  <a:schemeClr val="tx1"/>
+                </a:solidFill>
+              </a:rPr>
+              <a:t>Implementierung der Filter </a:t>
+            </a:r>
+          </a:p>
+          <a:p>
+            <a:r>
+              <a:rPr lang="de-DE" dirty="0" smtClean="0">
+                <a:solidFill>
+                  <a:schemeClr val="tx1"/>
+                </a:solidFill>
+              </a:rPr>
+              <a:t>Erstellen von Dokumentationen für die implementierten Skripte</a:t>
+            </a:r>
+          </a:p>
+          <a:p>
+            <a:r>
+              <a:rPr lang="de-DE" dirty="0" smtClean="0">
+                <a:solidFill>
+                  <a:schemeClr val="tx1"/>
+                </a:solidFill>
+              </a:rPr>
+              <a:t>Die Verteilung der Personen durch Permutationen realisieren (bei der Automatisierung  der Simulation)</a:t>
+            </a:r>
+          </a:p>
+          <a:p>
+            <a:r>
+              <a:rPr lang="de-DE" dirty="0" smtClean="0">
+                <a:solidFill>
+                  <a:schemeClr val="tx1"/>
+                </a:solidFill>
+              </a:rPr>
+              <a:t>Testen der Software</a:t>
+            </a:r>
+          </a:p>
+          <a:p>
+            <a:r>
+              <a:rPr lang="de-DE" dirty="0" smtClean="0">
+                <a:solidFill>
+                  <a:schemeClr val="tx1"/>
+                </a:solidFill>
+              </a:rPr>
+              <a:t>Datengenerierung</a:t>
+            </a:r>
+          </a:p>
+          <a:p>
+            <a:r>
+              <a:rPr lang="de-DE" dirty="0" smtClean="0">
+                <a:solidFill>
+                  <a:schemeClr val="tx1"/>
+                </a:solidFill>
+              </a:rPr>
+              <a:t>Aktualisierung des </a:t>
+            </a:r>
+            <a:r>
+              <a:rPr lang="de-DE" dirty="0" err="1" smtClean="0">
+                <a:solidFill>
+                  <a:schemeClr val="tx1"/>
+                </a:solidFill>
+              </a:rPr>
+              <a:t>Trello</a:t>
+            </a:r>
+            <a:r>
+              <a:rPr lang="de-DE" dirty="0" smtClean="0">
+                <a:solidFill>
+                  <a:schemeClr val="tx1"/>
+                </a:solidFill>
+              </a:rPr>
+              <a:t> Projektes/</a:t>
+            </a:r>
+            <a:r>
+              <a:rPr lang="de-DE" dirty="0" err="1" smtClean="0">
+                <a:solidFill>
+                  <a:schemeClr val="tx1"/>
+                </a:solidFill>
+              </a:rPr>
+              <a:t>Repos</a:t>
+            </a:r>
+            <a:r>
+              <a:rPr lang="de-DE" dirty="0" smtClean="0">
+                <a:solidFill>
+                  <a:schemeClr val="tx1"/>
+                </a:solidFill>
+              </a:rPr>
+              <a:t>/Organisation der Treffen</a:t>
+            </a:r>
             <a:endParaRPr lang="de-DE" dirty="0">
               <a:solidFill>
                 <a:schemeClr val="tx1"/>
@@ -6547,114 +9451,6 @@
             </a:endParaRPr>
           </a:p>
           <a:p>
-            <a:pPr marL="285750" indent="-285750">
-              <a:buFont typeface="Arial" panose="020B0604020202020204" pitchFamily="34" charset="0"/>
-              <a:buChar char="•"/>
-            </a:pPr>
-            <a:r>
-              <a:rPr lang="de-DE" sz="2400" dirty="0">
-                <a:solidFill>
-                  <a:schemeClr val="tx1"/>
-                </a:solidFill>
-              </a:rPr>
-              <a:t>Regelmäßig Treffen außerhalb der Vorlesung </a:t>
-            </a:r>
-          </a:p>
-          <a:p>
-            <a:pPr marL="285750" indent="-285750">
-              <a:buFont typeface="Arial" panose="020B0604020202020204" pitchFamily="34" charset="0"/>
-              <a:buChar char="•"/>
-            </a:pPr>
-            <a:r>
-              <a:rPr lang="de-DE" sz="2400" dirty="0">
-                <a:solidFill>
-                  <a:schemeClr val="tx1"/>
-                </a:solidFill>
-              </a:rPr>
-              <a:t>Gute Kommunikation über </a:t>
-            </a:r>
-            <a:r>
-              <a:rPr lang="de-DE" sz="2400" dirty="0" smtClean="0">
-                <a:solidFill>
-                  <a:schemeClr val="tx1"/>
-                </a:solidFill>
-              </a:rPr>
-              <a:t>WhatsApp</a:t>
-            </a:r>
-            <a:r>
-              <a:rPr lang="de-DE" sz="2400" dirty="0">
-                <a:solidFill>
-                  <a:schemeClr val="tx1"/>
-                </a:solidFill>
-              </a:rPr>
-              <a:t>, </a:t>
-            </a:r>
-            <a:r>
-              <a:rPr lang="de-DE" sz="2400" dirty="0" smtClean="0">
-                <a:solidFill>
-                  <a:schemeClr val="tx1"/>
-                </a:solidFill>
-              </a:rPr>
-              <a:t>Skype, </a:t>
-            </a:r>
-            <a:r>
-              <a:rPr lang="de-DE" sz="2400" dirty="0" err="1" smtClean="0">
-                <a:solidFill>
-                  <a:schemeClr val="tx1"/>
-                </a:solidFill>
-              </a:rPr>
-              <a:t>Slack</a:t>
-            </a:r>
-            <a:r>
-              <a:rPr lang="de-DE" sz="2400" dirty="0">
-                <a:solidFill>
-                  <a:schemeClr val="tx1"/>
-                </a:solidFill>
-              </a:rPr>
-              <a:t>, </a:t>
-            </a:r>
-            <a:r>
-              <a:rPr lang="de-DE" sz="2400" dirty="0" err="1">
-                <a:solidFill>
-                  <a:schemeClr val="tx1"/>
-                </a:solidFill>
-              </a:rPr>
-              <a:t>Trello</a:t>
-            </a:r>
-            <a:endParaRPr lang="de-DE" sz="2400" dirty="0">
-              <a:solidFill>
-                <a:schemeClr val="tx1"/>
-              </a:solidFill>
-            </a:endParaRPr>
-          </a:p>
-          <a:p>
-            <a:pPr marL="285750" indent="-285750">
-              <a:buFont typeface="Arial" panose="020B0604020202020204" pitchFamily="34" charset="0"/>
-              <a:buChar char="•"/>
-            </a:pPr>
-            <a:r>
-              <a:rPr lang="de-DE" sz="2400" dirty="0">
-                <a:solidFill>
-                  <a:schemeClr val="tx1"/>
-                </a:solidFill>
-              </a:rPr>
-              <a:t>Verteilung der Aufgaben  </a:t>
-            </a:r>
-            <a:r>
-              <a:rPr lang="de-DE" sz="2400" dirty="0" smtClean="0">
-                <a:solidFill>
-                  <a:schemeClr val="tx1"/>
-                </a:solidFill>
-              </a:rPr>
-              <a:t>und Teamarbeit</a:t>
-            </a:r>
-            <a:endParaRPr lang="de-DE" sz="2400" dirty="0">
-              <a:solidFill>
-                <a:schemeClr val="tx1"/>
-              </a:solidFill>
-            </a:endParaRPr>
-          </a:p>
-          <a:p>
             <a:endParaRPr lang="en-GB" dirty="0">
               <a:solidFill>
                 <a:schemeClr val="tx1"/>
@@ -6663,193 +9459,10 @@
           </a:p>
         </p:txBody>
       </p:sp>
-      <p:sp>
-        <p:nvSpPr>
-          <p:cNvPr id="10" name="Text Placeholder 9">
-            <a:extLst>
-              <a:ext uri="{FF2B5EF4-FFF2-40B4-BE49-F238E27FC236}">
-                <a16:creationId xmlns:a16="http://schemas.microsoft.com/office/drawing/2014/main" xmlns="" id="{528A301B-E3B1-4B35-BE7D-F69C91D785D0}"/>
-              </a:ext>
-            </a:extLst>
-          </p:cNvPr>
-          <p:cNvSpPr>
-            <a:spLocks noGrp="1"/>
-          </p:cNvSpPr>
-          <p:nvPr>
-            <p:ph type="body" sz="quarter" idx="3"/>
-          </p:nvPr>
-        </p:nvSpPr>
-        <p:spPr/>
-        <p:txBody>
-          <a:bodyPr>
-            <a:normAutofit/>
-          </a:bodyPr>
-          <a:lstStyle/>
-          <a:p>
-            <a:r>
-              <a:rPr lang="de-DE" sz="2800" dirty="0">
-                <a:solidFill>
-                  <a:schemeClr val="tx1"/>
-                </a:solidFill>
-              </a:rPr>
-              <a:t>Was lief schlecht?</a:t>
-            </a:r>
-            <a:endParaRPr lang="en-GB" sz="2800" dirty="0">
-              <a:solidFill>
-                <a:schemeClr val="tx1"/>
-              </a:solidFill>
-            </a:endParaRPr>
-          </a:p>
-        </p:txBody>
-      </p:sp>
-      <p:sp>
-        <p:nvSpPr>
-          <p:cNvPr id="11" name="Content Placeholder 10">
-            <a:extLst>
-              <a:ext uri="{FF2B5EF4-FFF2-40B4-BE49-F238E27FC236}">
-                <a16:creationId xmlns:a16="http://schemas.microsoft.com/office/drawing/2014/main" xmlns="" id="{33DCA290-89C4-4275-A93D-319C803D2771}"/>
-              </a:ext>
-            </a:extLst>
-          </p:cNvPr>
-          <p:cNvSpPr>
-            <a:spLocks noGrp="1"/>
-          </p:cNvSpPr>
-          <p:nvPr>
-            <p:ph sz="quarter" idx="4"/>
-          </p:nvPr>
-        </p:nvSpPr>
-        <p:spPr>
-          <a:xfrm>
-            <a:off x="7818463" y="2146089"/>
-            <a:ext cx="3474720" cy="4023360"/>
-          </a:xfrm>
-        </p:spPr>
-        <p:txBody>
-          <a:bodyPr>
-            <a:normAutofit/>
-          </a:bodyPr>
-          <a:lstStyle/>
-          <a:p>
-            <a:endParaRPr lang="en-GB" sz="2400" dirty="0">
-              <a:solidFill>
-                <a:schemeClr val="tx1"/>
-              </a:solidFill>
-            </a:endParaRPr>
-          </a:p>
-        </p:txBody>
-      </p:sp>
-      <p:sp>
-        <p:nvSpPr>
-          <p:cNvPr id="12" name="Arrow: Down 11">
-            <a:extLst>
-              <a:ext uri="{FF2B5EF4-FFF2-40B4-BE49-F238E27FC236}">
-                <a16:creationId xmlns:a16="http://schemas.microsoft.com/office/drawing/2014/main" xmlns="" id="{5F710989-371B-4482-A9BD-56DFD57DBD75}"/>
-              </a:ext>
-            </a:extLst>
-          </p:cNvPr>
-          <p:cNvSpPr/>
-          <p:nvPr/>
-        </p:nvSpPr>
-        <p:spPr>
-          <a:xfrm>
-            <a:off x="352840" y="2743200"/>
-            <a:ext cx="1091953" cy="1784412"/>
-          </a:xfrm>
-          <a:prstGeom prst="downArrow">
-            <a:avLst/>
-          </a:prstGeom>
-          <a:solidFill>
-            <a:schemeClr val="bg1"/>
-          </a:solidFill>
-          <a:ln>
-            <a:solidFill>
-              <a:schemeClr val="bg1"/>
-            </a:solidFill>
-          </a:ln>
-        </p:spPr>
-        <p:style>
-          <a:lnRef idx="2">
-            <a:schemeClr val="accent3">
-              <a:shade val="50000"/>
-            </a:schemeClr>
-          </a:lnRef>
-          <a:fillRef idx="1">
-            <a:schemeClr val="accent3"/>
-          </a:fillRef>
-          <a:effectRef idx="0">
-            <a:schemeClr val="accent3"/>
-          </a:effectRef>
-          <a:fontRef idx="minor">
-            <a:schemeClr val="lt1"/>
-          </a:fontRef>
-        </p:style>
-        <p:txBody>
-          <a:bodyPr rtlCol="0" anchor="ctr"/>
-          <a:lstStyle/>
-          <a:p>
-            <a:pPr algn="ctr"/>
-            <a:endParaRPr lang="en-GB"/>
-          </a:p>
-        </p:txBody>
-      </p:sp>
-      <p:sp>
-        <p:nvSpPr>
-          <p:cNvPr id="13" name="Arrow: Down 12">
-            <a:extLst>
-              <a:ext uri="{FF2B5EF4-FFF2-40B4-BE49-F238E27FC236}">
-                <a16:creationId xmlns:a16="http://schemas.microsoft.com/office/drawing/2014/main" xmlns="" id="{3C3CD861-7549-47BE-8D26-BF01FD79F024}"/>
-              </a:ext>
-            </a:extLst>
-          </p:cNvPr>
-          <p:cNvSpPr/>
-          <p:nvPr/>
-        </p:nvSpPr>
-        <p:spPr>
-          <a:xfrm rot="10800000">
-            <a:off x="1734584" y="2536794"/>
-            <a:ext cx="1091953" cy="1784412"/>
-          </a:xfrm>
-          <a:prstGeom prst="downArrow">
-            <a:avLst/>
-          </a:prstGeom>
-          <a:solidFill>
-            <a:schemeClr val="bg1"/>
-          </a:solidFill>
-          <a:ln>
-            <a:solidFill>
-              <a:schemeClr val="bg1"/>
-            </a:solidFill>
-          </a:ln>
-        </p:spPr>
-        <p:style>
-          <a:lnRef idx="2">
-            <a:schemeClr val="accent3">
-              <a:shade val="50000"/>
-            </a:schemeClr>
-          </a:lnRef>
-          <a:fillRef idx="1">
-            <a:schemeClr val="accent3"/>
-          </a:fillRef>
-          <a:effectRef idx="0">
-            <a:schemeClr val="accent3"/>
-          </a:effectRef>
-          <a:fontRef idx="minor">
-            <a:schemeClr val="lt1"/>
-          </a:fontRef>
-        </p:style>
-        <p:txBody>
-          <a:bodyPr rtlCol="0" anchor="ctr"/>
-          <a:lstStyle/>
-          <a:p>
-            <a:pPr algn="ctr"/>
-            <a:endParaRPr lang="en-GB"/>
-          </a:p>
-        </p:txBody>
-      </p:sp>
     </p:spTree>
     <p:extLst>
       <p:ext uri="{BB962C8B-B14F-4D97-AF65-F5344CB8AC3E}">
-        <p14:creationId xmlns:p14="http://schemas.microsoft.com/office/powerpoint/2010/main" val="1414320461"/>
+        <p14:creationId xmlns:p14="http://schemas.microsoft.com/office/powerpoint/2010/main" val="1431955434"/>
       </p:ext>
     </p:extLst>
   </p:cSld>
@@ -6888,6 +9501,484 @@
       </p:grpSpPr>
       <p:sp>
         <p:nvSpPr>
+          <p:cNvPr id="8" name="Text Placeholder 7">
+            <a:extLst>
+              <a:ext uri="{FF2B5EF4-FFF2-40B4-BE49-F238E27FC236}">
+                <a16:creationId xmlns:a16="http://schemas.microsoft.com/office/drawing/2014/main" xmlns="" id="{7C7B7B5E-EB63-48A8-BCF5-30057479D808}"/>
+              </a:ext>
+            </a:extLst>
+          </p:cNvPr>
+          <p:cNvSpPr>
+            <a:spLocks noGrp="1"/>
+          </p:cNvSpPr>
+          <p:nvPr>
+            <p:ph type="body" idx="1"/>
+          </p:nvPr>
+        </p:nvSpPr>
+        <p:spPr/>
+        <p:txBody>
+          <a:bodyPr>
+            <a:normAutofit/>
+          </a:bodyPr>
+          <a:lstStyle/>
+          <a:p>
+            <a:r>
+              <a:rPr lang="de-DE" sz="2800" dirty="0">
+                <a:solidFill>
+                  <a:schemeClr val="tx1"/>
+                </a:solidFill>
+              </a:rPr>
+              <a:t>Was </a:t>
+            </a:r>
+            <a:r>
+              <a:rPr lang="de-DE" sz="2800" dirty="0" smtClean="0">
+                <a:solidFill>
+                  <a:schemeClr val="tx1"/>
+                </a:solidFill>
+              </a:rPr>
+              <a:t>lief </a:t>
+            </a:r>
+            <a:r>
+              <a:rPr lang="de-DE" sz="2800" dirty="0">
+                <a:solidFill>
+                  <a:schemeClr val="tx1"/>
+                </a:solidFill>
+              </a:rPr>
+              <a:t>gut?</a:t>
+            </a:r>
+            <a:endParaRPr lang="en-GB" sz="2800" dirty="0">
+              <a:solidFill>
+                <a:schemeClr val="tx1"/>
+              </a:solidFill>
+            </a:endParaRPr>
+          </a:p>
+        </p:txBody>
+      </p:sp>
+      <p:sp>
+        <p:nvSpPr>
+          <p:cNvPr id="9" name="Content Placeholder 8">
+            <a:extLst>
+              <a:ext uri="{FF2B5EF4-FFF2-40B4-BE49-F238E27FC236}">
+                <a16:creationId xmlns:a16="http://schemas.microsoft.com/office/drawing/2014/main" xmlns="" id="{B69192B4-B668-4E8C-8C21-3A34BA8E13E7}"/>
+              </a:ext>
+            </a:extLst>
+          </p:cNvPr>
+          <p:cNvSpPr>
+            <a:spLocks noGrp="1"/>
+          </p:cNvSpPr>
+          <p:nvPr>
+            <p:ph sz="half" idx="2"/>
+          </p:nvPr>
+        </p:nvSpPr>
+        <p:spPr/>
+        <p:txBody>
+          <a:bodyPr/>
+          <a:lstStyle/>
+          <a:p>
+            <a:endParaRPr lang="de-DE" dirty="0">
+              <a:solidFill>
+                <a:schemeClr val="tx1"/>
+              </a:solidFill>
+            </a:endParaRPr>
+          </a:p>
+          <a:p>
+            <a:pPr marL="285750" indent="-285750">
+              <a:buFont typeface="Arial" panose="020B0604020202020204" pitchFamily="34" charset="0"/>
+              <a:buChar char="•"/>
+            </a:pPr>
+            <a:r>
+              <a:rPr lang="de-DE" sz="2400" dirty="0">
+                <a:solidFill>
+                  <a:schemeClr val="tx1"/>
+                </a:solidFill>
+              </a:rPr>
+              <a:t>Regelmäßig Treffen außerhalb der Vorlesung </a:t>
+            </a:r>
+          </a:p>
+          <a:p>
+            <a:pPr marL="285750" indent="-285750">
+              <a:buFont typeface="Arial" panose="020B0604020202020204" pitchFamily="34" charset="0"/>
+              <a:buChar char="•"/>
+            </a:pPr>
+            <a:r>
+              <a:rPr lang="de-DE" sz="2400" dirty="0">
+                <a:solidFill>
+                  <a:schemeClr val="tx1"/>
+                </a:solidFill>
+              </a:rPr>
+              <a:t>Gute Kommunikation über </a:t>
+            </a:r>
+            <a:r>
+              <a:rPr lang="de-DE" sz="2400" dirty="0" smtClean="0">
+                <a:solidFill>
+                  <a:schemeClr val="tx1"/>
+                </a:solidFill>
+              </a:rPr>
+              <a:t>WhatsApp</a:t>
+            </a:r>
+            <a:r>
+              <a:rPr lang="de-DE" sz="2400" dirty="0">
+                <a:solidFill>
+                  <a:schemeClr val="tx1"/>
+                </a:solidFill>
+              </a:rPr>
+              <a:t>, </a:t>
+            </a:r>
+            <a:r>
+              <a:rPr lang="de-DE" sz="2400" dirty="0" smtClean="0">
+                <a:solidFill>
+                  <a:schemeClr val="tx1"/>
+                </a:solidFill>
+              </a:rPr>
+              <a:t>Skype, </a:t>
+            </a:r>
+            <a:r>
+              <a:rPr lang="de-DE" sz="2400" dirty="0" err="1" smtClean="0">
+                <a:solidFill>
+                  <a:schemeClr val="tx1"/>
+                </a:solidFill>
+              </a:rPr>
+              <a:t>Slack</a:t>
+            </a:r>
+            <a:r>
+              <a:rPr lang="de-DE" sz="2400" dirty="0">
+                <a:solidFill>
+                  <a:schemeClr val="tx1"/>
+                </a:solidFill>
+              </a:rPr>
+              <a:t>, </a:t>
+            </a:r>
+            <a:r>
+              <a:rPr lang="de-DE" sz="2400" dirty="0" err="1">
+                <a:solidFill>
+                  <a:schemeClr val="tx1"/>
+                </a:solidFill>
+              </a:rPr>
+              <a:t>Trello</a:t>
+            </a:r>
+            <a:endParaRPr lang="de-DE" sz="2400" dirty="0">
+              <a:solidFill>
+                <a:schemeClr val="tx1"/>
+              </a:solidFill>
+            </a:endParaRPr>
+          </a:p>
+          <a:p>
+            <a:pPr marL="285750" indent="-285750">
+              <a:buFont typeface="Arial" panose="020B0604020202020204" pitchFamily="34" charset="0"/>
+              <a:buChar char="•"/>
+            </a:pPr>
+            <a:r>
+              <a:rPr lang="de-DE" sz="2400" dirty="0">
+                <a:solidFill>
+                  <a:schemeClr val="tx1"/>
+                </a:solidFill>
+              </a:rPr>
+              <a:t>Verteilung der Aufgaben  </a:t>
+            </a:r>
+            <a:r>
+              <a:rPr lang="de-DE" sz="2400" dirty="0" smtClean="0">
+                <a:solidFill>
+                  <a:schemeClr val="tx1"/>
+                </a:solidFill>
+              </a:rPr>
+              <a:t>und Teamarbeit</a:t>
+            </a:r>
+            <a:endParaRPr lang="de-DE" sz="2400" dirty="0">
+              <a:solidFill>
+                <a:schemeClr val="tx1"/>
+              </a:solidFill>
+            </a:endParaRPr>
+          </a:p>
+          <a:p>
+            <a:endParaRPr lang="en-GB" dirty="0">
+              <a:solidFill>
+                <a:schemeClr val="tx1"/>
+              </a:solidFill>
+            </a:endParaRPr>
+          </a:p>
+        </p:txBody>
+      </p:sp>
+      <p:sp>
+        <p:nvSpPr>
+          <p:cNvPr id="10" name="Text Placeholder 9">
+            <a:extLst>
+              <a:ext uri="{FF2B5EF4-FFF2-40B4-BE49-F238E27FC236}">
+                <a16:creationId xmlns:a16="http://schemas.microsoft.com/office/drawing/2014/main" xmlns="" id="{528A301B-E3B1-4B35-BE7D-F69C91D785D0}"/>
+              </a:ext>
+            </a:extLst>
+          </p:cNvPr>
+          <p:cNvSpPr>
+            <a:spLocks noGrp="1"/>
+          </p:cNvSpPr>
+          <p:nvPr>
+            <p:ph type="body" sz="quarter" idx="3"/>
+          </p:nvPr>
+        </p:nvSpPr>
+        <p:spPr/>
+        <p:txBody>
+          <a:bodyPr>
+            <a:normAutofit/>
+          </a:bodyPr>
+          <a:lstStyle/>
+          <a:p>
+            <a:r>
+              <a:rPr lang="de-DE" sz="2800" dirty="0">
+                <a:solidFill>
+                  <a:schemeClr val="tx1"/>
+                </a:solidFill>
+              </a:rPr>
+              <a:t>Was lief schlecht?</a:t>
+            </a:r>
+            <a:endParaRPr lang="en-GB" sz="2800" dirty="0">
+              <a:solidFill>
+                <a:schemeClr val="tx1"/>
+              </a:solidFill>
+            </a:endParaRPr>
+          </a:p>
+        </p:txBody>
+      </p:sp>
+      <p:sp>
+        <p:nvSpPr>
+          <p:cNvPr id="11" name="Content Placeholder 10">
+            <a:extLst>
+              <a:ext uri="{FF2B5EF4-FFF2-40B4-BE49-F238E27FC236}">
+                <a16:creationId xmlns:a16="http://schemas.microsoft.com/office/drawing/2014/main" xmlns="" id="{33DCA290-89C4-4275-A93D-319C803D2771}"/>
+              </a:ext>
+            </a:extLst>
+          </p:cNvPr>
+          <p:cNvSpPr>
+            <a:spLocks noGrp="1"/>
+          </p:cNvSpPr>
+          <p:nvPr>
+            <p:ph sz="quarter" idx="4"/>
+          </p:nvPr>
+        </p:nvSpPr>
+        <p:spPr>
+          <a:xfrm>
+            <a:off x="7818463" y="2146089"/>
+            <a:ext cx="3474720" cy="4023360"/>
+          </a:xfrm>
+        </p:spPr>
+        <p:txBody>
+          <a:bodyPr>
+            <a:normAutofit/>
+          </a:bodyPr>
+          <a:lstStyle/>
+          <a:p>
+            <a:r>
+              <a:rPr lang="en-GB" sz="2400" dirty="0" err="1" smtClean="0">
+                <a:solidFill>
+                  <a:schemeClr val="tx1"/>
+                </a:solidFill>
+              </a:rPr>
+              <a:t>Spärliche</a:t>
+            </a:r>
+            <a:r>
+              <a:rPr lang="en-GB" sz="2400" dirty="0" smtClean="0">
+                <a:solidFill>
+                  <a:schemeClr val="tx1"/>
+                </a:solidFill>
+              </a:rPr>
+              <a:t> </a:t>
+            </a:r>
+            <a:r>
+              <a:rPr lang="en-GB" sz="2400" dirty="0" err="1" smtClean="0">
+                <a:solidFill>
+                  <a:schemeClr val="tx1"/>
+                </a:solidFill>
+              </a:rPr>
+              <a:t>Informationen</a:t>
+            </a:r>
+            <a:r>
+              <a:rPr lang="en-GB" sz="2400" dirty="0" smtClean="0">
+                <a:solidFill>
+                  <a:schemeClr val="tx1"/>
+                </a:solidFill>
+              </a:rPr>
+              <a:t> </a:t>
+            </a:r>
+            <a:r>
+              <a:rPr lang="en-GB" sz="2400" dirty="0" err="1" smtClean="0">
+                <a:solidFill>
+                  <a:schemeClr val="tx1"/>
+                </a:solidFill>
+              </a:rPr>
+              <a:t>zu</a:t>
+            </a:r>
+            <a:r>
+              <a:rPr lang="en-GB" sz="2400" dirty="0" smtClean="0">
+                <a:solidFill>
+                  <a:schemeClr val="tx1"/>
+                </a:solidFill>
+              </a:rPr>
+              <a:t> den </a:t>
+            </a:r>
+            <a:r>
+              <a:rPr lang="en-GB" sz="2400" dirty="0" err="1" smtClean="0">
+                <a:solidFill>
+                  <a:schemeClr val="tx1"/>
+                </a:solidFill>
+              </a:rPr>
+              <a:t>Filtern</a:t>
+            </a:r>
+            <a:endParaRPr lang="en-GB" sz="2400" dirty="0">
+              <a:solidFill>
+                <a:schemeClr val="tx1"/>
+              </a:solidFill>
+            </a:endParaRPr>
+          </a:p>
+        </p:txBody>
+      </p:sp>
+      <p:sp>
+        <p:nvSpPr>
+          <p:cNvPr id="12" name="Arrow: Down 11">
+            <a:extLst>
+              <a:ext uri="{FF2B5EF4-FFF2-40B4-BE49-F238E27FC236}">
+                <a16:creationId xmlns:a16="http://schemas.microsoft.com/office/drawing/2014/main" xmlns="" id="{5F710989-371B-4482-A9BD-56DFD57DBD75}"/>
+              </a:ext>
+            </a:extLst>
+          </p:cNvPr>
+          <p:cNvSpPr/>
+          <p:nvPr/>
+        </p:nvSpPr>
+        <p:spPr>
+          <a:xfrm>
+            <a:off x="352840" y="2743200"/>
+            <a:ext cx="1091953" cy="1784412"/>
+          </a:xfrm>
+          <a:prstGeom prst="downArrow">
+            <a:avLst/>
+          </a:prstGeom>
+          <a:solidFill>
+            <a:schemeClr val="bg1"/>
+          </a:solidFill>
+          <a:ln>
+            <a:solidFill>
+              <a:schemeClr val="bg1"/>
+            </a:solidFill>
+          </a:ln>
+        </p:spPr>
+        <p:style>
+          <a:lnRef idx="2">
+            <a:schemeClr val="accent3">
+              <a:shade val="50000"/>
+            </a:schemeClr>
+          </a:lnRef>
+          <a:fillRef idx="1">
+            <a:schemeClr val="accent3"/>
+          </a:fillRef>
+          <a:effectRef idx="0">
+            <a:schemeClr val="accent3"/>
+          </a:effectRef>
+          <a:fontRef idx="minor">
+            <a:schemeClr val="lt1"/>
+          </a:fontRef>
+        </p:style>
+        <p:txBody>
+          <a:bodyPr rtlCol="0" anchor="ctr"/>
+          <a:lstStyle/>
+          <a:p>
+            <a:pPr algn="ctr"/>
+            <a:endParaRPr lang="en-GB"/>
+          </a:p>
+        </p:txBody>
+      </p:sp>
+      <p:sp>
+        <p:nvSpPr>
+          <p:cNvPr id="13" name="Arrow: Down 12">
+            <a:extLst>
+              <a:ext uri="{FF2B5EF4-FFF2-40B4-BE49-F238E27FC236}">
+                <a16:creationId xmlns:a16="http://schemas.microsoft.com/office/drawing/2014/main" xmlns="" id="{3C3CD861-7549-47BE-8D26-BF01FD79F024}"/>
+              </a:ext>
+            </a:extLst>
+          </p:cNvPr>
+          <p:cNvSpPr/>
+          <p:nvPr/>
+        </p:nvSpPr>
+        <p:spPr>
+          <a:xfrm rot="10800000">
+            <a:off x="1734584" y="2536794"/>
+            <a:ext cx="1091953" cy="1784412"/>
+          </a:xfrm>
+          <a:prstGeom prst="downArrow">
+            <a:avLst/>
+          </a:prstGeom>
+          <a:solidFill>
+            <a:schemeClr val="bg1"/>
+          </a:solidFill>
+          <a:ln>
+            <a:solidFill>
+              <a:schemeClr val="bg1"/>
+            </a:solidFill>
+          </a:ln>
+        </p:spPr>
+        <p:style>
+          <a:lnRef idx="2">
+            <a:schemeClr val="accent3">
+              <a:shade val="50000"/>
+            </a:schemeClr>
+          </a:lnRef>
+          <a:fillRef idx="1">
+            <a:schemeClr val="accent3"/>
+          </a:fillRef>
+          <a:effectRef idx="0">
+            <a:schemeClr val="accent3"/>
+          </a:effectRef>
+          <a:fontRef idx="minor">
+            <a:schemeClr val="lt1"/>
+          </a:fontRef>
+        </p:style>
+        <p:txBody>
+          <a:bodyPr rtlCol="0" anchor="ctr"/>
+          <a:lstStyle/>
+          <a:p>
+            <a:pPr algn="ctr"/>
+            <a:endParaRPr lang="en-GB"/>
+          </a:p>
+        </p:txBody>
+      </p:sp>
+    </p:spTree>
+    <p:extLst>
+      <p:ext uri="{BB962C8B-B14F-4D97-AF65-F5344CB8AC3E}">
+        <p14:creationId xmlns:p14="http://schemas.microsoft.com/office/powerpoint/2010/main" val="1414320461"/>
+      </p:ext>
+    </p:extLst>
+  </p:cSld>
+  <p:clrMapOvr>
+    <a:masterClrMapping/>
+  </p:clrMapOvr>
+  <p:transition spd="slow">
+    <p:push dir="u"/>
+  </p:transition>
+  <p:timing>
+    <p:tnLst>
+      <p:par>
+        <p:cTn id="1" dur="indefinite" restart="never" nodeType="tmRoot"/>
+      </p:par>
+    </p:tnLst>
+  </p:timing>
+</p:sld>
+</file>
+
+<file path=ppt/slides/slide7.xml><?xml version="1.0" encoding="utf-8"?>
+<p:sld xmlns:a="http://schemas.openxmlformats.org/drawingml/2006/main" xmlns:r="http://schemas.openxmlformats.org/officeDocument/2006/relationships" xmlns:p="http://schemas.openxmlformats.org/presentationml/2006/main">
+  <p:cSld>
+    <p:spTree>
+      <p:nvGrpSpPr>
+        <p:cNvPr id="1" name=""/>
+        <p:cNvGrpSpPr/>
+        <p:nvPr/>
+      </p:nvGrpSpPr>
+      <p:grpSpPr>
+        <a:xfrm>
+          <a:off x="0" y="0"/>
+          <a:ext cx="0" cy="0"/>
+          <a:chOff x="0" y="0"/>
+          <a:chExt cx="0" cy="0"/>
+        </a:xfrm>
+      </p:grpSpPr>
+      <p:sp>
+        <p:nvSpPr>
           <p:cNvPr id="11" name="Text Placeholder 10">
             <a:extLst>
               <a:ext uri="{FF2B5EF4-FFF2-40B4-BE49-F238E27FC236}">
@@ -7117,15 +10208,7 @@
                   <a:schemeClr val="tx1"/>
                 </a:solidFill>
               </a:rPr>
-              <a:t>Projekt </a:t>
-            </a:r>
-            <a:r>
-              <a:rPr lang="de-DE" dirty="0" smtClean="0">
-                <a:solidFill>
-                  <a:schemeClr val="tx1"/>
-                </a:solidFill>
-              </a:rPr>
-              <a:t>aktualisieren/</a:t>
+              <a:t>Projekt aktualisieren/</a:t>
             </a:r>
             <a:r>
               <a:rPr lang="de-DE" dirty="0" err="1" smtClean="0">
@@ -7141,15 +10224,7 @@
                   <a:schemeClr val="tx1"/>
                 </a:solidFill>
               </a:rPr>
-              <a:t>/Treffen </a:t>
-            </a:r>
-            <a:r>
-              <a:rPr lang="de-DE" dirty="0" smtClean="0">
-                <a:solidFill>
-                  <a:schemeClr val="tx1"/>
-                </a:solidFill>
-              </a:rPr>
-              <a:t>organisieren</a:t>
+              <a:t>/Treffen organisieren</a:t>
             </a:r>
             <a:endParaRPr lang="de-DE" dirty="0">
               <a:solidFill>
@@ -7361,7 +10436,7 @@
             <a:r>
               <a:rPr lang="en-GB" dirty="0" err="1" smtClean="0">
                 <a:solidFill>
-                  <a:srgbClr val="FF0000"/>
+                  <a:schemeClr val="tx1"/>
                 </a:solidFill>
               </a:rPr>
               <a:t>Erstellen</a:t>
@@ -7369,7 +10444,7 @@
             <a:r>
               <a:rPr lang="en-GB" dirty="0" smtClean="0">
                 <a:solidFill>
-                  <a:srgbClr val="FF0000"/>
+                  <a:schemeClr val="tx1"/>
                 </a:solidFill>
               </a:rPr>
               <a:t> </a:t>
@@ -7377,24 +10452,19 @@
             <a:r>
               <a:rPr lang="en-GB" dirty="0" err="1" smtClean="0">
                 <a:solidFill>
-                  <a:srgbClr val="FF0000"/>
-                </a:solidFill>
-              </a:rPr>
-              <a:t>eines</a:t>
+                  <a:schemeClr val="tx1"/>
+                </a:solidFill>
+              </a:rPr>
+              <a:t>einer</a:t>
             </a:r>
             <a:r>
               <a:rPr lang="en-GB" dirty="0" smtClean="0">
                 <a:solidFill>
-                  <a:srgbClr val="FF0000"/>
-                </a:solidFill>
-              </a:rPr>
-              <a:t> Videos</a:t>
-            </a:r>
-            <a:endParaRPr lang="de-DE" dirty="0">
-              <a:solidFill>
-                <a:srgbClr val="FF0000"/>
-              </a:solidFill>
-            </a:endParaRPr>
+                  <a:schemeClr val="tx1"/>
+                </a:solidFill>
+              </a:rPr>
+              <a:t> Demonstration</a:t>
+            </a:r>
           </a:p>
         </p:txBody>
       </p:sp>
@@ -7457,7 +10527,7 @@
 </p:sld>
 </file>
 
-<file path=ppt/slides/slide7.xml><?xml version="1.0" encoding="utf-8"?>
+<file path=ppt/slides/slide8.xml><?xml version="1.0" encoding="utf-8"?>
 <p:sld xmlns:a="http://schemas.openxmlformats.org/drawingml/2006/main" xmlns:r="http://schemas.openxmlformats.org/officeDocument/2006/relationships" xmlns:p="http://schemas.openxmlformats.org/presentationml/2006/main">
   <p:cSld>
     <p:spTree>
@@ -7510,6 +10580,28 @@
                 <a:cs typeface="Times New Roman" panose="02020603050405020304" pitchFamily="18" charset="0"/>
               </a:rPr>
               <a:t>Poster für die PED 2018</a:t>
+            </a:r>
+          </a:p>
+          <a:p>
+            <a:r>
+              <a:rPr lang="de-DE" sz="2400" dirty="0" smtClean="0">
+                <a:solidFill>
+                  <a:schemeClr val="tx1"/>
+                </a:solidFill>
+                <a:cs typeface="Times New Roman" panose="02020603050405020304" pitchFamily="18" charset="0"/>
+              </a:rPr>
+              <a:t>Erstellen eines Videos für </a:t>
+            </a:r>
+          </a:p>
+          <a:p>
+            <a:r>
+              <a:rPr lang="de-DE" sz="2400" dirty="0" smtClean="0">
+                <a:solidFill>
+                  <a:schemeClr val="tx1"/>
+                </a:solidFill>
+                <a:cs typeface="Times New Roman" panose="02020603050405020304" pitchFamily="18" charset="0"/>
+              </a:rPr>
+              <a:t>Erstellen einer Demo für den Studieninformationstag</a:t>
             </a:r>
             <a:endParaRPr lang="en-GB" sz="2400" dirty="0"/>
           </a:p>
@@ -7640,339 +10732,40 @@
           </a:prstGeom>
         </p:spPr>
       </p:pic>
+      <p:pic>
+        <p:nvPicPr>
+          <p:cNvPr id="3" name="Grafik 2"/>
+          <p:cNvPicPr>
+            <a:picLocks noChangeAspect="1"/>
+          </p:cNvPicPr>
+          <p:nvPr/>
+        </p:nvPicPr>
+        <p:blipFill>
+          <a:blip r:embed="rId4">
+            <a:extLst>
+              <a:ext uri="{28A0092B-C50C-407E-A947-70E740481C1C}">
+                <a14:useLocalDpi xmlns:a14="http://schemas.microsoft.com/office/drawing/2010/main" val="0"/>
+              </a:ext>
+            </a:extLst>
+          </a:blip>
+          <a:stretch>
+            <a:fillRect/>
+          </a:stretch>
+        </p:blipFill>
+        <p:spPr>
+          <a:xfrm>
+            <a:off x="7373768" y="3322130"/>
+            <a:ext cx="1790700" cy="314325"/>
+          </a:xfrm>
+          <a:prstGeom prst="rect">
+            <a:avLst/>
+          </a:prstGeom>
+        </p:spPr>
+      </p:pic>
     </p:spTree>
     <p:extLst>
       <p:ext uri="{BB962C8B-B14F-4D97-AF65-F5344CB8AC3E}">
         <p14:creationId xmlns:p14="http://schemas.microsoft.com/office/powerpoint/2010/main" val="2687654134"/>
-      </p:ext>
-    </p:extLst>
-  </p:cSld>
-  <p:clrMapOvr>
-    <a:masterClrMapping/>
-  </p:clrMapOvr>
-  <p:transition spd="slow">
-    <p:push dir="u"/>
-  </p:transition>
-  <p:timing>
-    <p:tnLst>
-      <p:par>
-        <p:cTn id="1" dur="indefinite" restart="never" nodeType="tmRoot"/>
-      </p:par>
-    </p:tnLst>
-  </p:timing>
-</p:sld>
-</file>
-
-<file path=ppt/slides/slide8.xml><?xml version="1.0" encoding="utf-8"?>
-<p:sld xmlns:a="http://schemas.openxmlformats.org/drawingml/2006/main" xmlns:r="http://schemas.openxmlformats.org/officeDocument/2006/relationships" xmlns:p="http://schemas.openxmlformats.org/presentationml/2006/main">
-  <p:cSld>
-    <p:spTree>
-      <p:nvGrpSpPr>
-        <p:cNvPr id="1" name=""/>
-        <p:cNvGrpSpPr/>
-        <p:nvPr/>
-      </p:nvGrpSpPr>
-      <p:grpSpPr>
-        <a:xfrm>
-          <a:off x="0" y="0"/>
-          <a:ext cx="0" cy="0"/>
-          <a:chOff x="0" y="0"/>
-          <a:chExt cx="0" cy="0"/>
-        </a:xfrm>
-      </p:grpSpPr>
-      <p:sp>
-        <p:nvSpPr>
-          <p:cNvPr id="2" name="Title 6">
-            <a:extLst>
-              <a:ext uri="{FF2B5EF4-FFF2-40B4-BE49-F238E27FC236}">
-                <a16:creationId xmlns:a16="http://schemas.microsoft.com/office/drawing/2014/main" xmlns="" id="{04F78A0C-BF40-4E0B-9FA4-AAAA57E3C4EF}"/>
-              </a:ext>
-            </a:extLst>
-          </p:cNvPr>
-          <p:cNvSpPr txBox="1">
-            <a:spLocks noGrp="1"/>
-          </p:cNvSpPr>
-          <p:nvPr>
-            <p:ph type="title"/>
-          </p:nvPr>
-        </p:nvSpPr>
-        <p:spPr/>
-        <p:txBody>
-          <a:bodyPr>
-            <a:normAutofit/>
-          </a:bodyPr>
-          <a:lstStyle/>
-          <a:p>
-            <a:pPr lvl="0" algn="ctr"/>
-            <a:r>
-              <a:rPr lang="en-GB" sz="2800" dirty="0" smtClean="0"/>
-              <a:t>%</a:t>
-            </a:r>
-            <a:endParaRPr lang="en-GB" sz="2800" dirty="0"/>
-          </a:p>
-        </p:txBody>
-      </p:sp>
-      <p:sp>
-        <p:nvSpPr>
-          <p:cNvPr id="3" name="Content Placeholder 7">
-            <a:extLst>
-              <a:ext uri="{FF2B5EF4-FFF2-40B4-BE49-F238E27FC236}">
-                <a16:creationId xmlns:a16="http://schemas.microsoft.com/office/drawing/2014/main" xmlns="" id="{3A52400E-A01D-4CCF-8280-EBE32B011F8E}"/>
-              </a:ext>
-            </a:extLst>
-          </p:cNvPr>
-          <p:cNvSpPr txBox="1">
-            <a:spLocks noGrp="1"/>
-          </p:cNvSpPr>
-          <p:nvPr>
-            <p:ph idx="1"/>
-          </p:nvPr>
-        </p:nvSpPr>
-        <p:spPr>
-          <a:xfrm>
-            <a:off x="3869268" y="174811"/>
-            <a:ext cx="7315200" cy="5984748"/>
-          </a:xfrm>
-        </p:spPr>
-        <p:txBody>
-          <a:bodyPr>
-            <a:normAutofit fontScale="92500" lnSpcReduction="10000"/>
-          </a:bodyPr>
-          <a:lstStyle/>
-          <a:p>
-            <a:pPr marL="0" lvl="0" indent="0">
-              <a:lnSpc>
-                <a:spcPct val="200000"/>
-              </a:lnSpc>
-              <a:buNone/>
-            </a:pPr>
-            <a:r>
-              <a:rPr lang="de-DE" sz="2800" dirty="0">
-                <a:solidFill>
-                  <a:schemeClr val="tx1"/>
-                </a:solidFill>
-              </a:rPr>
-              <a:t>Selbsteinschätzung:</a:t>
-            </a:r>
-          </a:p>
-          <a:p>
-            <a:pPr lvl="0"/>
-            <a:r>
-              <a:rPr lang="de-DE" dirty="0" smtClean="0">
-                <a:solidFill>
-                  <a:schemeClr val="tx1"/>
-                </a:solidFill>
-              </a:rPr>
-              <a:t>Recherche über die Filter der Datenvorverarbeitung</a:t>
-            </a:r>
-            <a:endParaRPr lang="de-DE" dirty="0">
-              <a:solidFill>
-                <a:schemeClr val="tx1"/>
-              </a:solidFill>
-            </a:endParaRPr>
-          </a:p>
-          <a:p>
-            <a:pPr lvl="0"/>
-            <a:r>
-              <a:rPr lang="de-DE" dirty="0" smtClean="0">
-                <a:solidFill>
-                  <a:schemeClr val="tx1"/>
-                </a:solidFill>
-              </a:rPr>
-              <a:t>Implementierung der Filter</a:t>
-            </a:r>
-          </a:p>
-          <a:p>
-            <a:pPr lvl="0"/>
-            <a:r>
-              <a:rPr lang="de-DE" dirty="0" smtClean="0">
-                <a:solidFill>
-                  <a:schemeClr val="tx1"/>
-                </a:solidFill>
-              </a:rPr>
-              <a:t>Erstellen einer Dokumentation für die Skripte</a:t>
-            </a:r>
-            <a:endParaRPr lang="de-DE" dirty="0">
-              <a:solidFill>
-                <a:schemeClr val="tx1"/>
-              </a:solidFill>
-            </a:endParaRPr>
-          </a:p>
-          <a:p>
-            <a:pPr lvl="0"/>
-            <a:r>
-              <a:rPr lang="de-DE" dirty="0" smtClean="0">
-                <a:solidFill>
-                  <a:schemeClr val="tx1"/>
-                </a:solidFill>
-              </a:rPr>
-              <a:t>Verteilung der Personen bei der Automatisierung der Simulation</a:t>
-            </a:r>
-            <a:endParaRPr lang="de-DE" dirty="0">
-              <a:solidFill>
-                <a:schemeClr val="tx1"/>
-              </a:solidFill>
-            </a:endParaRPr>
-          </a:p>
-          <a:p>
-            <a:pPr lvl="0"/>
-            <a:r>
-              <a:rPr lang="de-DE" dirty="0" smtClean="0">
-                <a:solidFill>
-                  <a:schemeClr val="tx1"/>
-                </a:solidFill>
-              </a:rPr>
-              <a:t>Testen der Software</a:t>
-            </a:r>
-            <a:endParaRPr lang="de-DE" dirty="0">
-              <a:solidFill>
-                <a:schemeClr val="tx1"/>
-              </a:solidFill>
-            </a:endParaRPr>
-          </a:p>
-          <a:p>
-            <a:pPr lvl="0"/>
-            <a:r>
-              <a:rPr lang="de-DE" dirty="0" smtClean="0">
-                <a:solidFill>
-                  <a:schemeClr val="tx1"/>
-                </a:solidFill>
-              </a:rPr>
-              <a:t>Datengenerierung</a:t>
-            </a:r>
-          </a:p>
-          <a:p>
-            <a:pPr lvl="0"/>
-            <a:r>
-              <a:rPr lang="de-DE" dirty="0" smtClean="0">
-                <a:solidFill>
-                  <a:schemeClr val="tx1"/>
-                </a:solidFill>
-              </a:rPr>
-              <a:t>Erstellen eines Technischen Berichts</a:t>
-            </a:r>
-          </a:p>
-          <a:p>
-            <a:pPr lvl="0"/>
-            <a:r>
-              <a:rPr lang="de-DE" dirty="0" smtClean="0">
-                <a:solidFill>
-                  <a:schemeClr val="tx1"/>
-                </a:solidFill>
-              </a:rPr>
-              <a:t>Aufbereitung der Daten nach Vorgaben des Fraunhofer Instituts</a:t>
-            </a:r>
-          </a:p>
-          <a:p>
-            <a:pPr lvl="0"/>
-            <a:r>
-              <a:rPr lang="de-DE" dirty="0" smtClean="0">
-                <a:solidFill>
-                  <a:srgbClr val="FF0000"/>
-                </a:solidFill>
-              </a:rPr>
-              <a:t>Erstellen eines Videos</a:t>
-            </a:r>
-          </a:p>
-          <a:p>
-            <a:pPr lvl="0"/>
-            <a:r>
-              <a:rPr lang="de-DE" dirty="0" smtClean="0">
-                <a:solidFill>
-                  <a:schemeClr val="tx1"/>
-                </a:solidFill>
-              </a:rPr>
-              <a:t>Aufbereitung der Daten, dass sie denen von Kameras ähneln</a:t>
-            </a:r>
-          </a:p>
-          <a:p>
-            <a:pPr lvl="0"/>
-            <a:r>
-              <a:rPr lang="de-DE" dirty="0" smtClean="0">
-                <a:solidFill>
-                  <a:schemeClr val="tx1"/>
-                </a:solidFill>
-              </a:rPr>
-              <a:t>Modellieren &amp; simulieren realistischer, variantenreicher Szenarien</a:t>
-            </a:r>
-          </a:p>
-          <a:p>
-            <a:pPr lvl="0"/>
-            <a:r>
-              <a:rPr lang="de-DE" dirty="0" smtClean="0">
-                <a:solidFill>
-                  <a:schemeClr val="tx1"/>
-                </a:solidFill>
-              </a:rPr>
-              <a:t>Aktualisieren des </a:t>
-            </a:r>
-            <a:r>
-              <a:rPr lang="de-DE" dirty="0" err="1" smtClean="0">
-                <a:solidFill>
-                  <a:schemeClr val="tx1"/>
-                </a:solidFill>
-              </a:rPr>
-              <a:t>Trello</a:t>
-            </a:r>
-            <a:r>
-              <a:rPr lang="de-DE" dirty="0" smtClean="0">
-                <a:solidFill>
-                  <a:schemeClr val="tx1"/>
-                </a:solidFill>
-              </a:rPr>
-              <a:t> Projektes/</a:t>
-            </a:r>
-            <a:r>
-              <a:rPr lang="de-DE" dirty="0" err="1" smtClean="0">
-                <a:solidFill>
-                  <a:schemeClr val="tx1"/>
-                </a:solidFill>
-              </a:rPr>
-              <a:t>Repos</a:t>
-            </a:r>
-            <a:r>
-              <a:rPr lang="de-DE" dirty="0" smtClean="0">
-                <a:solidFill>
-                  <a:schemeClr val="tx1"/>
-                </a:solidFill>
-              </a:rPr>
-              <a:t>/Organisation der Treffen</a:t>
-            </a:r>
-            <a:endParaRPr lang="de-DE" dirty="0">
-              <a:solidFill>
-                <a:schemeClr val="tx1"/>
-              </a:solidFill>
-            </a:endParaRPr>
-          </a:p>
-          <a:p>
-            <a:r>
-              <a:rPr lang="de-DE" dirty="0" err="1" smtClean="0">
-                <a:solidFill>
-                  <a:schemeClr val="tx1"/>
-                </a:solidFill>
-              </a:rPr>
-              <a:t>Scrum</a:t>
-            </a:r>
-            <a:r>
-              <a:rPr lang="de-DE" dirty="0" smtClean="0">
-                <a:solidFill>
-                  <a:schemeClr val="tx1"/>
-                </a:solidFill>
-              </a:rPr>
-              <a:t> Master</a:t>
-            </a:r>
-            <a:endParaRPr lang="de-DE" dirty="0">
-              <a:solidFill>
-                <a:schemeClr val="tx1"/>
-              </a:solidFill>
-            </a:endParaRPr>
-          </a:p>
-        </p:txBody>
-      </p:sp>
-    </p:spTree>
-    <p:extLst>
-      <p:ext uri="{BB962C8B-B14F-4D97-AF65-F5344CB8AC3E}">
-        <p14:creationId xmlns:p14="http://schemas.microsoft.com/office/powerpoint/2010/main" val="74454998"/>
       </p:ext>
     </p:extLst>
   </p:cSld>
@@ -8011,38 +10804,281 @@
       </p:grpSpPr>
       <p:sp>
         <p:nvSpPr>
-          <p:cNvPr id="2" name="Titel 1"/>
-          <p:cNvSpPr>
-            <a:spLocks noGrp="1"/>
-          </p:cNvSpPr>
-          <p:nvPr>
-            <p:ph type="ctrTitle"/>
+          <p:cNvPr id="2" name="Title 6">
+            <a:extLst>
+              <a:ext uri="{FF2B5EF4-FFF2-40B4-BE49-F238E27FC236}">
+                <a16:creationId xmlns:a16="http://schemas.microsoft.com/office/drawing/2014/main" xmlns="" id="{04F78A0C-BF40-4E0B-9FA4-AAAA57E3C4EF}"/>
+              </a:ext>
+            </a:extLst>
+          </p:cNvPr>
+          <p:cNvSpPr txBox="1">
+            <a:spLocks noGrp="1"/>
+          </p:cNvSpPr>
+          <p:nvPr>
+            <p:ph type="title"/>
           </p:nvPr>
         </p:nvSpPr>
         <p:spPr/>
         <p:txBody>
           <a:bodyPr>
-            <a:noAutofit/>
+            <a:normAutofit/>
           </a:bodyPr>
           <a:lstStyle/>
           <a:p>
-            <a:pPr algn="l"/>
-            <a:r>
-              <a:rPr lang="de-DE" sz="7000" dirty="0">
-                <a:solidFill>
-                  <a:schemeClr val="bg1"/>
-                </a:solidFill>
-                <a:cs typeface="Times New Roman" panose="02020603050405020304" pitchFamily="18" charset="0"/>
-              </a:rPr>
-              <a:t>Julian</a:t>
-            </a:r>
+            <a:pPr lvl="0" algn="ctr"/>
+            <a:r>
+              <a:rPr lang="en-GB" sz="2800" dirty="0" smtClean="0"/>
+              <a:t>%</a:t>
+            </a:r>
+            <a:endParaRPr lang="en-GB" sz="2800" dirty="0"/>
+          </a:p>
+        </p:txBody>
+      </p:sp>
+      <p:sp>
+        <p:nvSpPr>
+          <p:cNvPr id="3" name="Content Placeholder 7">
+            <a:extLst>
+              <a:ext uri="{FF2B5EF4-FFF2-40B4-BE49-F238E27FC236}">
+                <a16:creationId xmlns:a16="http://schemas.microsoft.com/office/drawing/2014/main" xmlns="" id="{3A52400E-A01D-4CCF-8280-EBE32B011F8E}"/>
+              </a:ext>
+            </a:extLst>
+          </p:cNvPr>
+          <p:cNvSpPr txBox="1">
+            <a:spLocks noGrp="1"/>
+          </p:cNvSpPr>
+          <p:nvPr>
+            <p:ph idx="1"/>
+          </p:nvPr>
+        </p:nvSpPr>
+        <p:spPr>
+          <a:xfrm>
+            <a:off x="3869268" y="174811"/>
+            <a:ext cx="7315200" cy="5984748"/>
+          </a:xfrm>
+        </p:spPr>
+        <p:txBody>
+          <a:bodyPr>
+            <a:normAutofit fontScale="92500" lnSpcReduction="10000"/>
+          </a:bodyPr>
+          <a:lstStyle/>
+          <a:p>
+            <a:pPr marL="0" lvl="0" indent="0">
+              <a:lnSpc>
+                <a:spcPct val="200000"/>
+              </a:lnSpc>
+              <a:buNone/>
+            </a:pPr>
+            <a:r>
+              <a:rPr lang="de-DE" sz="2800" dirty="0">
+                <a:solidFill>
+                  <a:schemeClr val="tx1"/>
+                </a:solidFill>
+              </a:rPr>
+              <a:t>Selbsteinschätzung:</a:t>
+            </a:r>
+          </a:p>
+          <a:p>
+            <a:pPr lvl="0"/>
+            <a:r>
+              <a:rPr lang="de-DE" dirty="0" smtClean="0">
+                <a:solidFill>
+                  <a:schemeClr val="tx1"/>
+                </a:solidFill>
+              </a:rPr>
+              <a:t>Recherche über die Filter der Datenvorverarbeitung</a:t>
+            </a:r>
+            <a:endParaRPr lang="de-DE" dirty="0">
+              <a:solidFill>
+                <a:schemeClr val="tx1"/>
+              </a:solidFill>
+            </a:endParaRPr>
+          </a:p>
+          <a:p>
+            <a:pPr lvl="0"/>
+            <a:r>
+              <a:rPr lang="de-DE" dirty="0" smtClean="0">
+                <a:solidFill>
+                  <a:schemeClr val="tx1"/>
+                </a:solidFill>
+              </a:rPr>
+              <a:t>Implementierung der Filter</a:t>
+            </a:r>
+          </a:p>
+          <a:p>
+            <a:pPr lvl="0"/>
+            <a:r>
+              <a:rPr lang="de-DE" dirty="0" smtClean="0">
+                <a:solidFill>
+                  <a:schemeClr val="tx1"/>
+                </a:solidFill>
+              </a:rPr>
+              <a:t>Erstellen einer Dokumentation für die Skripte</a:t>
+            </a:r>
+            <a:endParaRPr lang="de-DE" dirty="0">
+              <a:solidFill>
+                <a:schemeClr val="tx1"/>
+              </a:solidFill>
+            </a:endParaRPr>
+          </a:p>
+          <a:p>
+            <a:pPr lvl="0"/>
+            <a:r>
+              <a:rPr lang="de-DE" dirty="0" smtClean="0">
+                <a:solidFill>
+                  <a:schemeClr val="tx1"/>
+                </a:solidFill>
+              </a:rPr>
+              <a:t>Verteilung der Personen bei der Automatisierung der Simulation</a:t>
+            </a:r>
+            <a:endParaRPr lang="de-DE" dirty="0">
+              <a:solidFill>
+                <a:schemeClr val="tx1"/>
+              </a:solidFill>
+            </a:endParaRPr>
+          </a:p>
+          <a:p>
+            <a:pPr lvl="0"/>
+            <a:r>
+              <a:rPr lang="de-DE" dirty="0" smtClean="0">
+                <a:solidFill>
+                  <a:schemeClr val="tx1"/>
+                </a:solidFill>
+              </a:rPr>
+              <a:t>Testen der Software</a:t>
+            </a:r>
+            <a:endParaRPr lang="de-DE" dirty="0">
+              <a:solidFill>
+                <a:schemeClr val="tx1"/>
+              </a:solidFill>
+            </a:endParaRPr>
+          </a:p>
+          <a:p>
+            <a:pPr lvl="0"/>
+            <a:r>
+              <a:rPr lang="de-DE" dirty="0" smtClean="0">
+                <a:solidFill>
+                  <a:schemeClr val="tx1"/>
+                </a:solidFill>
+              </a:rPr>
+              <a:t>Datengenerierung</a:t>
+            </a:r>
+          </a:p>
+          <a:p>
+            <a:pPr lvl="0"/>
+            <a:r>
+              <a:rPr lang="de-DE" dirty="0" smtClean="0">
+                <a:solidFill>
+                  <a:schemeClr val="tx1"/>
+                </a:solidFill>
+              </a:rPr>
+              <a:t>Erstellen eines Technischen Berichts</a:t>
+            </a:r>
+          </a:p>
+          <a:p>
+            <a:pPr lvl="0"/>
+            <a:r>
+              <a:rPr lang="de-DE" dirty="0" smtClean="0">
+                <a:solidFill>
+                  <a:schemeClr val="tx1"/>
+                </a:solidFill>
+              </a:rPr>
+              <a:t>Aufbereitung der Daten nach Vorgaben des Fraunhofer Instituts</a:t>
+            </a:r>
+            <a:endParaRPr lang="de-DE" dirty="0" smtClean="0">
+              <a:solidFill>
+                <a:srgbClr val="FF0000"/>
+              </a:solidFill>
+            </a:endParaRPr>
+          </a:p>
+          <a:p>
+            <a:pPr lvl="0"/>
+            <a:r>
+              <a:rPr lang="de-DE" dirty="0" smtClean="0">
+                <a:solidFill>
+                  <a:schemeClr val="tx1"/>
+                </a:solidFill>
+              </a:rPr>
+              <a:t>Aufbereitung der Daten, dass sie denen von Kameras ähneln</a:t>
+            </a:r>
+          </a:p>
+          <a:p>
+            <a:pPr lvl="0"/>
+            <a:r>
+              <a:rPr lang="de-DE" dirty="0" smtClean="0">
+                <a:solidFill>
+                  <a:schemeClr val="tx1"/>
+                </a:solidFill>
+              </a:rPr>
+              <a:t>Modellieren &amp; simulieren realistischer, variantenreicher Szenarien</a:t>
+            </a:r>
+          </a:p>
+          <a:p>
+            <a:pPr lvl="0"/>
+            <a:r>
+              <a:rPr lang="de-DE" dirty="0" smtClean="0">
+                <a:solidFill>
+                  <a:schemeClr val="tx1"/>
+                </a:solidFill>
+              </a:rPr>
+              <a:t>Aktualisieren des Trello Projektes/</a:t>
+            </a:r>
+            <a:r>
+              <a:rPr lang="de-DE" dirty="0" err="1" smtClean="0">
+                <a:solidFill>
+                  <a:schemeClr val="tx1"/>
+                </a:solidFill>
+              </a:rPr>
+              <a:t>Repos</a:t>
+            </a:r>
+            <a:r>
+              <a:rPr lang="de-DE" dirty="0" smtClean="0">
+                <a:solidFill>
+                  <a:schemeClr val="tx1"/>
+                </a:solidFill>
+              </a:rPr>
+              <a:t>/Organisation der Treffen</a:t>
+            </a:r>
+          </a:p>
+          <a:p>
+            <a:pPr lvl="0"/>
+            <a:r>
+              <a:rPr lang="de-DE" dirty="0" smtClean="0">
+                <a:solidFill>
+                  <a:schemeClr val="tx1"/>
+                </a:solidFill>
+              </a:rPr>
+              <a:t>Erstellen einer Demo</a:t>
+            </a:r>
+          </a:p>
+          <a:p>
+            <a:r>
+              <a:rPr lang="de-DE" dirty="0" err="1" smtClean="0">
+                <a:solidFill>
+                  <a:schemeClr val="tx1"/>
+                </a:solidFill>
+              </a:rPr>
+              <a:t>Scrum</a:t>
+            </a:r>
+            <a:r>
+              <a:rPr lang="de-DE" dirty="0" smtClean="0">
+                <a:solidFill>
+                  <a:schemeClr val="tx1"/>
+                </a:solidFill>
+              </a:rPr>
+              <a:t> Master</a:t>
+            </a:r>
+            <a:endParaRPr lang="de-DE" dirty="0">
+              <a:solidFill>
+                <a:schemeClr val="tx1"/>
+              </a:solidFill>
+            </a:endParaRPr>
           </a:p>
         </p:txBody>
       </p:sp>
     </p:spTree>
     <p:extLst>
       <p:ext uri="{BB962C8B-B14F-4D97-AF65-F5344CB8AC3E}">
-        <p14:creationId xmlns:p14="http://schemas.microsoft.com/office/powerpoint/2010/main" val="1466206927"/>
+        <p14:creationId xmlns:p14="http://schemas.microsoft.com/office/powerpoint/2010/main" val="74454998"/>
       </p:ext>
     </p:extLst>
   </p:cSld>

--- a/presentations/Sprint 2/Datenerzeugung und Datenanalyse_Sprint2_formatiert.pptx
+++ b/presentations/Sprint 2/Datenerzeugung und Datenanalyse_Sprint2_formatiert.pptx
@@ -5,7 +5,7 @@
     <p:sldMasterId id="2147483677" r:id="rId1"/>
   </p:sldMasterIdLst>
   <p:notesMasterIdLst>
-    <p:notesMasterId r:id="rId27"/>
+    <p:notesMasterId r:id="rId31"/>
   </p:notesMasterIdLst>
   <p:sldIdLst>
     <p:sldId id="309" r:id="rId2"/>
@@ -21,18 +21,22 @@
     <p:sldId id="330" r:id="rId12"/>
     <p:sldId id="323" r:id="rId13"/>
     <p:sldId id="331" r:id="rId14"/>
-    <p:sldId id="324" r:id="rId15"/>
-    <p:sldId id="332" r:id="rId16"/>
-    <p:sldId id="325" r:id="rId17"/>
-    <p:sldId id="333" r:id="rId18"/>
-    <p:sldId id="326" r:id="rId19"/>
-    <p:sldId id="334" r:id="rId20"/>
-    <p:sldId id="327" r:id="rId21"/>
-    <p:sldId id="335" r:id="rId22"/>
-    <p:sldId id="328" r:id="rId23"/>
-    <p:sldId id="338" r:id="rId24"/>
-    <p:sldId id="337" r:id="rId25"/>
-    <p:sldId id="336" r:id="rId26"/>
+    <p:sldId id="340" r:id="rId15"/>
+    <p:sldId id="339" r:id="rId16"/>
+    <p:sldId id="342" r:id="rId17"/>
+    <p:sldId id="341" r:id="rId18"/>
+    <p:sldId id="324" r:id="rId19"/>
+    <p:sldId id="332" r:id="rId20"/>
+    <p:sldId id="325" r:id="rId21"/>
+    <p:sldId id="333" r:id="rId22"/>
+    <p:sldId id="326" r:id="rId23"/>
+    <p:sldId id="334" r:id="rId24"/>
+    <p:sldId id="327" r:id="rId25"/>
+    <p:sldId id="335" r:id="rId26"/>
+    <p:sldId id="328" r:id="rId27"/>
+    <p:sldId id="338" r:id="rId28"/>
+    <p:sldId id="337" r:id="rId29"/>
+    <p:sldId id="336" r:id="rId30"/>
   </p:sldIdLst>
   <p:sldSz cx="12192000" cy="6858000"/>
   <p:notesSz cx="6858000" cy="9144000"/>
@@ -228,7 +232,7 @@
           <a:p>
             <a:fld id="{BD50FA3B-8C2A-45ED-9DC5-CB3028ABFCB7}" type="datetimeFigureOut">
               <a:rPr lang="de-DE" smtClean="0"/>
-              <a:t>10.12.2017</a:t>
+              <a:t>11.12.17</a:t>
             </a:fld>
             <a:endParaRPr lang="de-DE"/>
           </a:p>
@@ -728,7 +732,7 @@
           <a:p>
             <a:fld id="{9246EBA2-7F35-4B7B-BE0F-6CB1169C1171}" type="slidenum">
               <a:rPr lang="de-DE" smtClean="0"/>
-              <a:t>14</a:t>
+              <a:t>18</a:t>
             </a:fld>
             <a:endParaRPr lang="de-DE"/>
           </a:p>
@@ -812,7 +816,7 @@
           <a:p>
             <a:fld id="{9246EBA2-7F35-4B7B-BE0F-6CB1169C1171}" type="slidenum">
               <a:rPr lang="de-DE" smtClean="0"/>
-              <a:t>16</a:t>
+              <a:t>20</a:t>
             </a:fld>
             <a:endParaRPr lang="de-DE"/>
           </a:p>
@@ -896,7 +900,7 @@
           <a:p>
             <a:fld id="{9246EBA2-7F35-4B7B-BE0F-6CB1169C1171}" type="slidenum">
               <a:rPr lang="de-DE" smtClean="0"/>
-              <a:t>18</a:t>
+              <a:t>22</a:t>
             </a:fld>
             <a:endParaRPr lang="de-DE"/>
           </a:p>
@@ -980,7 +984,7 @@
           <a:p>
             <a:fld id="{9246EBA2-7F35-4B7B-BE0F-6CB1169C1171}" type="slidenum">
               <a:rPr lang="de-DE" smtClean="0"/>
-              <a:t>20</a:t>
+              <a:t>24</a:t>
             </a:fld>
             <a:endParaRPr lang="de-DE"/>
           </a:p>
@@ -1064,7 +1068,7 @@
           <a:p>
             <a:fld id="{9246EBA2-7F35-4B7B-BE0F-6CB1169C1171}" type="slidenum">
               <a:rPr lang="de-DE" smtClean="0"/>
-              <a:t>22</a:t>
+              <a:t>26</a:t>
             </a:fld>
             <a:endParaRPr lang="de-DE"/>
           </a:p>
@@ -2007,7 +2011,7 @@
           <a:p>
             <a:fld id="{26D84DCC-459A-439E-AA34-F06534B95DC9}" type="datetimeFigureOut">
               <a:rPr lang="de-DE" smtClean="0"/>
-              <a:t>10.12.2017</a:t>
+              <a:t>11.12.17</a:t>
             </a:fld>
             <a:endParaRPr lang="de-DE"/>
           </a:p>
@@ -2177,7 +2181,7 @@
           <a:p>
             <a:fld id="{26D84DCC-459A-439E-AA34-F06534B95DC9}" type="datetimeFigureOut">
               <a:rPr lang="de-DE" smtClean="0"/>
-              <a:t>10.12.2017</a:t>
+              <a:t>11.12.17</a:t>
             </a:fld>
             <a:endParaRPr lang="de-DE"/>
           </a:p>
@@ -2357,7 +2361,7 @@
           <a:p>
             <a:fld id="{26D84DCC-459A-439E-AA34-F06534B95DC9}" type="datetimeFigureOut">
               <a:rPr lang="de-DE" smtClean="0"/>
-              <a:t>10.12.2017</a:t>
+              <a:t>11.12.17</a:t>
             </a:fld>
             <a:endParaRPr lang="de-DE"/>
           </a:p>
@@ -2527,7 +2531,7 @@
           <a:p>
             <a:fld id="{26D84DCC-459A-439E-AA34-F06534B95DC9}" type="datetimeFigureOut">
               <a:rPr lang="de-DE" smtClean="0"/>
-              <a:t>10.12.2017</a:t>
+              <a:t>11.12.17</a:t>
             </a:fld>
             <a:endParaRPr lang="de-DE"/>
           </a:p>
@@ -2785,7 +2789,7 @@
           <a:p>
             <a:fld id="{26D84DCC-459A-439E-AA34-F06534B95DC9}" type="datetimeFigureOut">
               <a:rPr lang="de-DE" smtClean="0"/>
-              <a:t>10.12.2017</a:t>
+              <a:t>11.12.17</a:t>
             </a:fld>
             <a:endParaRPr lang="de-DE"/>
           </a:p>
@@ -3073,7 +3077,7 @@
           <a:p>
             <a:fld id="{26D84DCC-459A-439E-AA34-F06534B95DC9}" type="datetimeFigureOut">
               <a:rPr lang="de-DE" smtClean="0"/>
-              <a:t>10.12.2017</a:t>
+              <a:t>11.12.17</a:t>
             </a:fld>
             <a:endParaRPr lang="de-DE"/>
           </a:p>
@@ -3515,7 +3519,7 @@
           <a:p>
             <a:fld id="{26D84DCC-459A-439E-AA34-F06534B95DC9}" type="datetimeFigureOut">
               <a:rPr lang="de-DE" smtClean="0"/>
-              <a:t>10.12.2017</a:t>
+              <a:t>11.12.17</a:t>
             </a:fld>
             <a:endParaRPr lang="de-DE"/>
           </a:p>
@@ -3633,7 +3637,7 @@
           <a:p>
             <a:fld id="{26D84DCC-459A-439E-AA34-F06534B95DC9}" type="datetimeFigureOut">
               <a:rPr lang="de-DE" smtClean="0"/>
-              <a:t>10.12.2017</a:t>
+              <a:t>11.12.17</a:t>
             </a:fld>
             <a:endParaRPr lang="de-DE"/>
           </a:p>
@@ -3728,7 +3732,7 @@
           <a:p>
             <a:fld id="{26D84DCC-459A-439E-AA34-F06534B95DC9}" type="datetimeFigureOut">
               <a:rPr lang="de-DE" smtClean="0"/>
-              <a:t>10.12.2017</a:t>
+              <a:t>11.12.17</a:t>
             </a:fld>
             <a:endParaRPr lang="de-DE"/>
           </a:p>
@@ -4016,7 +4020,7 @@
           <a:p>
             <a:fld id="{26D84DCC-459A-439E-AA34-F06534B95DC9}" type="datetimeFigureOut">
               <a:rPr lang="de-DE" smtClean="0"/>
-              <a:t>10.12.2017</a:t>
+              <a:t>11.12.17</a:t>
             </a:fld>
             <a:endParaRPr lang="de-DE"/>
           </a:p>
@@ -4289,7 +4293,7 @@
           <a:p>
             <a:fld id="{26D84DCC-459A-439E-AA34-F06534B95DC9}" type="datetimeFigureOut">
               <a:rPr lang="de-DE" smtClean="0"/>
-              <a:t>10.12.2017</a:t>
+              <a:t>11.12.17</a:t>
             </a:fld>
             <a:endParaRPr lang="de-DE"/>
           </a:p>
@@ -4586,7 +4590,7 @@
           <a:p>
             <a:fld id="{26D84DCC-459A-439E-AA34-F06534B95DC9}" type="datetimeFigureOut">
               <a:rPr lang="de-DE" smtClean="0"/>
-              <a:t>10.12.2017</a:t>
+              <a:t>11.12.17</a:t>
             </a:fld>
             <a:endParaRPr lang="de-DE"/>
           </a:p>
@@ -5255,7 +5259,7 @@
           <p:cNvPr id="2" name="Title 6">
             <a:extLst>
               <a:ext uri="{FF2B5EF4-FFF2-40B4-BE49-F238E27FC236}">
-                <a16:creationId xmlns:a16="http://schemas.microsoft.com/office/drawing/2014/main" xmlns="" id="{04F78A0C-BF40-4E0B-9FA4-AAAA57E3C4EF}"/>
+                <a16:creationId xmlns="" xmlns:a16="http://schemas.microsoft.com/office/drawing/2014/main" id="{04F78A0C-BF40-4E0B-9FA4-AAAA57E3C4EF}"/>
               </a:ext>
             </a:extLst>
           </p:cNvPr>
@@ -5287,7 +5291,7 @@
           <p:cNvPr id="3" name="Content Placeholder 7">
             <a:extLst>
               <a:ext uri="{FF2B5EF4-FFF2-40B4-BE49-F238E27FC236}">
-                <a16:creationId xmlns:a16="http://schemas.microsoft.com/office/drawing/2014/main" xmlns="" id="{3A52400E-A01D-4CCF-8280-EBE32B011F8E}"/>
+                <a16:creationId xmlns="" xmlns:a16="http://schemas.microsoft.com/office/drawing/2014/main" id="{3A52400E-A01D-4CCF-8280-EBE32B011F8E}"/>
               </a:ext>
             </a:extLst>
           </p:cNvPr>
@@ -5644,7 +5648,7 @@
           <p:cNvPr id="2" name="Title 6">
             <a:extLst>
               <a:ext uri="{FF2B5EF4-FFF2-40B4-BE49-F238E27FC236}">
-                <a16:creationId xmlns:a16="http://schemas.microsoft.com/office/drawing/2014/main" xmlns="" id="{04F78A0C-BF40-4E0B-9FA4-AAAA57E3C4EF}"/>
+                <a16:creationId xmlns="" xmlns:a16="http://schemas.microsoft.com/office/drawing/2014/main" id="{04F78A0C-BF40-4E0B-9FA4-AAAA57E3C4EF}"/>
               </a:ext>
             </a:extLst>
           </p:cNvPr>
@@ -5664,8 +5668,8 @@
           <a:p>
             <a:pPr lvl="0" algn="ctr"/>
             <a:r>
-              <a:rPr lang="en-GB" sz="2800" dirty="0" smtClean="0"/>
-              <a:t>%</a:t>
+              <a:rPr lang="en-GB" sz="2800" dirty="0" err="1" smtClean="0"/>
+              <a:t>Aufgaben</a:t>
             </a:r>
             <a:endParaRPr lang="en-GB" sz="2800" dirty="0"/>
           </a:p>
@@ -5676,7 +5680,7 @@
           <p:cNvPr id="3" name="Content Placeholder 7">
             <a:extLst>
               <a:ext uri="{FF2B5EF4-FFF2-40B4-BE49-F238E27FC236}">
-                <a16:creationId xmlns:a16="http://schemas.microsoft.com/office/drawing/2014/main" xmlns="" id="{3A52400E-A01D-4CCF-8280-EBE32B011F8E}"/>
+                <a16:creationId xmlns="" xmlns:a16="http://schemas.microsoft.com/office/drawing/2014/main" id="{3A52400E-A01D-4CCF-8280-EBE32B011F8E}"/>
               </a:ext>
             </a:extLst>
           </p:cNvPr>
@@ -5695,7 +5699,7 @@
         </p:spPr>
         <p:txBody>
           <a:bodyPr>
-            <a:normAutofit fontScale="92500" lnSpcReduction="10000"/>
+            <a:normAutofit/>
           </a:bodyPr>
           <a:lstStyle/>
           <a:p>
@@ -5706,24 +5710,21 @@
               <a:buNone/>
             </a:pPr>
             <a:r>
-              <a:rPr lang="de-DE" sz="2800" dirty="0">
-                <a:solidFill>
-                  <a:schemeClr val="tx1"/>
-                </a:solidFill>
-              </a:rPr>
-              <a:t>Selbsteinschätzung:</a:t>
-            </a:r>
-          </a:p>
-          <a:p>
-            <a:pPr lvl="0"/>
-            <a:r>
               <a:rPr lang="de-DE" dirty="0" smtClean="0">
                 <a:solidFill>
                   <a:schemeClr val="tx1"/>
                 </a:solidFill>
               </a:rPr>
-              <a:t>Recherche über die Filter der Datenvorverarbeitung</a:t>
-            </a:r>
+              <a:t>Betrachtete Szenarien</a:t>
+            </a:r>
+          </a:p>
+          <a:p>
+            <a:pPr marL="0" lvl="0" indent="0">
+              <a:lnSpc>
+                <a:spcPct val="200000"/>
+              </a:lnSpc>
+              <a:buNone/>
+            </a:pPr>
             <a:endParaRPr lang="de-DE" dirty="0">
               <a:solidFill>
                 <a:schemeClr val="tx1"/>
@@ -5731,26 +5732,25 @@
             </a:endParaRPr>
           </a:p>
           <a:p>
-            <a:pPr lvl="0"/>
-            <a:r>
-              <a:rPr lang="de-DE" dirty="0" smtClean="0">
-                <a:solidFill>
-                  <a:schemeClr val="tx1"/>
-                </a:solidFill>
-              </a:rPr>
-              <a:t>Implementierung der Filter</a:t>
-            </a:r>
-          </a:p>
-          <a:p>
-            <a:pPr lvl="0"/>
-            <a:r>
-              <a:rPr lang="de-DE" dirty="0" smtClean="0">
-                <a:solidFill>
-                  <a:schemeClr val="tx1"/>
-                </a:solidFill>
-              </a:rPr>
-              <a:t>Erstellen einer Dokumentation für die Skripte</a:t>
-            </a:r>
+            <a:pPr marL="0" lvl="0" indent="0">
+              <a:lnSpc>
+                <a:spcPct val="200000"/>
+              </a:lnSpc>
+              <a:buNone/>
+            </a:pPr>
+            <a:endParaRPr lang="de-DE" dirty="0" smtClean="0">
+              <a:solidFill>
+                <a:schemeClr val="tx1"/>
+              </a:solidFill>
+            </a:endParaRPr>
+          </a:p>
+          <a:p>
+            <a:pPr marL="0" lvl="0" indent="0">
+              <a:lnSpc>
+                <a:spcPct val="200000"/>
+              </a:lnSpc>
+              <a:buNone/>
+            </a:pPr>
             <a:endParaRPr lang="de-DE" dirty="0">
               <a:solidFill>
                 <a:schemeClr val="tx1"/>
@@ -5758,15 +5758,25 @@
             </a:endParaRPr>
           </a:p>
           <a:p>
-            <a:pPr lvl="0"/>
-            <a:r>
-              <a:rPr lang="de-DE" dirty="0" smtClean="0">
-                <a:solidFill>
-                  <a:schemeClr val="tx1"/>
-                </a:solidFill>
-              </a:rPr>
-              <a:t>Verteilung der Personen bei der Automatisierung der Simulation</a:t>
-            </a:r>
+            <a:pPr marL="0" lvl="0" indent="0">
+              <a:lnSpc>
+                <a:spcPct val="200000"/>
+              </a:lnSpc>
+              <a:buNone/>
+            </a:pPr>
+            <a:endParaRPr lang="de-DE" dirty="0" smtClean="0">
+              <a:solidFill>
+                <a:schemeClr val="tx1"/>
+              </a:solidFill>
+            </a:endParaRPr>
+          </a:p>
+          <a:p>
+            <a:pPr marL="0" lvl="0" indent="0">
+              <a:lnSpc>
+                <a:spcPct val="200000"/>
+              </a:lnSpc>
+              <a:buNone/>
+            </a:pPr>
             <a:endParaRPr lang="de-DE" dirty="0">
               <a:solidFill>
                 <a:schemeClr val="tx1"/>
@@ -5774,144 +5784,153 @@
             </a:endParaRPr>
           </a:p>
           <a:p>
-            <a:pPr lvl="0"/>
-            <a:r>
-              <a:rPr lang="de-DE" dirty="0" smtClean="0">
-                <a:solidFill>
-                  <a:schemeClr val="tx1"/>
-                </a:solidFill>
-              </a:rPr>
-              <a:t>Testen der Software</a:t>
-            </a:r>
+            <a:pPr marL="0" lvl="0" indent="0">
+              <a:lnSpc>
+                <a:spcPct val="200000"/>
+              </a:lnSpc>
+              <a:buNone/>
+            </a:pPr>
+            <a:endParaRPr lang="de-DE" dirty="0" smtClean="0">
+              <a:solidFill>
+                <a:schemeClr val="tx1"/>
+              </a:solidFill>
+            </a:endParaRPr>
+          </a:p>
+          <a:p>
+            <a:pPr marL="0" lvl="0" indent="0">
+              <a:lnSpc>
+                <a:spcPct val="200000"/>
+              </a:lnSpc>
+              <a:buNone/>
+            </a:pPr>
             <a:endParaRPr lang="de-DE" dirty="0">
               <a:solidFill>
                 <a:schemeClr val="tx1"/>
               </a:solidFill>
             </a:endParaRPr>
           </a:p>
-          <a:p>
-            <a:pPr lvl="0"/>
-            <a:r>
-              <a:rPr lang="de-DE" dirty="0" smtClean="0">
-                <a:solidFill>
-                  <a:schemeClr val="tx1"/>
-                </a:solidFill>
-              </a:rPr>
-              <a:t>Datengenerierung</a:t>
-            </a:r>
-          </a:p>
-          <a:p>
-            <a:pPr lvl="0"/>
-            <a:r>
-              <a:rPr lang="de-DE" dirty="0" smtClean="0">
-                <a:solidFill>
-                  <a:schemeClr val="tx1"/>
-                </a:solidFill>
-              </a:rPr>
-              <a:t>Erstellen eines Technischen Berichts</a:t>
-            </a:r>
-          </a:p>
-          <a:p>
-            <a:pPr lvl="0"/>
-            <a:r>
-              <a:rPr lang="de-DE" dirty="0" smtClean="0">
-                <a:solidFill>
-                  <a:schemeClr val="tx1"/>
-                </a:solidFill>
-              </a:rPr>
-              <a:t>Aufbereitung der Daten nach Vorgaben des Fraunhofer Instituts</a:t>
-            </a:r>
-            <a:endParaRPr lang="de-DE" dirty="0" smtClean="0">
-              <a:solidFill>
-                <a:srgbClr val="FF0000"/>
-              </a:solidFill>
-            </a:endParaRPr>
-          </a:p>
-          <a:p>
-            <a:pPr lvl="0"/>
-            <a:r>
-              <a:rPr lang="de-DE" dirty="0" smtClean="0">
-                <a:solidFill>
-                  <a:schemeClr val="tx1"/>
-                </a:solidFill>
-              </a:rPr>
-              <a:t>Aufbereitung der Daten, dass sie denen von Kameras ähneln</a:t>
-            </a:r>
-          </a:p>
-          <a:p>
-            <a:pPr lvl="0"/>
-            <a:r>
-              <a:rPr lang="de-DE" dirty="0" smtClean="0">
-                <a:solidFill>
-                  <a:schemeClr val="tx1"/>
-                </a:solidFill>
-              </a:rPr>
-              <a:t>Modellieren &amp; simulieren realistischer, variantenreicher Szenarien</a:t>
-            </a:r>
-          </a:p>
-          <a:p>
-            <a:pPr lvl="0"/>
-            <a:r>
-              <a:rPr lang="de-DE" dirty="0" smtClean="0">
-                <a:solidFill>
-                  <a:schemeClr val="tx1"/>
-                </a:solidFill>
-              </a:rPr>
-              <a:t>Aktualisieren des Trello Projektes/</a:t>
-            </a:r>
-            <a:r>
-              <a:rPr lang="de-DE" dirty="0" err="1" smtClean="0">
-                <a:solidFill>
-                  <a:schemeClr val="tx1"/>
-                </a:solidFill>
-              </a:rPr>
-              <a:t>Repos</a:t>
-            </a:r>
-            <a:r>
-              <a:rPr lang="de-DE" dirty="0" smtClean="0">
-                <a:solidFill>
-                  <a:schemeClr val="tx1"/>
-                </a:solidFill>
-              </a:rPr>
-              <a:t>/Organisation der Treffen</a:t>
-            </a:r>
-          </a:p>
-          <a:p>
-            <a:pPr lvl="0"/>
-            <a:r>
-              <a:rPr lang="de-DE" dirty="0" smtClean="0">
-                <a:solidFill>
-                  <a:schemeClr val="tx1"/>
-                </a:solidFill>
-              </a:rPr>
-              <a:t>Erstellen einer Demo</a:t>
-            </a:r>
-          </a:p>
-          <a:p>
-            <a:r>
-              <a:rPr lang="de-DE" dirty="0" err="1" smtClean="0">
-                <a:solidFill>
-                  <a:schemeClr val="tx1"/>
-                </a:solidFill>
-              </a:rPr>
-              <a:t>Scrum</a:t>
-            </a:r>
-            <a:r>
-              <a:rPr lang="de-DE" dirty="0" smtClean="0">
-                <a:solidFill>
-                  <a:schemeClr val="tx1"/>
-                </a:solidFill>
-              </a:rPr>
-              <a:t> Master</a:t>
-            </a:r>
-            <a:endParaRPr lang="de-DE" dirty="0">
-              <a:solidFill>
-                <a:schemeClr val="tx1"/>
-              </a:solidFill>
-            </a:endParaRPr>
-          </a:p>
-        </p:txBody>
-      </p:sp>
+        </p:txBody>
+      </p:sp>
+      <p:pic>
+        <p:nvPicPr>
+          <p:cNvPr id="4" name="Bild 3"/>
+          <p:cNvPicPr>
+            <a:picLocks noChangeAspect="1"/>
+          </p:cNvPicPr>
+          <p:nvPr/>
+        </p:nvPicPr>
+        <p:blipFill>
+          <a:blip r:embed="rId2">
+            <a:extLst>
+              <a:ext uri="{28A0092B-C50C-407E-A947-70E740481C1C}">
+                <a14:useLocalDpi xmlns:a14="http://schemas.microsoft.com/office/drawing/2010/main" val="0"/>
+              </a:ext>
+            </a:extLst>
+          </a:blip>
+          <a:stretch>
+            <a:fillRect/>
+          </a:stretch>
+        </p:blipFill>
+        <p:spPr>
+          <a:xfrm>
+            <a:off x="3897242" y="1561643"/>
+            <a:ext cx="2063717" cy="2479302"/>
+          </a:xfrm>
+          <a:prstGeom prst="rect">
+            <a:avLst/>
+          </a:prstGeom>
+        </p:spPr>
+      </p:pic>
+      <p:pic>
+        <p:nvPicPr>
+          <p:cNvPr id="7" name="Bild 6"/>
+          <p:cNvPicPr>
+            <a:picLocks noChangeAspect="1"/>
+          </p:cNvPicPr>
+          <p:nvPr/>
+        </p:nvPicPr>
+        <p:blipFill>
+          <a:blip r:embed="rId3">
+            <a:extLst>
+              <a:ext uri="{28A0092B-C50C-407E-A947-70E740481C1C}">
+                <a14:useLocalDpi xmlns:a14="http://schemas.microsoft.com/office/drawing/2010/main" val="0"/>
+              </a:ext>
+            </a:extLst>
+          </a:blip>
+          <a:stretch>
+            <a:fillRect/>
+          </a:stretch>
+        </p:blipFill>
+        <p:spPr>
+          <a:xfrm>
+            <a:off x="8963683" y="1561643"/>
+            <a:ext cx="2021564" cy="2444472"/>
+          </a:xfrm>
+          <a:prstGeom prst="rect">
+            <a:avLst/>
+          </a:prstGeom>
+        </p:spPr>
+      </p:pic>
+      <p:pic>
+        <p:nvPicPr>
+          <p:cNvPr id="8" name="Bild 7"/>
+          <p:cNvPicPr>
+            <a:picLocks noChangeAspect="1"/>
+          </p:cNvPicPr>
+          <p:nvPr/>
+        </p:nvPicPr>
+        <p:blipFill>
+          <a:blip r:embed="rId4">
+            <a:extLst>
+              <a:ext uri="{28A0092B-C50C-407E-A947-70E740481C1C}">
+                <a14:useLocalDpi xmlns:a14="http://schemas.microsoft.com/office/drawing/2010/main" val="0"/>
+              </a:ext>
+            </a:extLst>
+          </a:blip>
+          <a:stretch>
+            <a:fillRect/>
+          </a:stretch>
+        </p:blipFill>
+        <p:spPr>
+          <a:xfrm>
+            <a:off x="6429279" y="1561643"/>
+            <a:ext cx="2066084" cy="2479301"/>
+          </a:xfrm>
+          <a:prstGeom prst="rect">
+            <a:avLst/>
+          </a:prstGeom>
+        </p:spPr>
+      </p:pic>
+      <p:pic>
+        <p:nvPicPr>
+          <p:cNvPr id="9" name="Bild 8"/>
+          <p:cNvPicPr>
+            <a:picLocks noChangeAspect="1"/>
+          </p:cNvPicPr>
+          <p:nvPr/>
+        </p:nvPicPr>
+        <p:blipFill>
+          <a:blip r:embed="rId5">
+            <a:extLst>
+              <a:ext uri="{28A0092B-C50C-407E-A947-70E740481C1C}">
+                <a14:useLocalDpi xmlns:a14="http://schemas.microsoft.com/office/drawing/2010/main" val="0"/>
+              </a:ext>
+            </a:extLst>
+          </a:blip>
+          <a:stretch>
+            <a:fillRect/>
+          </a:stretch>
+        </p:blipFill>
+        <p:spPr>
+          <a:xfrm>
+            <a:off x="6429279" y="4205540"/>
+            <a:ext cx="2048634" cy="2444472"/>
+          </a:xfrm>
+          <a:prstGeom prst="rect">
+            <a:avLst/>
+          </a:prstGeom>
+        </p:spPr>
+      </p:pic>
     </p:spTree>
     <p:extLst>
       <p:ext uri="{BB962C8B-B14F-4D97-AF65-F5344CB8AC3E}">
@@ -5954,44 +5973,305 @@
       </p:grpSpPr>
       <p:sp>
         <p:nvSpPr>
-          <p:cNvPr id="2" name="Titel 1"/>
-          <p:cNvSpPr>
-            <a:spLocks noGrp="1"/>
-          </p:cNvSpPr>
-          <p:nvPr>
-            <p:ph type="ctrTitle"/>
+          <p:cNvPr id="2" name="Title 6">
+            <a:extLst>
+              <a:ext uri="{FF2B5EF4-FFF2-40B4-BE49-F238E27FC236}">
+                <a16:creationId xmlns="" xmlns:a16="http://schemas.microsoft.com/office/drawing/2014/main" id="{04F78A0C-BF40-4E0B-9FA4-AAAA57E3C4EF}"/>
+              </a:ext>
+            </a:extLst>
+          </p:cNvPr>
+          <p:cNvSpPr txBox="1">
+            <a:spLocks noGrp="1"/>
+          </p:cNvSpPr>
+          <p:nvPr>
+            <p:ph type="title"/>
           </p:nvPr>
         </p:nvSpPr>
         <p:spPr/>
         <p:txBody>
           <a:bodyPr>
-            <a:noAutofit/>
+            <a:normAutofit/>
           </a:bodyPr>
           <a:lstStyle/>
           <a:p>
-            <a:pPr algn="l"/>
-            <a:r>
-              <a:rPr lang="de-DE" sz="7000" dirty="0" smtClean="0">
-                <a:solidFill>
-                  <a:schemeClr val="bg1"/>
-                </a:solidFill>
-                <a:cs typeface="Times New Roman" panose="02020603050405020304" pitchFamily="18" charset="0"/>
-              </a:rPr>
-              <a:t>Hubert</a:t>
-            </a:r>
-            <a:endParaRPr lang="de-DE" sz="7000" dirty="0">
-              <a:solidFill>
-                <a:schemeClr val="bg1"/>
-              </a:solidFill>
-              <a:cs typeface="Times New Roman" panose="02020603050405020304" pitchFamily="18" charset="0"/>
-            </a:endParaRPr>
-          </a:p>
-        </p:txBody>
-      </p:sp>
+            <a:pPr lvl="0" algn="ctr"/>
+            <a:r>
+              <a:rPr lang="en-GB" sz="2800" dirty="0" err="1" smtClean="0"/>
+              <a:t>Aufgaben</a:t>
+            </a:r>
+            <a:endParaRPr lang="en-GB" sz="2800" dirty="0"/>
+          </a:p>
+        </p:txBody>
+      </p:sp>
+      <p:sp>
+        <p:nvSpPr>
+          <p:cNvPr id="3" name="Content Placeholder 7">
+            <a:extLst>
+              <a:ext uri="{FF2B5EF4-FFF2-40B4-BE49-F238E27FC236}">
+                <a16:creationId xmlns="" xmlns:a16="http://schemas.microsoft.com/office/drawing/2014/main" id="{3A52400E-A01D-4CCF-8280-EBE32B011F8E}"/>
+              </a:ext>
+            </a:extLst>
+          </p:cNvPr>
+          <p:cNvSpPr txBox="1">
+            <a:spLocks noGrp="1"/>
+          </p:cNvSpPr>
+          <p:nvPr>
+            <p:ph idx="1"/>
+          </p:nvPr>
+        </p:nvSpPr>
+        <p:spPr>
+          <a:xfrm>
+            <a:off x="3869268" y="174811"/>
+            <a:ext cx="7315200" cy="5984748"/>
+          </a:xfrm>
+        </p:spPr>
+        <p:txBody>
+          <a:bodyPr>
+            <a:normAutofit/>
+          </a:bodyPr>
+          <a:lstStyle/>
+          <a:p>
+            <a:pPr marL="0" lvl="0" indent="0">
+              <a:lnSpc>
+                <a:spcPct val="200000"/>
+              </a:lnSpc>
+              <a:buNone/>
+            </a:pPr>
+            <a:endParaRPr lang="de-DE" dirty="0" smtClean="0">
+              <a:solidFill>
+                <a:schemeClr val="tx1"/>
+              </a:solidFill>
+            </a:endParaRPr>
+          </a:p>
+          <a:p>
+            <a:pPr marL="0" lvl="0" indent="0">
+              <a:lnSpc>
+                <a:spcPct val="200000"/>
+              </a:lnSpc>
+              <a:buNone/>
+            </a:pPr>
+            <a:endParaRPr lang="de-DE" dirty="0">
+              <a:solidFill>
+                <a:schemeClr val="tx1"/>
+              </a:solidFill>
+            </a:endParaRPr>
+          </a:p>
+          <a:p>
+            <a:pPr marL="0" lvl="0" indent="0">
+              <a:lnSpc>
+                <a:spcPct val="200000"/>
+              </a:lnSpc>
+              <a:buNone/>
+            </a:pPr>
+            <a:endParaRPr lang="de-DE" dirty="0" smtClean="0">
+              <a:solidFill>
+                <a:schemeClr val="tx1"/>
+              </a:solidFill>
+            </a:endParaRPr>
+          </a:p>
+          <a:p>
+            <a:pPr marL="0" lvl="0" indent="0">
+              <a:lnSpc>
+                <a:spcPct val="200000"/>
+              </a:lnSpc>
+              <a:buNone/>
+            </a:pPr>
+            <a:endParaRPr lang="de-DE" dirty="0">
+              <a:solidFill>
+                <a:schemeClr val="tx1"/>
+              </a:solidFill>
+            </a:endParaRPr>
+          </a:p>
+          <a:p>
+            <a:pPr marL="0" lvl="0" indent="0">
+              <a:lnSpc>
+                <a:spcPct val="200000"/>
+              </a:lnSpc>
+              <a:buNone/>
+            </a:pPr>
+            <a:endParaRPr lang="de-DE" dirty="0" smtClean="0">
+              <a:solidFill>
+                <a:schemeClr val="tx1"/>
+              </a:solidFill>
+            </a:endParaRPr>
+          </a:p>
+          <a:p>
+            <a:pPr marL="0" lvl="0" indent="0">
+              <a:lnSpc>
+                <a:spcPct val="200000"/>
+              </a:lnSpc>
+              <a:buNone/>
+            </a:pPr>
+            <a:endParaRPr lang="de-DE" dirty="0">
+              <a:solidFill>
+                <a:schemeClr val="tx1"/>
+              </a:solidFill>
+            </a:endParaRPr>
+          </a:p>
+          <a:p>
+            <a:pPr marL="0" lvl="0" indent="0">
+              <a:lnSpc>
+                <a:spcPct val="200000"/>
+              </a:lnSpc>
+              <a:buNone/>
+            </a:pPr>
+            <a:endParaRPr lang="de-DE" dirty="0" smtClean="0">
+              <a:solidFill>
+                <a:schemeClr val="tx1"/>
+              </a:solidFill>
+            </a:endParaRPr>
+          </a:p>
+          <a:p>
+            <a:pPr marL="0" lvl="0" indent="0">
+              <a:lnSpc>
+                <a:spcPct val="200000"/>
+              </a:lnSpc>
+              <a:buNone/>
+            </a:pPr>
+            <a:endParaRPr lang="de-DE" dirty="0">
+              <a:solidFill>
+                <a:schemeClr val="tx1"/>
+              </a:solidFill>
+            </a:endParaRPr>
+          </a:p>
+        </p:txBody>
+      </p:sp>
+      <p:pic>
+        <p:nvPicPr>
+          <p:cNvPr id="5" name="Bild 4"/>
+          <p:cNvPicPr>
+            <a:picLocks noChangeAspect="1"/>
+          </p:cNvPicPr>
+          <p:nvPr/>
+        </p:nvPicPr>
+        <p:blipFill>
+          <a:blip r:embed="rId2">
+            <a:extLst>
+              <a:ext uri="{28A0092B-C50C-407E-A947-70E740481C1C}">
+                <a14:useLocalDpi xmlns:a14="http://schemas.microsoft.com/office/drawing/2010/main" val="0"/>
+              </a:ext>
+            </a:extLst>
+          </a:blip>
+          <a:stretch>
+            <a:fillRect/>
+          </a:stretch>
+        </p:blipFill>
+        <p:spPr>
+          <a:xfrm>
+            <a:off x="7038948" y="307499"/>
+            <a:ext cx="1798645" cy="3504485"/>
+          </a:xfrm>
+          <a:prstGeom prst="rect">
+            <a:avLst/>
+          </a:prstGeom>
+        </p:spPr>
+      </p:pic>
+      <p:pic>
+        <p:nvPicPr>
+          <p:cNvPr id="6" name="Bild 5"/>
+          <p:cNvPicPr>
+            <a:picLocks noChangeAspect="1"/>
+          </p:cNvPicPr>
+          <p:nvPr/>
+        </p:nvPicPr>
+        <p:blipFill>
+          <a:blip r:embed="rId3">
+            <a:extLst>
+              <a:ext uri="{28A0092B-C50C-407E-A947-70E740481C1C}">
+                <a14:useLocalDpi xmlns:a14="http://schemas.microsoft.com/office/drawing/2010/main" val="0"/>
+              </a:ext>
+            </a:extLst>
+          </a:blip>
+          <a:stretch>
+            <a:fillRect/>
+          </a:stretch>
+        </p:blipFill>
+        <p:spPr>
+          <a:xfrm>
+            <a:off x="9163181" y="309756"/>
+            <a:ext cx="1716779" cy="3502228"/>
+          </a:xfrm>
+          <a:prstGeom prst="rect">
+            <a:avLst/>
+          </a:prstGeom>
+        </p:spPr>
+      </p:pic>
+      <p:pic>
+        <p:nvPicPr>
+          <p:cNvPr id="10" name="Inhaltsplatzhalter 9">
+            <a:extLst>
+              <a:ext uri="{FF2B5EF4-FFF2-40B4-BE49-F238E27FC236}">
+                <a16:creationId xmlns:a16="http://schemas.microsoft.com/office/drawing/2014/main" xmlns="" id="{A158CC45-E708-4DFA-AF56-DED26C4C837A}"/>
+              </a:ext>
+            </a:extLst>
+          </p:cNvPr>
+          <p:cNvPicPr>
+            <a:picLocks noChangeAspect="1"/>
+          </p:cNvPicPr>
+          <p:nvPr/>
+        </p:nvPicPr>
+        <p:blipFill>
+          <a:blip r:embed="rId4">
+            <a:extLst>
+              <a:ext uri="{28A0092B-C50C-407E-A947-70E740481C1C}">
+                <a14:useLocalDpi xmlns:a14="http://schemas.microsoft.com/office/drawing/2010/main" val="0"/>
+              </a:ext>
+            </a:extLst>
+          </a:blip>
+          <a:stretch>
+            <a:fillRect/>
+          </a:stretch>
+        </p:blipFill>
+        <p:spPr>
+          <a:xfrm>
+            <a:off x="4360492" y="3064767"/>
+            <a:ext cx="2352868" cy="2352868"/>
+          </a:xfrm>
+          <a:prstGeom prst="rect">
+            <a:avLst/>
+          </a:prstGeom>
+        </p:spPr>
+      </p:pic>
+      <p:pic>
+        <p:nvPicPr>
+          <p:cNvPr id="11" name="Grafik 11">
+            <a:extLst>
+              <a:ext uri="{FF2B5EF4-FFF2-40B4-BE49-F238E27FC236}">
+                <a16:creationId xmlns:a16="http://schemas.microsoft.com/office/drawing/2014/main" xmlns="" id="{03A262AB-6C02-4E2B-B3C3-9465A004203A}"/>
+              </a:ext>
+            </a:extLst>
+          </p:cNvPr>
+          <p:cNvPicPr>
+            <a:picLocks noChangeAspect="1"/>
+          </p:cNvPicPr>
+          <p:nvPr/>
+        </p:nvPicPr>
+        <p:blipFill>
+          <a:blip r:embed="rId5">
+            <a:extLst>
+              <a:ext uri="{28A0092B-C50C-407E-A947-70E740481C1C}">
+                <a14:useLocalDpi xmlns:a14="http://schemas.microsoft.com/office/drawing/2010/main" val="0"/>
+              </a:ext>
+            </a:extLst>
+          </a:blip>
+          <a:stretch>
+            <a:fillRect/>
+          </a:stretch>
+        </p:blipFill>
+        <p:spPr>
+          <a:xfrm>
+            <a:off x="4360492" y="307499"/>
+            <a:ext cx="2352758" cy="2349832"/>
+          </a:xfrm>
+          <a:prstGeom prst="rect">
+            <a:avLst/>
+          </a:prstGeom>
+        </p:spPr>
+      </p:pic>
     </p:spTree>
     <p:extLst>
       <p:ext uri="{BB962C8B-B14F-4D97-AF65-F5344CB8AC3E}">
-        <p14:creationId xmlns:p14="http://schemas.microsoft.com/office/powerpoint/2010/main" val="4124211303"/>
+        <p14:creationId xmlns:p14="http://schemas.microsoft.com/office/powerpoint/2010/main" val="166271716"/>
       </p:ext>
     </p:extLst>
   </p:cSld>
@@ -6033,7 +6313,7 @@
           <p:cNvPr id="2" name="Title 6">
             <a:extLst>
               <a:ext uri="{FF2B5EF4-FFF2-40B4-BE49-F238E27FC236}">
-                <a16:creationId xmlns:a16="http://schemas.microsoft.com/office/drawing/2014/main" xmlns="" id="{04F78A0C-BF40-4E0B-9FA4-AAAA57E3C4EF}"/>
+                <a16:creationId xmlns="" xmlns:a16="http://schemas.microsoft.com/office/drawing/2014/main" id="{04F78A0C-BF40-4E0B-9FA4-AAAA57E3C4EF}"/>
               </a:ext>
             </a:extLst>
           </p:cNvPr>
@@ -6053,8 +6333,8 @@
           <a:p>
             <a:pPr lvl="0" algn="ctr"/>
             <a:r>
-              <a:rPr lang="en-GB" sz="2800" dirty="0" smtClean="0"/>
-              <a:t>%</a:t>
+              <a:rPr lang="en-GB" sz="2800" dirty="0" err="1" smtClean="0"/>
+              <a:t>Aufgaben</a:t>
             </a:r>
             <a:endParaRPr lang="en-GB" sz="2800" dirty="0"/>
           </a:p>
@@ -6065,7 +6345,7 @@
           <p:cNvPr id="3" name="Content Placeholder 7">
             <a:extLst>
               <a:ext uri="{FF2B5EF4-FFF2-40B4-BE49-F238E27FC236}">
-                <a16:creationId xmlns:a16="http://schemas.microsoft.com/office/drawing/2014/main" xmlns="" id="{3A52400E-A01D-4CCF-8280-EBE32B011F8E}"/>
+                <a16:creationId xmlns="" xmlns:a16="http://schemas.microsoft.com/office/drawing/2014/main" id="{3A52400E-A01D-4CCF-8280-EBE32B011F8E}"/>
               </a:ext>
             </a:extLst>
           </p:cNvPr>
@@ -6084,35 +6364,161 @@
         </p:spPr>
         <p:txBody>
           <a:bodyPr>
-            <a:normAutofit fontScale="92500" lnSpcReduction="10000"/>
+            <a:normAutofit fontScale="70000" lnSpcReduction="20000"/>
           </a:bodyPr>
           <a:lstStyle/>
           <a:p>
-            <a:pPr marL="0" lvl="0" indent="0">
-              <a:lnSpc>
-                <a:spcPct val="200000"/>
-              </a:lnSpc>
-              <a:buNone/>
-            </a:pPr>
-            <a:r>
-              <a:rPr lang="de-DE" sz="2800" dirty="0">
-                <a:solidFill>
-                  <a:schemeClr val="tx1"/>
-                </a:solidFill>
-              </a:rPr>
-              <a:t>Selbsteinschätzung:</a:t>
-            </a:r>
-          </a:p>
-          <a:p>
-            <a:pPr lvl="0"/>
-            <a:r>
-              <a:rPr lang="de-DE" dirty="0" smtClean="0">
-                <a:solidFill>
-                  <a:schemeClr val="tx1"/>
-                </a:solidFill>
-              </a:rPr>
-              <a:t>Recherche über die Filter der Datenvorverarbeitung</a:t>
-            </a:r>
+            <a:pPr lvl="0"/>
+            <a:endParaRPr lang="de-DE" sz="2800" dirty="0" smtClean="0">
+              <a:solidFill>
+                <a:schemeClr val="tx1"/>
+              </a:solidFill>
+            </a:endParaRPr>
+          </a:p>
+          <a:p>
+            <a:pPr lvl="0"/>
+            <a:endParaRPr lang="de-DE" sz="2800" dirty="0" smtClean="0">
+              <a:solidFill>
+                <a:schemeClr val="tx1"/>
+              </a:solidFill>
+            </a:endParaRPr>
+          </a:p>
+          <a:p>
+            <a:pPr lvl="0"/>
+            <a:endParaRPr lang="de-DE" sz="2800" dirty="0">
+              <a:solidFill>
+                <a:schemeClr val="tx1"/>
+              </a:solidFill>
+            </a:endParaRPr>
+          </a:p>
+          <a:p>
+            <a:pPr lvl="0"/>
+            <a:endParaRPr lang="de-DE" sz="2800" dirty="0" smtClean="0">
+              <a:solidFill>
+                <a:schemeClr val="tx1"/>
+              </a:solidFill>
+            </a:endParaRPr>
+          </a:p>
+          <a:p>
+            <a:pPr lvl="0"/>
+            <a:endParaRPr lang="de-DE" sz="2800" dirty="0">
+              <a:solidFill>
+                <a:schemeClr val="tx1"/>
+              </a:solidFill>
+            </a:endParaRPr>
+          </a:p>
+          <a:p>
+            <a:pPr lvl="0"/>
+            <a:endParaRPr lang="de-DE" sz="2800" dirty="0" smtClean="0">
+              <a:solidFill>
+                <a:schemeClr val="tx1"/>
+              </a:solidFill>
+            </a:endParaRPr>
+          </a:p>
+          <a:p>
+            <a:pPr lvl="0"/>
+            <a:endParaRPr lang="de-DE" sz="2800" dirty="0">
+              <a:solidFill>
+                <a:schemeClr val="tx1"/>
+              </a:solidFill>
+            </a:endParaRPr>
+          </a:p>
+          <a:p>
+            <a:pPr lvl="0"/>
+            <a:endParaRPr lang="de-DE" sz="2800" dirty="0" smtClean="0">
+              <a:solidFill>
+                <a:schemeClr val="tx1"/>
+              </a:solidFill>
+            </a:endParaRPr>
+          </a:p>
+          <a:p>
+            <a:pPr lvl="0"/>
+            <a:endParaRPr lang="de-DE" sz="2800" dirty="0">
+              <a:solidFill>
+                <a:schemeClr val="tx1"/>
+              </a:solidFill>
+            </a:endParaRPr>
+          </a:p>
+          <a:p>
+            <a:pPr lvl="0"/>
+            <a:r>
+              <a:rPr lang="de-DE" sz="2800" dirty="0" smtClean="0">
+                <a:solidFill>
+                  <a:schemeClr val="tx1"/>
+                </a:solidFill>
+              </a:rPr>
+              <a:t>Anpassung der Automatisierung an die verschieden Szenarien</a:t>
+            </a:r>
+          </a:p>
+          <a:p>
+            <a:pPr lvl="0"/>
+            <a:r>
+              <a:rPr lang="de-DE" sz="2800" dirty="0" smtClean="0">
+                <a:solidFill>
+                  <a:schemeClr val="tx1"/>
+                </a:solidFill>
+              </a:rPr>
+              <a:t>Alle Verteilungen berechnen in Python</a:t>
+            </a:r>
+          </a:p>
+          <a:p>
+            <a:pPr lvl="0"/>
+            <a:endParaRPr lang="de-DE" sz="2800" dirty="0" smtClean="0">
+              <a:solidFill>
+                <a:schemeClr val="tx1"/>
+              </a:solidFill>
+            </a:endParaRPr>
+          </a:p>
+          <a:p>
+            <a:pPr lvl="0"/>
+            <a:endParaRPr lang="de-DE" sz="2800" dirty="0" smtClean="0">
+              <a:solidFill>
+                <a:schemeClr val="tx1"/>
+              </a:solidFill>
+            </a:endParaRPr>
+          </a:p>
+          <a:p>
+            <a:pPr lvl="0"/>
+            <a:endParaRPr lang="de-DE" sz="2800" dirty="0">
+              <a:solidFill>
+                <a:schemeClr val="tx1"/>
+              </a:solidFill>
+            </a:endParaRPr>
+          </a:p>
+          <a:p>
+            <a:pPr lvl="0"/>
+            <a:endParaRPr lang="de-DE" sz="2800" dirty="0" smtClean="0">
+              <a:solidFill>
+                <a:schemeClr val="tx1"/>
+              </a:solidFill>
+            </a:endParaRPr>
+          </a:p>
+          <a:p>
+            <a:pPr lvl="0"/>
+            <a:r>
+              <a:rPr lang="de-DE" sz="2800" dirty="0" smtClean="0">
+                <a:solidFill>
+                  <a:schemeClr val="tx1"/>
+                </a:solidFill>
+              </a:rPr>
+              <a:t>Verschiedene Verteilungen länger laufen lassen </a:t>
+            </a:r>
+            <a:endParaRPr lang="de-DE" sz="2800" dirty="0" smtClean="0">
+              <a:solidFill>
+                <a:schemeClr val="tx1"/>
+              </a:solidFill>
+            </a:endParaRPr>
+          </a:p>
+          <a:p>
+            <a:pPr lvl="0"/>
+            <a:endParaRPr lang="de-DE" sz="2800" dirty="0" smtClean="0">
+              <a:solidFill>
+                <a:schemeClr val="tx1"/>
+              </a:solidFill>
+            </a:endParaRPr>
+          </a:p>
+          <a:p>
+            <a:pPr lvl="0"/>
             <a:endParaRPr lang="de-DE" dirty="0">
               <a:solidFill>
                 <a:schemeClr val="tx1"/>
@@ -6121,25 +6527,14 @@
           </a:p>
           <a:p>
             <a:pPr lvl="0"/>
-            <a:r>
-              <a:rPr lang="de-DE" dirty="0" smtClean="0">
-                <a:solidFill>
-                  <a:schemeClr val="tx1"/>
-                </a:solidFill>
-              </a:rPr>
-              <a:t>Implementierung der Filter</a:t>
-            </a:r>
-          </a:p>
-          <a:p>
-            <a:pPr lvl="0"/>
-            <a:r>
-              <a:rPr lang="de-DE" dirty="0" smtClean="0">
-                <a:solidFill>
-                  <a:schemeClr val="tx1"/>
-                </a:solidFill>
-              </a:rPr>
-              <a:t>Erstellen einer Dokumentation für die Skripte</a:t>
-            </a:r>
+            <a:endParaRPr lang="de-DE" dirty="0" smtClean="0">
+              <a:solidFill>
+                <a:schemeClr val="tx1"/>
+              </a:solidFill>
+            </a:endParaRPr>
+          </a:p>
+          <a:p>
+            <a:pPr lvl="0"/>
             <a:endParaRPr lang="de-DE" dirty="0">
               <a:solidFill>
                 <a:schemeClr val="tx1"/>
@@ -6148,14 +6543,14 @@
           </a:p>
           <a:p>
             <a:pPr lvl="0"/>
-            <a:r>
-              <a:rPr lang="de-DE" dirty="0" smtClean="0">
-                <a:solidFill>
-                  <a:schemeClr val="tx1"/>
-                </a:solidFill>
-              </a:rPr>
-              <a:t>Verteilung der Personen bei der Automatisierung der Simulation</a:t>
-            </a:r>
+            <a:endParaRPr lang="de-DE" dirty="0" smtClean="0">
+              <a:solidFill>
+                <a:schemeClr val="tx1"/>
+              </a:solidFill>
+            </a:endParaRPr>
+          </a:p>
+          <a:p>
+            <a:pPr lvl="0"/>
             <a:endParaRPr lang="de-DE" dirty="0">
               <a:solidFill>
                 <a:schemeClr val="tx1"/>
@@ -6164,14 +6559,14 @@
           </a:p>
           <a:p>
             <a:pPr lvl="0"/>
-            <a:r>
-              <a:rPr lang="de-DE" dirty="0" smtClean="0">
-                <a:solidFill>
-                  <a:schemeClr val="tx1"/>
-                </a:solidFill>
-              </a:rPr>
-              <a:t>Testen der Software</a:t>
-            </a:r>
+            <a:endParaRPr lang="de-DE" dirty="0" smtClean="0">
+              <a:solidFill>
+                <a:schemeClr val="tx1"/>
+              </a:solidFill>
+            </a:endParaRPr>
+          </a:p>
+          <a:p>
+            <a:pPr lvl="0"/>
             <a:endParaRPr lang="de-DE" dirty="0">
               <a:solidFill>
                 <a:schemeClr val="tx1"/>
@@ -6180,131 +6575,72 @@
           </a:p>
           <a:p>
             <a:pPr lvl="0"/>
-            <a:r>
-              <a:rPr lang="de-DE" dirty="0" smtClean="0">
-                <a:solidFill>
-                  <a:schemeClr val="tx1"/>
-                </a:solidFill>
-              </a:rPr>
-              <a:t>Datengenerierung</a:t>
-            </a:r>
-          </a:p>
-          <a:p>
-            <a:pPr lvl="0"/>
-            <a:r>
-              <a:rPr lang="de-DE" dirty="0" smtClean="0">
-                <a:solidFill>
-                  <a:schemeClr val="tx1"/>
-                </a:solidFill>
-              </a:rPr>
-              <a:t>Erstellen eines Technischen Berichts</a:t>
-            </a:r>
-          </a:p>
-          <a:p>
-            <a:pPr lvl="0"/>
-            <a:r>
-              <a:rPr lang="de-DE" dirty="0" smtClean="0">
-                <a:solidFill>
-                  <a:schemeClr val="tx1"/>
-                </a:solidFill>
-              </a:rPr>
-              <a:t>Aufbereitung der Daten nach Vorgaben des Fraunhofer Instituts</a:t>
-            </a:r>
             <a:endParaRPr lang="de-DE" dirty="0" smtClean="0">
               <a:solidFill>
-                <a:srgbClr val="FF0000"/>
-              </a:solidFill>
-            </a:endParaRPr>
-          </a:p>
-          <a:p>
-            <a:pPr lvl="0"/>
-            <a:r>
-              <a:rPr lang="de-DE" dirty="0" smtClean="0">
-                <a:solidFill>
-                  <a:schemeClr val="tx1"/>
-                </a:solidFill>
-              </a:rPr>
-              <a:t>Aufbereitung der Daten, dass sie denen von Kameras ähneln</a:t>
-            </a:r>
-          </a:p>
-          <a:p>
-            <a:pPr lvl="0"/>
-            <a:r>
-              <a:rPr lang="de-DE" dirty="0" smtClean="0">
-                <a:solidFill>
-                  <a:schemeClr val="tx1"/>
-                </a:solidFill>
-              </a:rPr>
-              <a:t>Modellieren &amp; simulieren realistischer, variantenreicher Szenarien</a:t>
-            </a:r>
-          </a:p>
-          <a:p>
-            <a:pPr lvl="0"/>
-            <a:r>
-              <a:rPr lang="de-DE" dirty="0" smtClean="0">
-                <a:solidFill>
-                  <a:schemeClr val="tx1"/>
-                </a:solidFill>
-              </a:rPr>
-              <a:t>Aktualisieren des Trello Projektes/</a:t>
-            </a:r>
-            <a:r>
-              <a:rPr lang="de-DE" dirty="0" err="1" smtClean="0">
-                <a:solidFill>
-                  <a:schemeClr val="tx1"/>
-                </a:solidFill>
-              </a:rPr>
-              <a:t>Repos</a:t>
-            </a:r>
-            <a:r>
-              <a:rPr lang="de-DE" dirty="0" smtClean="0">
-                <a:solidFill>
-                  <a:schemeClr val="tx1"/>
-                </a:solidFill>
-              </a:rPr>
-              <a:t>/Organisation der Treffen</a:t>
-            </a:r>
-          </a:p>
-          <a:p>
-            <a:pPr lvl="0"/>
-            <a:r>
-              <a:rPr lang="de-DE" dirty="0" smtClean="0">
-                <a:solidFill>
-                  <a:schemeClr val="tx1"/>
-                </a:solidFill>
-              </a:rPr>
-              <a:t>Erstellen einer Demo</a:t>
-            </a:r>
-          </a:p>
-          <a:p>
-            <a:r>
-              <a:rPr lang="de-DE" dirty="0" err="1" smtClean="0">
-                <a:solidFill>
-                  <a:schemeClr val="tx1"/>
-                </a:solidFill>
-              </a:rPr>
-              <a:t>Scrum</a:t>
-            </a:r>
-            <a:r>
-              <a:rPr lang="de-DE" dirty="0" smtClean="0">
-                <a:solidFill>
-                  <a:schemeClr val="tx1"/>
-                </a:solidFill>
-              </a:rPr>
-              <a:t> Master</a:t>
-            </a:r>
+                <a:schemeClr val="tx1"/>
+              </a:solidFill>
+            </a:endParaRPr>
+          </a:p>
+          <a:p>
+            <a:pPr lvl="0"/>
             <a:endParaRPr lang="de-DE" dirty="0">
               <a:solidFill>
                 <a:schemeClr val="tx1"/>
               </a:solidFill>
             </a:endParaRPr>
           </a:p>
-        </p:txBody>
-      </p:sp>
+          <a:p>
+            <a:pPr lvl="0"/>
+            <a:endParaRPr lang="de-DE" dirty="0" smtClean="0">
+              <a:solidFill>
+                <a:schemeClr val="tx1"/>
+              </a:solidFill>
+            </a:endParaRPr>
+          </a:p>
+          <a:p>
+            <a:pPr lvl="0"/>
+            <a:endParaRPr lang="de-DE" dirty="0">
+              <a:solidFill>
+                <a:schemeClr val="tx1"/>
+              </a:solidFill>
+            </a:endParaRPr>
+          </a:p>
+        </p:txBody>
+      </p:sp>
+      <p:pic>
+        <p:nvPicPr>
+          <p:cNvPr id="4" name="Bild 3"/>
+          <p:cNvPicPr>
+            <a:picLocks noChangeAspect="1"/>
+          </p:cNvPicPr>
+          <p:nvPr/>
+        </p:nvPicPr>
+        <p:blipFill>
+          <a:blip r:embed="rId2">
+            <a:extLst>
+              <a:ext uri="{28A0092B-C50C-407E-A947-70E740481C1C}">
+                <a14:useLocalDpi xmlns:a14="http://schemas.microsoft.com/office/drawing/2010/main" val="0"/>
+              </a:ext>
+            </a:extLst>
+          </a:blip>
+          <a:stretch>
+            <a:fillRect/>
+          </a:stretch>
+        </p:blipFill>
+        <p:spPr>
+          <a:xfrm>
+            <a:off x="4054231" y="2757268"/>
+            <a:ext cx="6923666" cy="638907"/>
+          </a:xfrm>
+          <a:prstGeom prst="rect">
+            <a:avLst/>
+          </a:prstGeom>
+        </p:spPr>
+      </p:pic>
     </p:spTree>
     <p:extLst>
       <p:ext uri="{BB962C8B-B14F-4D97-AF65-F5344CB8AC3E}">
-        <p14:creationId xmlns:p14="http://schemas.microsoft.com/office/powerpoint/2010/main" val="2564558842"/>
+        <p14:creationId xmlns:p14="http://schemas.microsoft.com/office/powerpoint/2010/main" val="1656220525"/>
       </p:ext>
     </p:extLst>
   </p:cSld>
@@ -6343,44 +6679,337 @@
       </p:grpSpPr>
       <p:sp>
         <p:nvSpPr>
-          <p:cNvPr id="2" name="Titel 1"/>
-          <p:cNvSpPr>
-            <a:spLocks noGrp="1"/>
-          </p:cNvSpPr>
-          <p:nvPr>
-            <p:ph type="ctrTitle"/>
+          <p:cNvPr id="2" name="Title 6">
+            <a:extLst>
+              <a:ext uri="{FF2B5EF4-FFF2-40B4-BE49-F238E27FC236}">
+                <a16:creationId xmlns="" xmlns:a16="http://schemas.microsoft.com/office/drawing/2014/main" id="{04F78A0C-BF40-4E0B-9FA4-AAAA57E3C4EF}"/>
+              </a:ext>
+            </a:extLst>
+          </p:cNvPr>
+          <p:cNvSpPr txBox="1">
+            <a:spLocks noGrp="1"/>
+          </p:cNvSpPr>
+          <p:nvPr>
+            <p:ph type="title"/>
           </p:nvPr>
         </p:nvSpPr>
         <p:spPr/>
         <p:txBody>
           <a:bodyPr>
-            <a:noAutofit/>
+            <a:normAutofit/>
           </a:bodyPr>
           <a:lstStyle/>
           <a:p>
-            <a:pPr algn="l"/>
-            <a:r>
-              <a:rPr lang="de-DE" sz="7000" dirty="0" smtClean="0">
-                <a:solidFill>
-                  <a:schemeClr val="bg1"/>
-                </a:solidFill>
-                <a:cs typeface="Times New Roman" panose="02020603050405020304" pitchFamily="18" charset="0"/>
-              </a:rPr>
-              <a:t>Julian</a:t>
-            </a:r>
-            <a:endParaRPr lang="de-DE" sz="7000" dirty="0">
-              <a:solidFill>
-                <a:schemeClr val="bg1"/>
-              </a:solidFill>
-              <a:cs typeface="Times New Roman" panose="02020603050405020304" pitchFamily="18" charset="0"/>
-            </a:endParaRPr>
-          </a:p>
-        </p:txBody>
-      </p:sp>
+            <a:pPr lvl="0" algn="ctr"/>
+            <a:r>
+              <a:rPr lang="en-GB" sz="2800" dirty="0" err="1" smtClean="0"/>
+              <a:t>Testen</a:t>
+            </a:r>
+            <a:endParaRPr lang="en-GB" sz="2800" dirty="0"/>
+          </a:p>
+        </p:txBody>
+      </p:sp>
+      <p:sp>
+        <p:nvSpPr>
+          <p:cNvPr id="3" name="Content Placeholder 7">
+            <a:extLst>
+              <a:ext uri="{FF2B5EF4-FFF2-40B4-BE49-F238E27FC236}">
+                <a16:creationId xmlns="" xmlns:a16="http://schemas.microsoft.com/office/drawing/2014/main" id="{3A52400E-A01D-4CCF-8280-EBE32B011F8E}"/>
+              </a:ext>
+            </a:extLst>
+          </p:cNvPr>
+          <p:cNvSpPr txBox="1">
+            <a:spLocks noGrp="1"/>
+          </p:cNvSpPr>
+          <p:nvPr>
+            <p:ph idx="1"/>
+          </p:nvPr>
+        </p:nvSpPr>
+        <p:spPr>
+          <a:xfrm>
+            <a:off x="3869268" y="174811"/>
+            <a:ext cx="7315200" cy="5984748"/>
+          </a:xfrm>
+        </p:spPr>
+        <p:txBody>
+          <a:bodyPr>
+            <a:normAutofit fontScale="70000" lnSpcReduction="20000"/>
+          </a:bodyPr>
+          <a:lstStyle/>
+          <a:p>
+            <a:pPr lvl="0"/>
+            <a:endParaRPr lang="de-DE" sz="2800" dirty="0" smtClean="0">
+              <a:solidFill>
+                <a:schemeClr val="tx1"/>
+              </a:solidFill>
+            </a:endParaRPr>
+          </a:p>
+          <a:p>
+            <a:pPr lvl="0"/>
+            <a:endParaRPr lang="de-DE" sz="2800" dirty="0" smtClean="0">
+              <a:solidFill>
+                <a:schemeClr val="tx1"/>
+              </a:solidFill>
+            </a:endParaRPr>
+          </a:p>
+          <a:p>
+            <a:pPr lvl="0"/>
+            <a:endParaRPr lang="de-DE" sz="2800" dirty="0">
+              <a:solidFill>
+                <a:schemeClr val="tx1"/>
+              </a:solidFill>
+            </a:endParaRPr>
+          </a:p>
+          <a:p>
+            <a:pPr lvl="0"/>
+            <a:endParaRPr lang="de-DE" sz="2800" dirty="0" smtClean="0">
+              <a:solidFill>
+                <a:schemeClr val="tx1"/>
+              </a:solidFill>
+            </a:endParaRPr>
+          </a:p>
+          <a:p>
+            <a:pPr lvl="0"/>
+            <a:endParaRPr lang="de-DE" sz="2800" dirty="0">
+              <a:solidFill>
+                <a:schemeClr val="tx1"/>
+              </a:solidFill>
+            </a:endParaRPr>
+          </a:p>
+          <a:p>
+            <a:pPr lvl="0"/>
+            <a:endParaRPr lang="de-DE" sz="2800" dirty="0" smtClean="0">
+              <a:solidFill>
+                <a:schemeClr val="tx1"/>
+              </a:solidFill>
+            </a:endParaRPr>
+          </a:p>
+          <a:p>
+            <a:pPr lvl="0"/>
+            <a:endParaRPr lang="de-DE" sz="2800" dirty="0">
+              <a:solidFill>
+                <a:schemeClr val="tx1"/>
+              </a:solidFill>
+            </a:endParaRPr>
+          </a:p>
+          <a:p>
+            <a:pPr lvl="0"/>
+            <a:endParaRPr lang="de-DE" sz="2800" dirty="0" smtClean="0">
+              <a:solidFill>
+                <a:schemeClr val="tx1"/>
+              </a:solidFill>
+            </a:endParaRPr>
+          </a:p>
+          <a:p>
+            <a:pPr lvl="0"/>
+            <a:endParaRPr lang="de-DE" sz="2800" dirty="0">
+              <a:solidFill>
+                <a:schemeClr val="tx1"/>
+              </a:solidFill>
+            </a:endParaRPr>
+          </a:p>
+          <a:p>
+            <a:pPr lvl="0"/>
+            <a:r>
+              <a:rPr lang="de-DE" sz="2800" dirty="0" smtClean="0">
+                <a:solidFill>
+                  <a:schemeClr val="tx1"/>
+                </a:solidFill>
+              </a:rPr>
+              <a:t>Random Methode</a:t>
+            </a:r>
+          </a:p>
+          <a:p>
+            <a:pPr lvl="0"/>
+            <a:endParaRPr lang="de-DE" sz="2800" dirty="0">
+              <a:solidFill>
+                <a:schemeClr val="tx1"/>
+              </a:solidFill>
+            </a:endParaRPr>
+          </a:p>
+          <a:p>
+            <a:pPr lvl="0"/>
+            <a:endParaRPr lang="de-DE" sz="2800" dirty="0" smtClean="0">
+              <a:solidFill>
+                <a:schemeClr val="tx1"/>
+              </a:solidFill>
+            </a:endParaRPr>
+          </a:p>
+          <a:p>
+            <a:pPr lvl="0"/>
+            <a:endParaRPr lang="de-DE" sz="2800" dirty="0">
+              <a:solidFill>
+                <a:schemeClr val="tx1"/>
+              </a:solidFill>
+            </a:endParaRPr>
+          </a:p>
+          <a:p>
+            <a:pPr lvl="0"/>
+            <a:endParaRPr lang="de-DE" sz="2800" dirty="0" smtClean="0">
+              <a:solidFill>
+                <a:schemeClr val="tx1"/>
+              </a:solidFill>
+            </a:endParaRPr>
+          </a:p>
+          <a:p>
+            <a:pPr lvl="0"/>
+            <a:endParaRPr lang="de-DE" sz="2800" dirty="0">
+              <a:solidFill>
+                <a:schemeClr val="tx1"/>
+              </a:solidFill>
+            </a:endParaRPr>
+          </a:p>
+          <a:p>
+            <a:pPr lvl="0"/>
+            <a:r>
+              <a:rPr lang="de-DE" sz="2800" dirty="0" smtClean="0">
+                <a:solidFill>
+                  <a:schemeClr val="tx1"/>
+                </a:solidFill>
+              </a:rPr>
+              <a:t>Automatisierung getestet</a:t>
+            </a:r>
+          </a:p>
+          <a:p>
+            <a:pPr lvl="0"/>
+            <a:endParaRPr lang="de-DE" sz="2800" dirty="0" smtClean="0">
+              <a:solidFill>
+                <a:schemeClr val="tx1"/>
+              </a:solidFill>
+            </a:endParaRPr>
+          </a:p>
+          <a:p>
+            <a:pPr lvl="0"/>
+            <a:endParaRPr lang="de-DE" sz="2800" dirty="0" smtClean="0">
+              <a:solidFill>
+                <a:schemeClr val="tx1"/>
+              </a:solidFill>
+            </a:endParaRPr>
+          </a:p>
+          <a:p>
+            <a:pPr lvl="0"/>
+            <a:endParaRPr lang="de-DE" dirty="0">
+              <a:solidFill>
+                <a:schemeClr val="tx1"/>
+              </a:solidFill>
+            </a:endParaRPr>
+          </a:p>
+          <a:p>
+            <a:pPr lvl="0"/>
+            <a:endParaRPr lang="de-DE" dirty="0" smtClean="0">
+              <a:solidFill>
+                <a:schemeClr val="tx1"/>
+              </a:solidFill>
+            </a:endParaRPr>
+          </a:p>
+          <a:p>
+            <a:pPr lvl="0"/>
+            <a:endParaRPr lang="de-DE" dirty="0">
+              <a:solidFill>
+                <a:schemeClr val="tx1"/>
+              </a:solidFill>
+            </a:endParaRPr>
+          </a:p>
+          <a:p>
+            <a:pPr lvl="0"/>
+            <a:endParaRPr lang="de-DE" dirty="0" smtClean="0">
+              <a:solidFill>
+                <a:schemeClr val="tx1"/>
+              </a:solidFill>
+            </a:endParaRPr>
+          </a:p>
+          <a:p>
+            <a:pPr lvl="0"/>
+            <a:endParaRPr lang="de-DE" dirty="0">
+              <a:solidFill>
+                <a:schemeClr val="tx1"/>
+              </a:solidFill>
+            </a:endParaRPr>
+          </a:p>
+          <a:p>
+            <a:pPr lvl="0"/>
+            <a:endParaRPr lang="de-DE" dirty="0" smtClean="0">
+              <a:solidFill>
+                <a:schemeClr val="tx1"/>
+              </a:solidFill>
+            </a:endParaRPr>
+          </a:p>
+          <a:p>
+            <a:pPr lvl="0"/>
+            <a:endParaRPr lang="de-DE" dirty="0">
+              <a:solidFill>
+                <a:schemeClr val="tx1"/>
+              </a:solidFill>
+            </a:endParaRPr>
+          </a:p>
+          <a:p>
+            <a:pPr lvl="0"/>
+            <a:endParaRPr lang="de-DE" dirty="0" smtClean="0">
+              <a:solidFill>
+                <a:schemeClr val="tx1"/>
+              </a:solidFill>
+            </a:endParaRPr>
+          </a:p>
+          <a:p>
+            <a:pPr lvl="0"/>
+            <a:endParaRPr lang="de-DE" dirty="0">
+              <a:solidFill>
+                <a:schemeClr val="tx1"/>
+              </a:solidFill>
+            </a:endParaRPr>
+          </a:p>
+          <a:p>
+            <a:pPr lvl="0"/>
+            <a:endParaRPr lang="de-DE" dirty="0" smtClean="0">
+              <a:solidFill>
+                <a:schemeClr val="tx1"/>
+              </a:solidFill>
+            </a:endParaRPr>
+          </a:p>
+          <a:p>
+            <a:pPr lvl="0"/>
+            <a:endParaRPr lang="de-DE" dirty="0">
+              <a:solidFill>
+                <a:schemeClr val="tx1"/>
+              </a:solidFill>
+            </a:endParaRPr>
+          </a:p>
+        </p:txBody>
+      </p:sp>
+      <p:pic>
+        <p:nvPicPr>
+          <p:cNvPr id="4" name="Bild 3"/>
+          <p:cNvPicPr>
+            <a:picLocks noChangeAspect="1"/>
+          </p:cNvPicPr>
+          <p:nvPr/>
+        </p:nvPicPr>
+        <p:blipFill>
+          <a:blip r:embed="rId2">
+            <a:extLst>
+              <a:ext uri="{28A0092B-C50C-407E-A947-70E740481C1C}">
+                <a14:useLocalDpi xmlns:a14="http://schemas.microsoft.com/office/drawing/2010/main" val="0"/>
+              </a:ext>
+            </a:extLst>
+          </a:blip>
+          <a:stretch>
+            <a:fillRect/>
+          </a:stretch>
+        </p:blipFill>
+        <p:spPr>
+          <a:xfrm>
+            <a:off x="6545387" y="354733"/>
+            <a:ext cx="4639081" cy="3196305"/>
+          </a:xfrm>
+          <a:prstGeom prst="rect">
+            <a:avLst/>
+          </a:prstGeom>
+        </p:spPr>
+      </p:pic>
     </p:spTree>
     <p:extLst>
       <p:ext uri="{BB962C8B-B14F-4D97-AF65-F5344CB8AC3E}">
-        <p14:creationId xmlns:p14="http://schemas.microsoft.com/office/powerpoint/2010/main" val="178513979"/>
+        <p14:creationId xmlns:p14="http://schemas.microsoft.com/office/powerpoint/2010/main" val="781238729"/>
       </p:ext>
     </p:extLst>
   </p:cSld>
@@ -6422,7 +7051,7 @@
           <p:cNvPr id="2" name="Title 6">
             <a:extLst>
               <a:ext uri="{FF2B5EF4-FFF2-40B4-BE49-F238E27FC236}">
-                <a16:creationId xmlns:a16="http://schemas.microsoft.com/office/drawing/2014/main" xmlns="" id="{04F78A0C-BF40-4E0B-9FA4-AAAA57E3C4EF}"/>
+                <a16:creationId xmlns="" xmlns:a16="http://schemas.microsoft.com/office/drawing/2014/main" id="{04F78A0C-BF40-4E0B-9FA4-AAAA57E3C4EF}"/>
               </a:ext>
             </a:extLst>
           </p:cNvPr>
@@ -6454,7 +7083,7 @@
           <p:cNvPr id="3" name="Content Placeholder 7">
             <a:extLst>
               <a:ext uri="{FF2B5EF4-FFF2-40B4-BE49-F238E27FC236}">
-                <a16:creationId xmlns:a16="http://schemas.microsoft.com/office/drawing/2014/main" xmlns="" id="{3A52400E-A01D-4CCF-8280-EBE32B011F8E}"/>
+                <a16:creationId xmlns="" xmlns:a16="http://schemas.microsoft.com/office/drawing/2014/main" id="{3A52400E-A01D-4CCF-8280-EBE32B011F8E}"/>
               </a:ext>
             </a:extLst>
           </p:cNvPr>
@@ -6538,18 +7167,45 @@
           <a:p>
             <a:pPr lvl="0"/>
             <a:r>
+              <a:rPr lang="de-DE" b="1" dirty="0" smtClean="0">
+                <a:solidFill>
+                  <a:schemeClr val="tx1"/>
+                </a:solidFill>
+              </a:rPr>
+              <a:t>Verteilung der Personen bei der Automatisierung der Simulation</a:t>
+            </a:r>
+            <a:endParaRPr lang="de-DE" b="1" dirty="0">
+              <a:solidFill>
+                <a:schemeClr val="tx1"/>
+              </a:solidFill>
+            </a:endParaRPr>
+          </a:p>
+          <a:p>
+            <a:pPr lvl="0"/>
+            <a:r>
+              <a:rPr lang="de-DE" b="1" dirty="0" smtClean="0">
+                <a:solidFill>
+                  <a:schemeClr val="tx1"/>
+                </a:solidFill>
+              </a:rPr>
+              <a:t>Testen der Software</a:t>
+            </a:r>
+            <a:endParaRPr lang="de-DE" b="1" dirty="0">
+              <a:solidFill>
+                <a:schemeClr val="tx1"/>
+              </a:solidFill>
+            </a:endParaRPr>
+          </a:p>
+          <a:p>
+            <a:pPr lvl="0"/>
+            <a:r>
               <a:rPr lang="de-DE" dirty="0" smtClean="0">
                 <a:solidFill>
                   <a:schemeClr val="tx1"/>
                 </a:solidFill>
               </a:rPr>
-              <a:t>Verteilung der Personen bei der Automatisierung der Simulation</a:t>
-            </a:r>
-            <a:endParaRPr lang="de-DE" dirty="0">
-              <a:solidFill>
-                <a:schemeClr val="tx1"/>
-              </a:solidFill>
-            </a:endParaRPr>
+              <a:t>Datengenerierung</a:t>
+            </a:r>
           </a:p>
           <a:p>
             <a:pPr lvl="0"/>
@@ -6559,13 +7215,8 @@
                   <a:schemeClr val="tx1"/>
                 </a:solidFill>
               </a:rPr>
-              <a:t>Testen der Software</a:t>
-            </a:r>
-            <a:endParaRPr lang="de-DE" dirty="0">
-              <a:solidFill>
-                <a:schemeClr val="tx1"/>
-              </a:solidFill>
-            </a:endParaRPr>
+              <a:t>Erstellen eines Technischen Berichts</a:t>
+            </a:r>
           </a:p>
           <a:p>
             <a:pPr lvl="0"/>
@@ -6575,8 +7226,13 @@
                   <a:schemeClr val="tx1"/>
                 </a:solidFill>
               </a:rPr>
-              <a:t>Datengenerierung</a:t>
-            </a:r>
+              <a:t>Aufbereitung der Daten nach Vorgaben des Fraunhofer Instituts</a:t>
+            </a:r>
+            <a:endParaRPr lang="de-DE" dirty="0" smtClean="0">
+              <a:solidFill>
+                <a:srgbClr val="FF0000"/>
+              </a:solidFill>
+            </a:endParaRPr>
           </a:p>
           <a:p>
             <a:pPr lvl="0"/>
@@ -6586,40 +7242,13 @@
                   <a:schemeClr val="tx1"/>
                 </a:solidFill>
               </a:rPr>
-              <a:t>Erstellen eines Technischen Berichts</a:t>
-            </a:r>
-          </a:p>
-          <a:p>
-            <a:pPr lvl="0"/>
-            <a:r>
-              <a:rPr lang="de-DE" dirty="0" smtClean="0">
-                <a:solidFill>
-                  <a:schemeClr val="tx1"/>
-                </a:solidFill>
-              </a:rPr>
-              <a:t>Aufbereitung der Daten nach Vorgaben des Fraunhofer Instituts</a:t>
-            </a:r>
-            <a:endParaRPr lang="de-DE" dirty="0" smtClean="0">
-              <a:solidFill>
-                <a:srgbClr val="FF0000"/>
-              </a:solidFill>
-            </a:endParaRPr>
-          </a:p>
-          <a:p>
-            <a:pPr lvl="0"/>
-            <a:r>
-              <a:rPr lang="de-DE" dirty="0" smtClean="0">
-                <a:solidFill>
-                  <a:schemeClr val="tx1"/>
-                </a:solidFill>
-              </a:rPr>
               <a:t>Aufbereitung der Daten, dass sie denen von Kameras ähneln</a:t>
             </a:r>
           </a:p>
           <a:p>
             <a:pPr lvl="0"/>
             <a:r>
-              <a:rPr lang="de-DE" dirty="0" smtClean="0">
+              <a:rPr lang="de-DE" b="1" dirty="0" smtClean="0">
                 <a:solidFill>
                   <a:schemeClr val="tx1"/>
                 </a:solidFill>
@@ -6693,7 +7322,7 @@
     </p:spTree>
     <p:extLst>
       <p:ext uri="{BB962C8B-B14F-4D97-AF65-F5344CB8AC3E}">
-        <p14:creationId xmlns:p14="http://schemas.microsoft.com/office/powerpoint/2010/main" val="4113776124"/>
+        <p14:creationId xmlns:p14="http://schemas.microsoft.com/office/powerpoint/2010/main" val="1130533704"/>
       </p:ext>
     </p:extLst>
   </p:cSld>
@@ -6755,7 +7384,7 @@
                 </a:solidFill>
                 <a:cs typeface="Times New Roman" panose="02020603050405020304" pitchFamily="18" charset="0"/>
               </a:rPr>
-              <a:t>Anita</a:t>
+              <a:t>Hubert</a:t>
             </a:r>
             <a:endParaRPr lang="de-DE" sz="7000" dirty="0">
               <a:solidFill>
@@ -6769,7 +7398,7 @@
     </p:spTree>
     <p:extLst>
       <p:ext uri="{BB962C8B-B14F-4D97-AF65-F5344CB8AC3E}">
-        <p14:creationId xmlns:p14="http://schemas.microsoft.com/office/powerpoint/2010/main" val="1888450948"/>
+        <p14:creationId xmlns:p14="http://schemas.microsoft.com/office/powerpoint/2010/main" val="4124211303"/>
       </p:ext>
     </p:extLst>
   </p:cSld>
@@ -6811,7 +7440,7 @@
           <p:cNvPr id="2" name="Title 6">
             <a:extLst>
               <a:ext uri="{FF2B5EF4-FFF2-40B4-BE49-F238E27FC236}">
-                <a16:creationId xmlns:a16="http://schemas.microsoft.com/office/drawing/2014/main" xmlns="" id="{04F78A0C-BF40-4E0B-9FA4-AAAA57E3C4EF}"/>
+                <a16:creationId xmlns="" xmlns:a16="http://schemas.microsoft.com/office/drawing/2014/main" id="{04F78A0C-BF40-4E0B-9FA4-AAAA57E3C4EF}"/>
               </a:ext>
             </a:extLst>
           </p:cNvPr>
@@ -6843,7 +7472,7 @@
           <p:cNvPr id="3" name="Content Placeholder 7">
             <a:extLst>
               <a:ext uri="{FF2B5EF4-FFF2-40B4-BE49-F238E27FC236}">
-                <a16:creationId xmlns:a16="http://schemas.microsoft.com/office/drawing/2014/main" xmlns="" id="{3A52400E-A01D-4CCF-8280-EBE32B011F8E}"/>
+                <a16:creationId xmlns="" xmlns:a16="http://schemas.microsoft.com/office/drawing/2014/main" id="{3A52400E-A01D-4CCF-8280-EBE32B011F8E}"/>
               </a:ext>
             </a:extLst>
           </p:cNvPr>
@@ -7051,7 +7680,7 @@
                   <a:schemeClr val="tx1"/>
                 </a:solidFill>
               </a:rPr>
-              <a:t>Erstellung einer Demo</a:t>
+              <a:t>Erstellen einer Demo</a:t>
             </a:r>
           </a:p>
           <a:p>
@@ -7082,7 +7711,7 @@
     </p:spTree>
     <p:extLst>
       <p:ext uri="{BB962C8B-B14F-4D97-AF65-F5344CB8AC3E}">
-        <p14:creationId xmlns:p14="http://schemas.microsoft.com/office/powerpoint/2010/main" val="1731762785"/>
+        <p14:creationId xmlns:p14="http://schemas.microsoft.com/office/powerpoint/2010/main" val="2564558842"/>
       </p:ext>
     </p:extLst>
   </p:cSld>
@@ -7155,7 +7784,7 @@
           <p:cNvPr id="3" name="Content Placeholder 2">
             <a:extLst>
               <a:ext uri="{FF2B5EF4-FFF2-40B4-BE49-F238E27FC236}">
-                <a16:creationId xmlns:a16="http://schemas.microsoft.com/office/drawing/2014/main" xmlns="" id="{5D4B6457-3E37-4879-A8CB-262CE10EA13A}"/>
+                <a16:creationId xmlns="" xmlns:a16="http://schemas.microsoft.com/office/drawing/2014/main" id="{5D4B6457-3E37-4879-A8CB-262CE10EA13A}"/>
               </a:ext>
             </a:extLst>
           </p:cNvPr>
@@ -7355,7 +7984,7 @@
                 </a:solidFill>
                 <a:cs typeface="Times New Roman" panose="02020603050405020304" pitchFamily="18" charset="0"/>
               </a:rPr>
-              <a:t>Rebecca</a:t>
+              <a:t>Julian</a:t>
             </a:r>
             <a:endParaRPr lang="de-DE" sz="7000" dirty="0">
               <a:solidFill>
@@ -7369,7 +7998,7 @@
     </p:spTree>
     <p:extLst>
       <p:ext uri="{BB962C8B-B14F-4D97-AF65-F5344CB8AC3E}">
-        <p14:creationId xmlns:p14="http://schemas.microsoft.com/office/powerpoint/2010/main" val="2661106770"/>
+        <p14:creationId xmlns:p14="http://schemas.microsoft.com/office/powerpoint/2010/main" val="178513979"/>
       </p:ext>
     </p:extLst>
   </p:cSld>
@@ -7411,7 +8040,7 @@
           <p:cNvPr id="2" name="Title 6">
             <a:extLst>
               <a:ext uri="{FF2B5EF4-FFF2-40B4-BE49-F238E27FC236}">
-                <a16:creationId xmlns:a16="http://schemas.microsoft.com/office/drawing/2014/main" xmlns="" id="{04F78A0C-BF40-4E0B-9FA4-AAAA57E3C4EF}"/>
+                <a16:creationId xmlns="" xmlns:a16="http://schemas.microsoft.com/office/drawing/2014/main" id="{04F78A0C-BF40-4E0B-9FA4-AAAA57E3C4EF}"/>
               </a:ext>
             </a:extLst>
           </p:cNvPr>
@@ -7443,7 +8072,7 @@
           <p:cNvPr id="3" name="Content Placeholder 7">
             <a:extLst>
               <a:ext uri="{FF2B5EF4-FFF2-40B4-BE49-F238E27FC236}">
-                <a16:creationId xmlns:a16="http://schemas.microsoft.com/office/drawing/2014/main" xmlns="" id="{3A52400E-A01D-4CCF-8280-EBE32B011F8E}"/>
+                <a16:creationId xmlns="" xmlns:a16="http://schemas.microsoft.com/office/drawing/2014/main" id="{3A52400E-A01D-4CCF-8280-EBE32B011F8E}"/>
               </a:ext>
             </a:extLst>
           </p:cNvPr>
@@ -7559,7 +8188,7 @@
           <a:p>
             <a:pPr lvl="0"/>
             <a:r>
-              <a:rPr lang="de-DE" b="1" dirty="0" smtClean="0">
+              <a:rPr lang="de-DE" dirty="0" smtClean="0">
                 <a:solidFill>
                   <a:schemeClr val="tx1"/>
                 </a:solidFill>
@@ -7619,7 +8248,7 @@
           <a:p>
             <a:pPr lvl="0"/>
             <a:r>
-              <a:rPr lang="de-DE" b="1" dirty="0" smtClean="0">
+              <a:rPr lang="de-DE" dirty="0" smtClean="0">
                 <a:solidFill>
                   <a:schemeClr val="tx1"/>
                 </a:solidFill>
@@ -7627,7 +8256,7 @@
               <a:t>Aktualisieren des Trello Projektes/</a:t>
             </a:r>
             <a:r>
-              <a:rPr lang="de-DE" b="1" dirty="0" err="1" smtClean="0">
+              <a:rPr lang="de-DE" dirty="0" err="1" smtClean="0">
                 <a:solidFill>
                   <a:schemeClr val="tx1"/>
                 </a:solidFill>
@@ -7635,7 +8264,7 @@
               <a:t>Repos</a:t>
             </a:r>
             <a:r>
-              <a:rPr lang="de-DE" b="1" dirty="0" smtClean="0">
+              <a:rPr lang="de-DE" dirty="0" smtClean="0">
                 <a:solidFill>
                   <a:schemeClr val="tx1"/>
                 </a:solidFill>
@@ -7651,7 +8280,7 @@
                   <a:schemeClr val="tx1"/>
                 </a:solidFill>
               </a:rPr>
-              <a:t>Erstellung deiner Demo</a:t>
+              <a:t>Erstellen einer Demo</a:t>
             </a:r>
           </a:p>
           <a:p>
@@ -7682,7 +8311,7 @@
     </p:spTree>
     <p:extLst>
       <p:ext uri="{BB962C8B-B14F-4D97-AF65-F5344CB8AC3E}">
-        <p14:creationId xmlns:p14="http://schemas.microsoft.com/office/powerpoint/2010/main" val="3155284115"/>
+        <p14:creationId xmlns:p14="http://schemas.microsoft.com/office/powerpoint/2010/main" val="4113776124"/>
       </p:ext>
     </p:extLst>
   </p:cSld>
@@ -7744,7 +8373,7 @@
                 </a:solidFill>
                 <a:cs typeface="Times New Roman" panose="02020603050405020304" pitchFamily="18" charset="0"/>
               </a:rPr>
-              <a:t>Lisa</a:t>
+              <a:t>Anita</a:t>
             </a:r>
             <a:endParaRPr lang="de-DE" sz="7000" dirty="0">
               <a:solidFill>
@@ -7758,7 +8387,7 @@
     </p:spTree>
     <p:extLst>
       <p:ext uri="{BB962C8B-B14F-4D97-AF65-F5344CB8AC3E}">
-        <p14:creationId xmlns:p14="http://schemas.microsoft.com/office/powerpoint/2010/main" val="624400286"/>
+        <p14:creationId xmlns:p14="http://schemas.microsoft.com/office/powerpoint/2010/main" val="1888450948"/>
       </p:ext>
     </p:extLst>
   </p:cSld>
@@ -7800,7 +8429,7 @@
           <p:cNvPr id="2" name="Title 6">
             <a:extLst>
               <a:ext uri="{FF2B5EF4-FFF2-40B4-BE49-F238E27FC236}">
-                <a16:creationId xmlns:a16="http://schemas.microsoft.com/office/drawing/2014/main" xmlns="" id="{04F78A0C-BF40-4E0B-9FA4-AAAA57E3C4EF}"/>
+                <a16:creationId xmlns="" xmlns:a16="http://schemas.microsoft.com/office/drawing/2014/main" id="{04F78A0C-BF40-4E0B-9FA4-AAAA57E3C4EF}"/>
               </a:ext>
             </a:extLst>
           </p:cNvPr>
@@ -7820,16 +8449,8 @@
           <a:p>
             <a:pPr lvl="0" algn="ctr"/>
             <a:r>
-              <a:rPr lang="en-GB" sz="2800" dirty="0" err="1" smtClean="0"/>
-              <a:t>Meine</a:t>
-            </a:r>
-            <a:r>
               <a:rPr lang="en-GB" sz="2800" dirty="0" smtClean="0"/>
-              <a:t> </a:t>
-            </a:r>
-            <a:r>
-              <a:rPr lang="en-GB" sz="2800" dirty="0" err="1" smtClean="0"/>
-              <a:t>Aufgaben</a:t>
+              <a:t>%</a:t>
             </a:r>
             <a:endParaRPr lang="en-GB" sz="2800" dirty="0"/>
           </a:p>
@@ -7840,7 +8461,7 @@
           <p:cNvPr id="3" name="Content Placeholder 7">
             <a:extLst>
               <a:ext uri="{FF2B5EF4-FFF2-40B4-BE49-F238E27FC236}">
-                <a16:creationId xmlns:a16="http://schemas.microsoft.com/office/drawing/2014/main" xmlns="" id="{3A52400E-A01D-4CCF-8280-EBE32B011F8E}"/>
+                <a16:creationId xmlns="" xmlns:a16="http://schemas.microsoft.com/office/drawing/2014/main" id="{3A52400E-A01D-4CCF-8280-EBE32B011F8E}"/>
               </a:ext>
             </a:extLst>
           </p:cNvPr>
@@ -7859,7 +8480,7 @@
         </p:spPr>
         <p:txBody>
           <a:bodyPr>
-            <a:normAutofit/>
+            <a:normAutofit fontScale="92500" lnSpcReduction="10000"/>
           </a:bodyPr>
           <a:lstStyle/>
           <a:p>
@@ -7870,26 +8491,194 @@
               <a:buNone/>
             </a:pPr>
             <a:r>
-              <a:rPr lang="de-DE" sz="2800" dirty="0" smtClean="0">
-                <a:solidFill>
-                  <a:schemeClr val="tx1"/>
-                </a:solidFill>
-              </a:rPr>
-              <a:t>Meine Aufgaben:</a:t>
-            </a:r>
-          </a:p>
-          <a:p>
-            <a:pPr>
-              <a:lnSpc>
-                <a:spcPct val="200000"/>
-              </a:lnSpc>
-            </a:pPr>
+              <a:rPr lang="de-DE" sz="2800" dirty="0">
+                <a:solidFill>
+                  <a:schemeClr val="tx1"/>
+                </a:solidFill>
+              </a:rPr>
+              <a:t>Selbsteinschätzung:</a:t>
+            </a:r>
+          </a:p>
+          <a:p>
+            <a:pPr lvl="0"/>
+            <a:r>
+              <a:rPr lang="de-DE" dirty="0" smtClean="0">
+                <a:solidFill>
+                  <a:schemeClr val="tx1"/>
+                </a:solidFill>
+              </a:rPr>
+              <a:t>Recherche über die Filter der Datenvorverarbeitung</a:t>
+            </a:r>
+            <a:endParaRPr lang="de-DE" dirty="0">
+              <a:solidFill>
+                <a:schemeClr val="tx1"/>
+              </a:solidFill>
+            </a:endParaRPr>
+          </a:p>
+          <a:p>
+            <a:pPr lvl="0"/>
+            <a:r>
+              <a:rPr lang="de-DE" dirty="0" smtClean="0">
+                <a:solidFill>
+                  <a:schemeClr val="tx1"/>
+                </a:solidFill>
+              </a:rPr>
+              <a:t>Implementierung der Filter</a:t>
+            </a:r>
+          </a:p>
+          <a:p>
+            <a:pPr lvl="0"/>
+            <a:r>
+              <a:rPr lang="de-DE" dirty="0" smtClean="0">
+                <a:solidFill>
+                  <a:schemeClr val="tx1"/>
+                </a:solidFill>
+              </a:rPr>
+              <a:t>Erstellen einer Dokumentation für die Skripte</a:t>
+            </a:r>
+            <a:endParaRPr lang="de-DE" dirty="0">
+              <a:solidFill>
+                <a:schemeClr val="tx1"/>
+              </a:solidFill>
+            </a:endParaRPr>
+          </a:p>
+          <a:p>
+            <a:pPr lvl="0"/>
+            <a:r>
+              <a:rPr lang="de-DE" dirty="0" smtClean="0">
+                <a:solidFill>
+                  <a:schemeClr val="tx1"/>
+                </a:solidFill>
+              </a:rPr>
+              <a:t>Verteilung der Personen bei der Automatisierung der Simulation</a:t>
+            </a:r>
+            <a:endParaRPr lang="de-DE" dirty="0">
+              <a:solidFill>
+                <a:schemeClr val="tx1"/>
+              </a:solidFill>
+            </a:endParaRPr>
+          </a:p>
+          <a:p>
+            <a:pPr lvl="0"/>
+            <a:r>
+              <a:rPr lang="de-DE" dirty="0" smtClean="0">
+                <a:solidFill>
+                  <a:schemeClr val="tx1"/>
+                </a:solidFill>
+              </a:rPr>
+              <a:t>Testen der Software</a:t>
+            </a:r>
+            <a:endParaRPr lang="de-DE" dirty="0">
+              <a:solidFill>
+                <a:schemeClr val="tx1"/>
+              </a:solidFill>
+            </a:endParaRPr>
+          </a:p>
+          <a:p>
+            <a:pPr lvl="0"/>
+            <a:r>
+              <a:rPr lang="de-DE" dirty="0" smtClean="0">
+                <a:solidFill>
+                  <a:schemeClr val="tx1"/>
+                </a:solidFill>
+              </a:rPr>
+              <a:t>Datengenerierung</a:t>
+            </a:r>
+          </a:p>
+          <a:p>
+            <a:pPr lvl="0"/>
+            <a:r>
+              <a:rPr lang="de-DE" dirty="0" smtClean="0">
+                <a:solidFill>
+                  <a:schemeClr val="tx1"/>
+                </a:solidFill>
+              </a:rPr>
+              <a:t>Erstellen eines Technischen Berichts</a:t>
+            </a:r>
+          </a:p>
+          <a:p>
+            <a:pPr lvl="0"/>
+            <a:r>
+              <a:rPr lang="de-DE" dirty="0" smtClean="0">
+                <a:solidFill>
+                  <a:schemeClr val="tx1"/>
+                </a:solidFill>
+              </a:rPr>
+              <a:t>Aufbereitung der Daten nach Vorgaben des Fraunhofer Instituts</a:t>
+            </a:r>
+            <a:endParaRPr lang="de-DE" dirty="0" smtClean="0">
+              <a:solidFill>
+                <a:srgbClr val="FF0000"/>
+              </a:solidFill>
+            </a:endParaRPr>
+          </a:p>
+          <a:p>
+            <a:pPr lvl="0"/>
+            <a:r>
+              <a:rPr lang="de-DE" dirty="0" smtClean="0">
+                <a:solidFill>
+                  <a:schemeClr val="tx1"/>
+                </a:solidFill>
+              </a:rPr>
+              <a:t>Aufbereitung der Daten, dass sie denen von Kameras ähneln</a:t>
+            </a:r>
+          </a:p>
+          <a:p>
+            <a:pPr lvl="0"/>
+            <a:r>
+              <a:rPr lang="de-DE" dirty="0" smtClean="0">
+                <a:solidFill>
+                  <a:schemeClr val="tx1"/>
+                </a:solidFill>
+              </a:rPr>
+              <a:t>Modellieren &amp; simulieren realistischer, variantenreicher Szenarien</a:t>
+            </a:r>
+          </a:p>
+          <a:p>
+            <a:pPr lvl="0"/>
+            <a:r>
+              <a:rPr lang="de-DE" dirty="0" smtClean="0">
+                <a:solidFill>
+                  <a:schemeClr val="tx1"/>
+                </a:solidFill>
+              </a:rPr>
+              <a:t>Aktualisieren des Trello Projektes/</a:t>
+            </a:r>
             <a:r>
               <a:rPr lang="de-DE" dirty="0" err="1" smtClean="0">
                 <a:solidFill>
                   <a:schemeClr val="tx1"/>
                 </a:solidFill>
               </a:rPr>
+              <a:t>Repos</a:t>
+            </a:r>
+            <a:r>
+              <a:rPr lang="de-DE" dirty="0" smtClean="0">
+                <a:solidFill>
+                  <a:schemeClr val="tx1"/>
+                </a:solidFill>
+              </a:rPr>
+              <a:t>/Organisation der Treffen</a:t>
+            </a:r>
+          </a:p>
+          <a:p>
+            <a:pPr lvl="0"/>
+            <a:r>
+              <a:rPr lang="de-DE" dirty="0" smtClean="0">
+                <a:solidFill>
+                  <a:schemeClr val="tx1"/>
+                </a:solidFill>
+              </a:rPr>
+              <a:t>Erstellung einer Demo</a:t>
+            </a:r>
+          </a:p>
+          <a:p>
+            <a:r>
+              <a:rPr lang="de-DE" dirty="0" err="1" smtClean="0">
+                <a:solidFill>
+                  <a:schemeClr val="tx1"/>
+                </a:solidFill>
+              </a:rPr>
               <a:t>Scrum</a:t>
             </a:r>
             <a:r>
@@ -7898,77 +8687,9 @@
                   <a:schemeClr val="tx1"/>
                 </a:solidFill>
               </a:rPr>
-              <a:t> Master/Organisation der Treffen</a:t>
-            </a:r>
-          </a:p>
-          <a:p>
-            <a:pPr>
-              <a:lnSpc>
-                <a:spcPct val="200000"/>
-              </a:lnSpc>
-            </a:pPr>
-            <a:r>
-              <a:rPr lang="de-DE" dirty="0" smtClean="0">
-                <a:solidFill>
-                  <a:schemeClr val="tx1"/>
-                </a:solidFill>
-              </a:rPr>
-              <a:t>Schreiben des Technischen Berichts</a:t>
-            </a:r>
-          </a:p>
-          <a:p>
-            <a:pPr>
-              <a:lnSpc>
-                <a:spcPct val="200000"/>
-              </a:lnSpc>
-            </a:pPr>
-            <a:r>
-              <a:rPr lang="de-DE" dirty="0" smtClean="0">
-                <a:solidFill>
-                  <a:schemeClr val="tx1"/>
-                </a:solidFill>
-              </a:rPr>
-              <a:t>Erstellen von Demonstrationen</a:t>
-            </a:r>
-          </a:p>
-          <a:p>
-            <a:pPr>
-              <a:lnSpc>
-                <a:spcPct val="200000"/>
-              </a:lnSpc>
-            </a:pPr>
-            <a:r>
-              <a:rPr lang="de-DE" dirty="0" smtClean="0">
-                <a:solidFill>
-                  <a:schemeClr val="tx1"/>
-                </a:solidFill>
-              </a:rPr>
-              <a:t>Erstellen von Szenarien</a:t>
-            </a:r>
-          </a:p>
-          <a:p>
-            <a:pPr>
-              <a:lnSpc>
-                <a:spcPct val="200000"/>
-              </a:lnSpc>
-            </a:pPr>
-            <a:r>
-              <a:rPr lang="de-DE" dirty="0" smtClean="0">
-                <a:solidFill>
-                  <a:schemeClr val="tx1"/>
-                </a:solidFill>
-              </a:rPr>
-              <a:t>Testen</a:t>
-            </a:r>
-          </a:p>
-          <a:p>
-            <a:pPr marL="0" lvl="0" indent="0">
-              <a:lnSpc>
-                <a:spcPct val="200000"/>
-              </a:lnSpc>
-              <a:buNone/>
-            </a:pPr>
-            <a:endParaRPr lang="de-DE" sz="2800" dirty="0" smtClean="0">
+              <a:t> Master</a:t>
+            </a:r>
+            <a:endParaRPr lang="de-DE" dirty="0">
               <a:solidFill>
                 <a:schemeClr val="tx1"/>
               </a:solidFill>
@@ -7979,7 +8700,7 @@
     </p:spTree>
     <p:extLst>
       <p:ext uri="{BB962C8B-B14F-4D97-AF65-F5344CB8AC3E}">
-        <p14:creationId xmlns:p14="http://schemas.microsoft.com/office/powerpoint/2010/main" val="3038644699"/>
+        <p14:creationId xmlns:p14="http://schemas.microsoft.com/office/powerpoint/2010/main" val="1731762785"/>
       </p:ext>
     </p:extLst>
   </p:cSld>
@@ -8018,10 +8739,86 @@
       </p:grpSpPr>
       <p:sp>
         <p:nvSpPr>
+          <p:cNvPr id="2" name="Titel 1"/>
+          <p:cNvSpPr>
+            <a:spLocks noGrp="1"/>
+          </p:cNvSpPr>
+          <p:nvPr>
+            <p:ph type="ctrTitle"/>
+          </p:nvPr>
+        </p:nvSpPr>
+        <p:spPr/>
+        <p:txBody>
+          <a:bodyPr>
+            <a:noAutofit/>
+          </a:bodyPr>
+          <a:lstStyle/>
+          <a:p>
+            <a:pPr algn="l"/>
+            <a:r>
+              <a:rPr lang="de-DE" sz="7000" dirty="0" smtClean="0">
+                <a:solidFill>
+                  <a:schemeClr val="bg1"/>
+                </a:solidFill>
+                <a:cs typeface="Times New Roman" panose="02020603050405020304" pitchFamily="18" charset="0"/>
+              </a:rPr>
+              <a:t>Rebecca</a:t>
+            </a:r>
+            <a:endParaRPr lang="de-DE" sz="7000" dirty="0">
+              <a:solidFill>
+                <a:schemeClr val="bg1"/>
+              </a:solidFill>
+              <a:cs typeface="Times New Roman" panose="02020603050405020304" pitchFamily="18" charset="0"/>
+            </a:endParaRPr>
+          </a:p>
+        </p:txBody>
+      </p:sp>
+    </p:spTree>
+    <p:extLst>
+      <p:ext uri="{BB962C8B-B14F-4D97-AF65-F5344CB8AC3E}">
+        <p14:creationId xmlns:p14="http://schemas.microsoft.com/office/powerpoint/2010/main" val="2661106770"/>
+      </p:ext>
+    </p:extLst>
+  </p:cSld>
+  <p:clrMapOvr>
+    <a:masterClrMapping/>
+  </p:clrMapOvr>
+  <p:transition spd="slow">
+    <p:push dir="u"/>
+  </p:transition>
+  <p:timing>
+    <p:tnLst>
+      <p:par>
+        <p:cTn id="1" dur="indefinite" restart="never" nodeType="tmRoot"/>
+      </p:par>
+    </p:tnLst>
+  </p:timing>
+</p:sld>
+</file>
+
+<file path=ppt/slides/slide25.xml><?xml version="1.0" encoding="utf-8"?>
+<p:sld xmlns:a="http://schemas.openxmlformats.org/drawingml/2006/main" xmlns:r="http://schemas.openxmlformats.org/officeDocument/2006/relationships" xmlns:p="http://schemas.openxmlformats.org/presentationml/2006/main">
+  <p:cSld>
+    <p:spTree>
+      <p:nvGrpSpPr>
+        <p:cNvPr id="1" name=""/>
+        <p:cNvGrpSpPr/>
+        <p:nvPr/>
+      </p:nvGrpSpPr>
+      <p:grpSpPr>
+        <a:xfrm>
+          <a:off x="0" y="0"/>
+          <a:ext cx="0" cy="0"/>
+          <a:chOff x="0" y="0"/>
+          <a:chExt cx="0" cy="0"/>
+        </a:xfrm>
+      </p:grpSpPr>
+      <p:sp>
+        <p:nvSpPr>
           <p:cNvPr id="2" name="Title 6">
             <a:extLst>
               <a:ext uri="{FF2B5EF4-FFF2-40B4-BE49-F238E27FC236}">
-                <a16:creationId xmlns:a16="http://schemas.microsoft.com/office/drawing/2014/main" xmlns="" id="{04F78A0C-BF40-4E0B-9FA4-AAAA57E3C4EF}"/>
+                <a16:creationId xmlns="" xmlns:a16="http://schemas.microsoft.com/office/drawing/2014/main" id="{04F78A0C-BF40-4E0B-9FA4-AAAA57E3C4EF}"/>
               </a:ext>
             </a:extLst>
           </p:cNvPr>
@@ -8041,16 +8838,8 @@
           <a:p>
             <a:pPr lvl="0" algn="ctr"/>
             <a:r>
-              <a:rPr lang="en-GB" sz="2800" dirty="0" err="1" smtClean="0"/>
-              <a:t>Meine</a:t>
-            </a:r>
-            <a:r>
               <a:rPr lang="en-GB" sz="2800" dirty="0" smtClean="0"/>
-              <a:t> </a:t>
-            </a:r>
-            <a:r>
-              <a:rPr lang="en-GB" sz="2800" dirty="0" err="1" smtClean="0"/>
-              <a:t>Aufgaben</a:t>
+              <a:t>%</a:t>
             </a:r>
             <a:endParaRPr lang="en-GB" sz="2800" dirty="0"/>
           </a:p>
@@ -8061,7 +8850,625 @@
           <p:cNvPr id="3" name="Content Placeholder 7">
             <a:extLst>
               <a:ext uri="{FF2B5EF4-FFF2-40B4-BE49-F238E27FC236}">
-                <a16:creationId xmlns:a16="http://schemas.microsoft.com/office/drawing/2014/main" xmlns="" id="{3A52400E-A01D-4CCF-8280-EBE32B011F8E}"/>
+                <a16:creationId xmlns="" xmlns:a16="http://schemas.microsoft.com/office/drawing/2014/main" id="{3A52400E-A01D-4CCF-8280-EBE32B011F8E}"/>
+              </a:ext>
+            </a:extLst>
+          </p:cNvPr>
+          <p:cNvSpPr txBox="1">
+            <a:spLocks noGrp="1"/>
+          </p:cNvSpPr>
+          <p:nvPr>
+            <p:ph idx="1"/>
+          </p:nvPr>
+        </p:nvSpPr>
+        <p:spPr>
+          <a:xfrm>
+            <a:off x="3869268" y="174811"/>
+            <a:ext cx="7315200" cy="5984748"/>
+          </a:xfrm>
+        </p:spPr>
+        <p:txBody>
+          <a:bodyPr>
+            <a:normAutofit fontScale="92500" lnSpcReduction="10000"/>
+          </a:bodyPr>
+          <a:lstStyle/>
+          <a:p>
+            <a:pPr marL="0" lvl="0" indent="0">
+              <a:lnSpc>
+                <a:spcPct val="200000"/>
+              </a:lnSpc>
+              <a:buNone/>
+            </a:pPr>
+            <a:r>
+              <a:rPr lang="de-DE" sz="2800" dirty="0">
+                <a:solidFill>
+                  <a:schemeClr val="tx1"/>
+                </a:solidFill>
+              </a:rPr>
+              <a:t>Selbsteinschätzung:</a:t>
+            </a:r>
+          </a:p>
+          <a:p>
+            <a:pPr lvl="0"/>
+            <a:r>
+              <a:rPr lang="de-DE" dirty="0" smtClean="0">
+                <a:solidFill>
+                  <a:schemeClr val="tx1"/>
+                </a:solidFill>
+              </a:rPr>
+              <a:t>Recherche über die Filter der Datenvorverarbeitung</a:t>
+            </a:r>
+            <a:endParaRPr lang="de-DE" dirty="0">
+              <a:solidFill>
+                <a:schemeClr val="tx1"/>
+              </a:solidFill>
+            </a:endParaRPr>
+          </a:p>
+          <a:p>
+            <a:pPr lvl="0"/>
+            <a:r>
+              <a:rPr lang="de-DE" dirty="0" smtClean="0">
+                <a:solidFill>
+                  <a:schemeClr val="tx1"/>
+                </a:solidFill>
+              </a:rPr>
+              <a:t>Implementierung der Filter</a:t>
+            </a:r>
+          </a:p>
+          <a:p>
+            <a:pPr lvl="0"/>
+            <a:r>
+              <a:rPr lang="de-DE" dirty="0" smtClean="0">
+                <a:solidFill>
+                  <a:schemeClr val="tx1"/>
+                </a:solidFill>
+              </a:rPr>
+              <a:t>Erstellen einer Dokumentation für die Skripte</a:t>
+            </a:r>
+            <a:endParaRPr lang="de-DE" dirty="0">
+              <a:solidFill>
+                <a:schemeClr val="tx1"/>
+              </a:solidFill>
+            </a:endParaRPr>
+          </a:p>
+          <a:p>
+            <a:pPr lvl="0"/>
+            <a:r>
+              <a:rPr lang="de-DE" dirty="0" smtClean="0">
+                <a:solidFill>
+                  <a:schemeClr val="tx1"/>
+                </a:solidFill>
+              </a:rPr>
+              <a:t>Verteilung der Personen bei der Automatisierung der Simulation</a:t>
+            </a:r>
+            <a:endParaRPr lang="de-DE" dirty="0">
+              <a:solidFill>
+                <a:schemeClr val="tx1"/>
+              </a:solidFill>
+            </a:endParaRPr>
+          </a:p>
+          <a:p>
+            <a:pPr lvl="0"/>
+            <a:r>
+              <a:rPr lang="de-DE" dirty="0" smtClean="0">
+                <a:solidFill>
+                  <a:schemeClr val="tx1"/>
+                </a:solidFill>
+              </a:rPr>
+              <a:t>Testen der Software</a:t>
+            </a:r>
+            <a:endParaRPr lang="de-DE" dirty="0">
+              <a:solidFill>
+                <a:schemeClr val="tx1"/>
+              </a:solidFill>
+            </a:endParaRPr>
+          </a:p>
+          <a:p>
+            <a:pPr lvl="0"/>
+            <a:r>
+              <a:rPr lang="de-DE" b="1" dirty="0" smtClean="0">
+                <a:solidFill>
+                  <a:schemeClr val="tx1"/>
+                </a:solidFill>
+              </a:rPr>
+              <a:t>Datengenerierung</a:t>
+            </a:r>
+          </a:p>
+          <a:p>
+            <a:pPr lvl="0"/>
+            <a:r>
+              <a:rPr lang="de-DE" dirty="0" smtClean="0">
+                <a:solidFill>
+                  <a:schemeClr val="tx1"/>
+                </a:solidFill>
+              </a:rPr>
+              <a:t>Erstellen eines Technischen Berichts</a:t>
+            </a:r>
+          </a:p>
+          <a:p>
+            <a:pPr lvl="0"/>
+            <a:r>
+              <a:rPr lang="de-DE" dirty="0" smtClean="0">
+                <a:solidFill>
+                  <a:schemeClr val="tx1"/>
+                </a:solidFill>
+              </a:rPr>
+              <a:t>Aufbereitung der Daten nach Vorgaben des Fraunhofer Instituts</a:t>
+            </a:r>
+            <a:endParaRPr lang="de-DE" dirty="0" smtClean="0">
+              <a:solidFill>
+                <a:srgbClr val="FF0000"/>
+              </a:solidFill>
+            </a:endParaRPr>
+          </a:p>
+          <a:p>
+            <a:pPr lvl="0"/>
+            <a:r>
+              <a:rPr lang="de-DE" dirty="0" smtClean="0">
+                <a:solidFill>
+                  <a:schemeClr val="tx1"/>
+                </a:solidFill>
+              </a:rPr>
+              <a:t>Aufbereitung der Daten, dass sie denen von Kameras ähneln</a:t>
+            </a:r>
+          </a:p>
+          <a:p>
+            <a:pPr lvl="0"/>
+            <a:r>
+              <a:rPr lang="de-DE" dirty="0" smtClean="0">
+                <a:solidFill>
+                  <a:schemeClr val="tx1"/>
+                </a:solidFill>
+              </a:rPr>
+              <a:t>Modellieren &amp; simulieren realistischer, variantenreicher Szenarien</a:t>
+            </a:r>
+          </a:p>
+          <a:p>
+            <a:pPr lvl="0"/>
+            <a:r>
+              <a:rPr lang="de-DE" b="1" dirty="0" smtClean="0">
+                <a:solidFill>
+                  <a:schemeClr val="tx1"/>
+                </a:solidFill>
+              </a:rPr>
+              <a:t>Aktualisieren des Trello Projektes/</a:t>
+            </a:r>
+            <a:r>
+              <a:rPr lang="de-DE" b="1" dirty="0" err="1" smtClean="0">
+                <a:solidFill>
+                  <a:schemeClr val="tx1"/>
+                </a:solidFill>
+              </a:rPr>
+              <a:t>Repos</a:t>
+            </a:r>
+            <a:r>
+              <a:rPr lang="de-DE" b="1" dirty="0" smtClean="0">
+                <a:solidFill>
+                  <a:schemeClr val="tx1"/>
+                </a:solidFill>
+              </a:rPr>
+              <a:t>/Organisation der Treffen</a:t>
+            </a:r>
+          </a:p>
+          <a:p>
+            <a:pPr lvl="0"/>
+            <a:r>
+              <a:rPr lang="de-DE" dirty="0" smtClean="0">
+                <a:solidFill>
+                  <a:schemeClr val="tx1"/>
+                </a:solidFill>
+              </a:rPr>
+              <a:t>Erstellung deiner Demo</a:t>
+            </a:r>
+          </a:p>
+          <a:p>
+            <a:r>
+              <a:rPr lang="de-DE" dirty="0" err="1" smtClean="0">
+                <a:solidFill>
+                  <a:schemeClr val="tx1"/>
+                </a:solidFill>
+              </a:rPr>
+              <a:t>Scrum</a:t>
+            </a:r>
+            <a:r>
+              <a:rPr lang="de-DE" dirty="0" smtClean="0">
+                <a:solidFill>
+                  <a:schemeClr val="tx1"/>
+                </a:solidFill>
+              </a:rPr>
+              <a:t> Master</a:t>
+            </a:r>
+            <a:endParaRPr lang="de-DE" dirty="0">
+              <a:solidFill>
+                <a:schemeClr val="tx1"/>
+              </a:solidFill>
+            </a:endParaRPr>
+          </a:p>
+        </p:txBody>
+      </p:sp>
+    </p:spTree>
+    <p:extLst>
+      <p:ext uri="{BB962C8B-B14F-4D97-AF65-F5344CB8AC3E}">
+        <p14:creationId xmlns:p14="http://schemas.microsoft.com/office/powerpoint/2010/main" val="3155284115"/>
+      </p:ext>
+    </p:extLst>
+  </p:cSld>
+  <p:clrMapOvr>
+    <a:masterClrMapping/>
+  </p:clrMapOvr>
+  <p:transition spd="slow">
+    <p:push dir="u"/>
+  </p:transition>
+  <p:timing>
+    <p:tnLst>
+      <p:par>
+        <p:cTn id="1" dur="indefinite" restart="never" nodeType="tmRoot"/>
+      </p:par>
+    </p:tnLst>
+  </p:timing>
+</p:sld>
+</file>
+
+<file path=ppt/slides/slide26.xml><?xml version="1.0" encoding="utf-8"?>
+<p:sld xmlns:a="http://schemas.openxmlformats.org/drawingml/2006/main" xmlns:r="http://schemas.openxmlformats.org/officeDocument/2006/relationships" xmlns:p="http://schemas.openxmlformats.org/presentationml/2006/main">
+  <p:cSld>
+    <p:spTree>
+      <p:nvGrpSpPr>
+        <p:cNvPr id="1" name=""/>
+        <p:cNvGrpSpPr/>
+        <p:nvPr/>
+      </p:nvGrpSpPr>
+      <p:grpSpPr>
+        <a:xfrm>
+          <a:off x="0" y="0"/>
+          <a:ext cx="0" cy="0"/>
+          <a:chOff x="0" y="0"/>
+          <a:chExt cx="0" cy="0"/>
+        </a:xfrm>
+      </p:grpSpPr>
+      <p:sp>
+        <p:nvSpPr>
+          <p:cNvPr id="2" name="Titel 1"/>
+          <p:cNvSpPr>
+            <a:spLocks noGrp="1"/>
+          </p:cNvSpPr>
+          <p:nvPr>
+            <p:ph type="ctrTitle"/>
+          </p:nvPr>
+        </p:nvSpPr>
+        <p:spPr/>
+        <p:txBody>
+          <a:bodyPr>
+            <a:noAutofit/>
+          </a:bodyPr>
+          <a:lstStyle/>
+          <a:p>
+            <a:pPr algn="l"/>
+            <a:r>
+              <a:rPr lang="de-DE" sz="7000" dirty="0" smtClean="0">
+                <a:solidFill>
+                  <a:schemeClr val="bg1"/>
+                </a:solidFill>
+                <a:cs typeface="Times New Roman" panose="02020603050405020304" pitchFamily="18" charset="0"/>
+              </a:rPr>
+              <a:t>Lisa</a:t>
+            </a:r>
+            <a:endParaRPr lang="de-DE" sz="7000" dirty="0">
+              <a:solidFill>
+                <a:schemeClr val="bg1"/>
+              </a:solidFill>
+              <a:cs typeface="Times New Roman" panose="02020603050405020304" pitchFamily="18" charset="0"/>
+            </a:endParaRPr>
+          </a:p>
+        </p:txBody>
+      </p:sp>
+    </p:spTree>
+    <p:extLst>
+      <p:ext uri="{BB962C8B-B14F-4D97-AF65-F5344CB8AC3E}">
+        <p14:creationId xmlns:p14="http://schemas.microsoft.com/office/powerpoint/2010/main" val="624400286"/>
+      </p:ext>
+    </p:extLst>
+  </p:cSld>
+  <p:clrMapOvr>
+    <a:masterClrMapping/>
+  </p:clrMapOvr>
+  <p:transition spd="slow">
+    <p:push dir="u"/>
+  </p:transition>
+  <p:timing>
+    <p:tnLst>
+      <p:par>
+        <p:cTn id="1" dur="indefinite" restart="never" nodeType="tmRoot"/>
+      </p:par>
+    </p:tnLst>
+  </p:timing>
+</p:sld>
+</file>
+
+<file path=ppt/slides/slide27.xml><?xml version="1.0" encoding="utf-8"?>
+<p:sld xmlns:a="http://schemas.openxmlformats.org/drawingml/2006/main" xmlns:r="http://schemas.openxmlformats.org/officeDocument/2006/relationships" xmlns:p="http://schemas.openxmlformats.org/presentationml/2006/main">
+  <p:cSld>
+    <p:spTree>
+      <p:nvGrpSpPr>
+        <p:cNvPr id="1" name=""/>
+        <p:cNvGrpSpPr/>
+        <p:nvPr/>
+      </p:nvGrpSpPr>
+      <p:grpSpPr>
+        <a:xfrm>
+          <a:off x="0" y="0"/>
+          <a:ext cx="0" cy="0"/>
+          <a:chOff x="0" y="0"/>
+          <a:chExt cx="0" cy="0"/>
+        </a:xfrm>
+      </p:grpSpPr>
+      <p:sp>
+        <p:nvSpPr>
+          <p:cNvPr id="2" name="Title 6">
+            <a:extLst>
+              <a:ext uri="{FF2B5EF4-FFF2-40B4-BE49-F238E27FC236}">
+                <a16:creationId xmlns="" xmlns:a16="http://schemas.microsoft.com/office/drawing/2014/main" id="{04F78A0C-BF40-4E0B-9FA4-AAAA57E3C4EF}"/>
+              </a:ext>
+            </a:extLst>
+          </p:cNvPr>
+          <p:cNvSpPr txBox="1">
+            <a:spLocks noGrp="1"/>
+          </p:cNvSpPr>
+          <p:nvPr>
+            <p:ph type="title"/>
+          </p:nvPr>
+        </p:nvSpPr>
+        <p:spPr/>
+        <p:txBody>
+          <a:bodyPr>
+            <a:normAutofit/>
+          </a:bodyPr>
+          <a:lstStyle/>
+          <a:p>
+            <a:pPr lvl="0" algn="ctr"/>
+            <a:r>
+              <a:rPr lang="en-GB" sz="2800" dirty="0" err="1" smtClean="0"/>
+              <a:t>Meine</a:t>
+            </a:r>
+            <a:r>
+              <a:rPr lang="en-GB" sz="2800" dirty="0" smtClean="0"/>
+              <a:t> </a:t>
+            </a:r>
+            <a:r>
+              <a:rPr lang="en-GB" sz="2800" dirty="0" err="1" smtClean="0"/>
+              <a:t>Aufgaben</a:t>
+            </a:r>
+            <a:endParaRPr lang="en-GB" sz="2800" dirty="0"/>
+          </a:p>
+        </p:txBody>
+      </p:sp>
+      <p:sp>
+        <p:nvSpPr>
+          <p:cNvPr id="3" name="Content Placeholder 7">
+            <a:extLst>
+              <a:ext uri="{FF2B5EF4-FFF2-40B4-BE49-F238E27FC236}">
+                <a16:creationId xmlns="" xmlns:a16="http://schemas.microsoft.com/office/drawing/2014/main" id="{3A52400E-A01D-4CCF-8280-EBE32B011F8E}"/>
+              </a:ext>
+            </a:extLst>
+          </p:cNvPr>
+          <p:cNvSpPr txBox="1">
+            <a:spLocks noGrp="1"/>
+          </p:cNvSpPr>
+          <p:nvPr>
+            <p:ph idx="1"/>
+          </p:nvPr>
+        </p:nvSpPr>
+        <p:spPr>
+          <a:xfrm>
+            <a:off x="3869268" y="174811"/>
+            <a:ext cx="7315200" cy="5984748"/>
+          </a:xfrm>
+        </p:spPr>
+        <p:txBody>
+          <a:bodyPr>
+            <a:normAutofit/>
+          </a:bodyPr>
+          <a:lstStyle/>
+          <a:p>
+            <a:pPr marL="0" lvl="0" indent="0">
+              <a:lnSpc>
+                <a:spcPct val="200000"/>
+              </a:lnSpc>
+              <a:buNone/>
+            </a:pPr>
+            <a:r>
+              <a:rPr lang="de-DE" sz="2800" dirty="0" smtClean="0">
+                <a:solidFill>
+                  <a:schemeClr val="tx1"/>
+                </a:solidFill>
+              </a:rPr>
+              <a:t>Meine Aufgaben:</a:t>
+            </a:r>
+          </a:p>
+          <a:p>
+            <a:pPr>
+              <a:lnSpc>
+                <a:spcPct val="200000"/>
+              </a:lnSpc>
+            </a:pPr>
+            <a:r>
+              <a:rPr lang="de-DE" dirty="0" err="1" smtClean="0">
+                <a:solidFill>
+                  <a:schemeClr val="tx1"/>
+                </a:solidFill>
+              </a:rPr>
+              <a:t>Scrum</a:t>
+            </a:r>
+            <a:r>
+              <a:rPr lang="de-DE" dirty="0" smtClean="0">
+                <a:solidFill>
+                  <a:schemeClr val="tx1"/>
+                </a:solidFill>
+              </a:rPr>
+              <a:t> Master/Organisation der Treffen</a:t>
+            </a:r>
+          </a:p>
+          <a:p>
+            <a:pPr>
+              <a:lnSpc>
+                <a:spcPct val="200000"/>
+              </a:lnSpc>
+            </a:pPr>
+            <a:r>
+              <a:rPr lang="de-DE" dirty="0" smtClean="0">
+                <a:solidFill>
+                  <a:schemeClr val="tx1"/>
+                </a:solidFill>
+              </a:rPr>
+              <a:t>Schreiben des Technischen Berichts</a:t>
+            </a:r>
+          </a:p>
+          <a:p>
+            <a:pPr>
+              <a:lnSpc>
+                <a:spcPct val="200000"/>
+              </a:lnSpc>
+            </a:pPr>
+            <a:r>
+              <a:rPr lang="de-DE" dirty="0" smtClean="0">
+                <a:solidFill>
+                  <a:schemeClr val="tx1"/>
+                </a:solidFill>
+              </a:rPr>
+              <a:t>Erstellen von Demonstrationen</a:t>
+            </a:r>
+          </a:p>
+          <a:p>
+            <a:pPr>
+              <a:lnSpc>
+                <a:spcPct val="200000"/>
+              </a:lnSpc>
+            </a:pPr>
+            <a:r>
+              <a:rPr lang="de-DE" dirty="0" smtClean="0">
+                <a:solidFill>
+                  <a:schemeClr val="tx1"/>
+                </a:solidFill>
+              </a:rPr>
+              <a:t>Erstellen von Szenarien</a:t>
+            </a:r>
+          </a:p>
+          <a:p>
+            <a:pPr>
+              <a:lnSpc>
+                <a:spcPct val="200000"/>
+              </a:lnSpc>
+            </a:pPr>
+            <a:r>
+              <a:rPr lang="de-DE" dirty="0" smtClean="0">
+                <a:solidFill>
+                  <a:schemeClr val="tx1"/>
+                </a:solidFill>
+              </a:rPr>
+              <a:t>Testen</a:t>
+            </a:r>
+          </a:p>
+          <a:p>
+            <a:pPr marL="0" lvl="0" indent="0">
+              <a:lnSpc>
+                <a:spcPct val="200000"/>
+              </a:lnSpc>
+              <a:buNone/>
+            </a:pPr>
+            <a:endParaRPr lang="de-DE" sz="2800" dirty="0" smtClean="0">
+              <a:solidFill>
+                <a:schemeClr val="tx1"/>
+              </a:solidFill>
+            </a:endParaRPr>
+          </a:p>
+        </p:txBody>
+      </p:sp>
+    </p:spTree>
+    <p:extLst>
+      <p:ext uri="{BB962C8B-B14F-4D97-AF65-F5344CB8AC3E}">
+        <p14:creationId xmlns:p14="http://schemas.microsoft.com/office/powerpoint/2010/main" val="3038644699"/>
+      </p:ext>
+    </p:extLst>
+  </p:cSld>
+  <p:clrMapOvr>
+    <a:masterClrMapping/>
+  </p:clrMapOvr>
+  <p:transition spd="slow">
+    <p:push dir="u"/>
+  </p:transition>
+  <p:timing>
+    <p:tnLst>
+      <p:par>
+        <p:cTn id="1" dur="indefinite" restart="never" nodeType="tmRoot"/>
+      </p:par>
+    </p:tnLst>
+  </p:timing>
+</p:sld>
+</file>
+
+<file path=ppt/slides/slide28.xml><?xml version="1.0" encoding="utf-8"?>
+<p:sld xmlns:a="http://schemas.openxmlformats.org/drawingml/2006/main" xmlns:r="http://schemas.openxmlformats.org/officeDocument/2006/relationships" xmlns:p="http://schemas.openxmlformats.org/presentationml/2006/main">
+  <p:cSld>
+    <p:spTree>
+      <p:nvGrpSpPr>
+        <p:cNvPr id="1" name=""/>
+        <p:cNvGrpSpPr/>
+        <p:nvPr/>
+      </p:nvGrpSpPr>
+      <p:grpSpPr>
+        <a:xfrm>
+          <a:off x="0" y="0"/>
+          <a:ext cx="0" cy="0"/>
+          <a:chOff x="0" y="0"/>
+          <a:chExt cx="0" cy="0"/>
+        </a:xfrm>
+      </p:grpSpPr>
+      <p:sp>
+        <p:nvSpPr>
+          <p:cNvPr id="2" name="Title 6">
+            <a:extLst>
+              <a:ext uri="{FF2B5EF4-FFF2-40B4-BE49-F238E27FC236}">
+                <a16:creationId xmlns="" xmlns:a16="http://schemas.microsoft.com/office/drawing/2014/main" id="{04F78A0C-BF40-4E0B-9FA4-AAAA57E3C4EF}"/>
+              </a:ext>
+            </a:extLst>
+          </p:cNvPr>
+          <p:cNvSpPr txBox="1">
+            <a:spLocks noGrp="1"/>
+          </p:cNvSpPr>
+          <p:nvPr>
+            <p:ph type="title"/>
+          </p:nvPr>
+        </p:nvSpPr>
+        <p:spPr/>
+        <p:txBody>
+          <a:bodyPr>
+            <a:normAutofit/>
+          </a:bodyPr>
+          <a:lstStyle/>
+          <a:p>
+            <a:pPr lvl="0" algn="ctr"/>
+            <a:r>
+              <a:rPr lang="en-GB" sz="2800" dirty="0" err="1" smtClean="0"/>
+              <a:t>Meine</a:t>
+            </a:r>
+            <a:r>
+              <a:rPr lang="en-GB" sz="2800" dirty="0" smtClean="0"/>
+              <a:t> </a:t>
+            </a:r>
+            <a:r>
+              <a:rPr lang="en-GB" sz="2800" dirty="0" err="1" smtClean="0"/>
+              <a:t>Aufgaben</a:t>
+            </a:r>
+            <a:endParaRPr lang="en-GB" sz="2800" dirty="0"/>
+          </a:p>
+        </p:txBody>
+      </p:sp>
+      <p:sp>
+        <p:nvSpPr>
+          <p:cNvPr id="3" name="Content Placeholder 7">
+            <a:extLst>
+              <a:ext uri="{FF2B5EF4-FFF2-40B4-BE49-F238E27FC236}">
+                <a16:creationId xmlns="" xmlns:a16="http://schemas.microsoft.com/office/drawing/2014/main" id="{3A52400E-A01D-4CCF-8280-EBE32B011F8E}"/>
               </a:ext>
             </a:extLst>
           </p:cNvPr>
@@ -8333,7 +9740,7 @@
 </p:sld>
 </file>
 
-<file path=ppt/slides/slide25.xml><?xml version="1.0" encoding="utf-8"?>
+<file path=ppt/slides/slide29.xml><?xml version="1.0" encoding="utf-8"?>
 <p:sld xmlns:a="http://schemas.openxmlformats.org/drawingml/2006/main" xmlns:r="http://schemas.openxmlformats.org/officeDocument/2006/relationships" xmlns:p="http://schemas.openxmlformats.org/presentationml/2006/main">
   <p:cSld>
     <p:spTree>
@@ -8355,7 +9762,7 @@
           <p:cNvPr id="2" name="Title 6">
             <a:extLst>
               <a:ext uri="{FF2B5EF4-FFF2-40B4-BE49-F238E27FC236}">
-                <a16:creationId xmlns:a16="http://schemas.microsoft.com/office/drawing/2014/main" xmlns="" id="{04F78A0C-BF40-4E0B-9FA4-AAAA57E3C4EF}"/>
+                <a16:creationId xmlns="" xmlns:a16="http://schemas.microsoft.com/office/drawing/2014/main" id="{04F78A0C-BF40-4E0B-9FA4-AAAA57E3C4EF}"/>
               </a:ext>
             </a:extLst>
           </p:cNvPr>
@@ -8387,7 +9794,7 @@
           <p:cNvPr id="3" name="Content Placeholder 7">
             <a:extLst>
               <a:ext uri="{FF2B5EF4-FFF2-40B4-BE49-F238E27FC236}">
-                <a16:creationId xmlns:a16="http://schemas.microsoft.com/office/drawing/2014/main" xmlns="" id="{3A52400E-A01D-4CCF-8280-EBE32B011F8E}"/>
+                <a16:creationId xmlns="" xmlns:a16="http://schemas.microsoft.com/office/drawing/2014/main" id="{3A52400E-A01D-4CCF-8280-EBE32B011F8E}"/>
               </a:ext>
             </a:extLst>
           </p:cNvPr>
@@ -8794,7 +10201,7 @@
           <p:cNvPr id="3" name="Content Placeholder 2">
             <a:extLst>
               <a:ext uri="{FF2B5EF4-FFF2-40B4-BE49-F238E27FC236}">
-                <a16:creationId xmlns:a16="http://schemas.microsoft.com/office/drawing/2014/main" xmlns="" id="{5D4B6457-3E37-4879-A8CB-262CE10EA13A}"/>
+                <a16:creationId xmlns="" xmlns:a16="http://schemas.microsoft.com/office/drawing/2014/main" id="{5D4B6457-3E37-4879-A8CB-262CE10EA13A}"/>
               </a:ext>
             </a:extLst>
           </p:cNvPr>
@@ -9290,7 +10697,7 @@
           <p:cNvPr id="9" name="Content Placeholder 8">
             <a:extLst>
               <a:ext uri="{FF2B5EF4-FFF2-40B4-BE49-F238E27FC236}">
-                <a16:creationId xmlns:a16="http://schemas.microsoft.com/office/drawing/2014/main" xmlns="" id="{08DF57E2-668B-4E5A-AEBF-D8CEC596E7D4}"/>
+                <a16:creationId xmlns="" xmlns:a16="http://schemas.microsoft.com/office/drawing/2014/main" id="{08DF57E2-668B-4E5A-AEBF-D8CEC596E7D4}"/>
               </a:ext>
             </a:extLst>
           </p:cNvPr>
@@ -9504,7 +10911,7 @@
           <p:cNvPr id="8" name="Text Placeholder 7">
             <a:extLst>
               <a:ext uri="{FF2B5EF4-FFF2-40B4-BE49-F238E27FC236}">
-                <a16:creationId xmlns:a16="http://schemas.microsoft.com/office/drawing/2014/main" xmlns="" id="{7C7B7B5E-EB63-48A8-BCF5-30057479D808}"/>
+                <a16:creationId xmlns="" xmlns:a16="http://schemas.microsoft.com/office/drawing/2014/main" id="{7C7B7B5E-EB63-48A8-BCF5-30057479D808}"/>
               </a:ext>
             </a:extLst>
           </p:cNvPr>
@@ -9559,7 +10966,7 @@
           <p:cNvPr id="9" name="Content Placeholder 8">
             <a:extLst>
               <a:ext uri="{FF2B5EF4-FFF2-40B4-BE49-F238E27FC236}">
-                <a16:creationId xmlns:a16="http://schemas.microsoft.com/office/drawing/2014/main" xmlns="" id="{B69192B4-B668-4E8C-8C21-3A34BA8E13E7}"/>
+                <a16:creationId xmlns="" xmlns:a16="http://schemas.microsoft.com/office/drawing/2014/main" id="{B69192B4-B668-4E8C-8C21-3A34BA8E13E7}"/>
               </a:ext>
             </a:extLst>
           </p:cNvPr>
@@ -9703,7 +11110,7 @@
           <p:cNvPr id="10" name="Text Placeholder 9">
             <a:extLst>
               <a:ext uri="{FF2B5EF4-FFF2-40B4-BE49-F238E27FC236}">
-                <a16:creationId xmlns:a16="http://schemas.microsoft.com/office/drawing/2014/main" xmlns="" id="{528A301B-E3B1-4B35-BE7D-F69C91D785D0}"/>
+                <a16:creationId xmlns="" xmlns:a16="http://schemas.microsoft.com/office/drawing/2014/main" id="{528A301B-E3B1-4B35-BE7D-F69C91D785D0}"/>
               </a:ext>
             </a:extLst>
           </p:cNvPr>
@@ -9742,7 +11149,7 @@
           <p:cNvPr id="11" name="Content Placeholder 10">
             <a:extLst>
               <a:ext uri="{FF2B5EF4-FFF2-40B4-BE49-F238E27FC236}">
-                <a16:creationId xmlns:a16="http://schemas.microsoft.com/office/drawing/2014/main" xmlns="" id="{33DCA290-89C4-4275-A93D-319C803D2771}"/>
+                <a16:creationId xmlns="" xmlns:a16="http://schemas.microsoft.com/office/drawing/2014/main" id="{33DCA290-89C4-4275-A93D-319C803D2771}"/>
               </a:ext>
             </a:extLst>
           </p:cNvPr>
@@ -9834,7 +11241,7 @@
           <p:cNvPr id="12" name="Arrow: Down 11">
             <a:extLst>
               <a:ext uri="{FF2B5EF4-FFF2-40B4-BE49-F238E27FC236}">
-                <a16:creationId xmlns:a16="http://schemas.microsoft.com/office/drawing/2014/main" xmlns="" id="{5F710989-371B-4482-A9BD-56DFD57DBD75}"/>
+                <a16:creationId xmlns="" xmlns:a16="http://schemas.microsoft.com/office/drawing/2014/main" id="{5F710989-371B-4482-A9BD-56DFD57DBD75}"/>
               </a:ext>
             </a:extLst>
           </p:cNvPr>
@@ -9888,7 +11295,7 @@
           <p:cNvPr id="13" name="Arrow: Down 12">
             <a:extLst>
               <a:ext uri="{FF2B5EF4-FFF2-40B4-BE49-F238E27FC236}">
-                <a16:creationId xmlns:a16="http://schemas.microsoft.com/office/drawing/2014/main" xmlns="" id="{3C3CD861-7549-47BE-8D26-BF01FD79F024}"/>
+                <a16:creationId xmlns="" xmlns:a16="http://schemas.microsoft.com/office/drawing/2014/main" id="{3C3CD861-7549-47BE-8D26-BF01FD79F024}"/>
               </a:ext>
             </a:extLst>
           </p:cNvPr>
@@ -9982,7 +11389,7 @@
           <p:cNvPr id="11" name="Text Placeholder 10">
             <a:extLst>
               <a:ext uri="{FF2B5EF4-FFF2-40B4-BE49-F238E27FC236}">
-                <a16:creationId xmlns:a16="http://schemas.microsoft.com/office/drawing/2014/main" xmlns="" id="{EA176D17-8200-422B-A524-7F10475ECEF8}"/>
+                <a16:creationId xmlns="" xmlns:a16="http://schemas.microsoft.com/office/drawing/2014/main" id="{EA176D17-8200-422B-A524-7F10475ECEF8}"/>
               </a:ext>
             </a:extLst>
           </p:cNvPr>
@@ -10034,7 +11441,7 @@
           <p:cNvPr id="8" name="Content Placeholder 7">
             <a:extLst>
               <a:ext uri="{FF2B5EF4-FFF2-40B4-BE49-F238E27FC236}">
-                <a16:creationId xmlns:a16="http://schemas.microsoft.com/office/drawing/2014/main" xmlns="" id="{5FF4DCB6-21B0-4D52-90D0-4B41F67FF51E}"/>
+                <a16:creationId xmlns="" xmlns:a16="http://schemas.microsoft.com/office/drawing/2014/main" id="{5FF4DCB6-21B0-4D52-90D0-4B41F67FF51E}"/>
               </a:ext>
             </a:extLst>
           </p:cNvPr>
@@ -10159,7 +11566,7 @@
           <p:cNvPr id="9" name="Content Placeholder 8">
             <a:extLst>
               <a:ext uri="{FF2B5EF4-FFF2-40B4-BE49-F238E27FC236}">
-                <a16:creationId xmlns:a16="http://schemas.microsoft.com/office/drawing/2014/main" xmlns="" id="{6D926286-4DAB-48EB-97A3-06175DC678CE}"/>
+                <a16:creationId xmlns="" xmlns:a16="http://schemas.microsoft.com/office/drawing/2014/main" id="{6D926286-4DAB-48EB-97A3-06175DC678CE}"/>
               </a:ext>
             </a:extLst>
           </p:cNvPr>
@@ -10473,7 +11880,7 @@
           <p:cNvPr id="14" name="Picture 13">
             <a:extLst>
               <a:ext uri="{FF2B5EF4-FFF2-40B4-BE49-F238E27FC236}">
-                <a16:creationId xmlns:a16="http://schemas.microsoft.com/office/drawing/2014/main" xmlns="" id="{6F1B2972-00B7-472B-870D-CC70C6F0BD20}"/>
+                <a16:creationId xmlns="" xmlns:a16="http://schemas.microsoft.com/office/drawing/2014/main" id="{6F1B2972-00B7-472B-870D-CC70C6F0BD20}"/>
               </a:ext>
             </a:extLst>
           </p:cNvPr>
@@ -10549,7 +11956,7 @@
           <p:cNvPr id="14" name="Content Placeholder 13">
             <a:extLst>
               <a:ext uri="{FF2B5EF4-FFF2-40B4-BE49-F238E27FC236}">
-                <a16:creationId xmlns:a16="http://schemas.microsoft.com/office/drawing/2014/main" xmlns="" id="{86EA5D6E-C62C-47D0-8138-CB405D04E4E4}"/>
+                <a16:creationId xmlns="" xmlns:a16="http://schemas.microsoft.com/office/drawing/2014/main" id="{86EA5D6E-C62C-47D0-8138-CB405D04E4E4}"/>
               </a:ext>
             </a:extLst>
           </p:cNvPr>
@@ -10612,7 +12019,7 @@
           <p:cNvPr id="9" name="Titel 1">
             <a:extLst>
               <a:ext uri="{FF2B5EF4-FFF2-40B4-BE49-F238E27FC236}">
-                <a16:creationId xmlns:a16="http://schemas.microsoft.com/office/drawing/2014/main" xmlns="" id="{E5885248-D7EC-46A9-881C-FEC0809E0C48}"/>
+                <a16:creationId xmlns="" xmlns:a16="http://schemas.microsoft.com/office/drawing/2014/main" id="{E5885248-D7EC-46A9-881C-FEC0809E0C48}"/>
               </a:ext>
             </a:extLst>
           </p:cNvPr>
@@ -10632,7 +12039,7 @@
         </p:spPr>
         <p:txBody>
           <a:bodyPr vert="horz" lIns="91440" tIns="45720" rIns="91440" bIns="45720" rtlCol="0" anchor="b">
-            <a:normAutofit lnSpcReduction="10000"/>
+            <a:normAutofit/>
           </a:bodyPr>
           <a:lstStyle>
             <a:lvl1pPr algn="l" defTabSz="914400" rtl="0" eaLnBrk="1" latinLnBrk="0" hangingPunct="1">
@@ -10672,7 +12079,7 @@
           <p:cNvPr id="16" name="Title 15">
             <a:extLst>
               <a:ext uri="{FF2B5EF4-FFF2-40B4-BE49-F238E27FC236}">
-                <a16:creationId xmlns:a16="http://schemas.microsoft.com/office/drawing/2014/main" xmlns="" id="{0311113E-B278-4458-8FCF-AD752B46CF64}"/>
+                <a16:creationId xmlns="" xmlns:a16="http://schemas.microsoft.com/office/drawing/2014/main" id="{0311113E-B278-4458-8FCF-AD752B46CF64}"/>
               </a:ext>
             </a:extLst>
           </p:cNvPr>
@@ -10807,7 +12214,7 @@
           <p:cNvPr id="2" name="Title 6">
             <a:extLst>
               <a:ext uri="{FF2B5EF4-FFF2-40B4-BE49-F238E27FC236}">
-                <a16:creationId xmlns:a16="http://schemas.microsoft.com/office/drawing/2014/main" xmlns="" id="{04F78A0C-BF40-4E0B-9FA4-AAAA57E3C4EF}"/>
+                <a16:creationId xmlns="" xmlns:a16="http://schemas.microsoft.com/office/drawing/2014/main" id="{04F78A0C-BF40-4E0B-9FA4-AAAA57E3C4EF}"/>
               </a:ext>
             </a:extLst>
           </p:cNvPr>
@@ -10839,7 +12246,7 @@
           <p:cNvPr id="3" name="Content Placeholder 7">
             <a:extLst>
               <a:ext uri="{FF2B5EF4-FFF2-40B4-BE49-F238E27FC236}">
-                <a16:creationId xmlns:a16="http://schemas.microsoft.com/office/drawing/2014/main" xmlns="" id="{3A52400E-A01D-4CCF-8280-EBE32B011F8E}"/>
+                <a16:creationId xmlns="" xmlns:a16="http://schemas.microsoft.com/office/drawing/2014/main" id="{3A52400E-A01D-4CCF-8280-EBE32B011F8E}"/>
               </a:ext>
             </a:extLst>
           </p:cNvPr>
